--- a/Output/Pub_figs/ppt_shame_folder/Fig1_panel.pptx
+++ b/Output/Pub_figs/ppt_shame_folder/Fig1_panel.pptx
@@ -197,7 +197,7 @@
           <a:p>
             <a:fld id="{8C547A30-B33E-0F4D-80D3-447684F1AE93}" type="datetimeFigureOut">
               <a:rPr lang="en-US" smtClean="0"/>
-              <a:t>9/18/24</a:t>
+              <a:t>11/12/24</a:t>
             </a:fld>
             <a:endParaRPr lang="en-US"/>
           </a:p>
@@ -679,7 +679,7 @@
           <a:p>
             <a:fld id="{920285A9-D9B7-E64A-891F-D75C53CC6425}" type="datetimeFigureOut">
               <a:rPr lang="en-US" smtClean="0"/>
-              <a:t>9/18/24</a:t>
+              <a:t>11/12/24</a:t>
             </a:fld>
             <a:endParaRPr lang="en-US"/>
           </a:p>
@@ -849,7 +849,7 @@
           <a:p>
             <a:fld id="{920285A9-D9B7-E64A-891F-D75C53CC6425}" type="datetimeFigureOut">
               <a:rPr lang="en-US" smtClean="0"/>
-              <a:t>9/18/24</a:t>
+              <a:t>11/12/24</a:t>
             </a:fld>
             <a:endParaRPr lang="en-US"/>
           </a:p>
@@ -1029,7 +1029,7 @@
           <a:p>
             <a:fld id="{920285A9-D9B7-E64A-891F-D75C53CC6425}" type="datetimeFigureOut">
               <a:rPr lang="en-US" smtClean="0"/>
-              <a:t>9/18/24</a:t>
+              <a:t>11/12/24</a:t>
             </a:fld>
             <a:endParaRPr lang="en-US"/>
           </a:p>
@@ -1199,7 +1199,7 @@
           <a:p>
             <a:fld id="{920285A9-D9B7-E64A-891F-D75C53CC6425}" type="datetimeFigureOut">
               <a:rPr lang="en-US" smtClean="0"/>
-              <a:t>9/18/24</a:t>
+              <a:t>11/12/24</a:t>
             </a:fld>
             <a:endParaRPr lang="en-US"/>
           </a:p>
@@ -1445,7 +1445,7 @@
           <a:p>
             <a:fld id="{920285A9-D9B7-E64A-891F-D75C53CC6425}" type="datetimeFigureOut">
               <a:rPr lang="en-US" smtClean="0"/>
-              <a:t>9/18/24</a:t>
+              <a:t>11/12/24</a:t>
             </a:fld>
             <a:endParaRPr lang="en-US"/>
           </a:p>
@@ -1677,7 +1677,7 @@
           <a:p>
             <a:fld id="{920285A9-D9B7-E64A-891F-D75C53CC6425}" type="datetimeFigureOut">
               <a:rPr lang="en-US" smtClean="0"/>
-              <a:t>9/18/24</a:t>
+              <a:t>11/12/24</a:t>
             </a:fld>
             <a:endParaRPr lang="en-US"/>
           </a:p>
@@ -2044,7 +2044,7 @@
           <a:p>
             <a:fld id="{920285A9-D9B7-E64A-891F-D75C53CC6425}" type="datetimeFigureOut">
               <a:rPr lang="en-US" smtClean="0"/>
-              <a:t>9/18/24</a:t>
+              <a:t>11/12/24</a:t>
             </a:fld>
             <a:endParaRPr lang="en-US"/>
           </a:p>
@@ -2162,7 +2162,7 @@
           <a:p>
             <a:fld id="{920285A9-D9B7-E64A-891F-D75C53CC6425}" type="datetimeFigureOut">
               <a:rPr lang="en-US" smtClean="0"/>
-              <a:t>9/18/24</a:t>
+              <a:t>11/12/24</a:t>
             </a:fld>
             <a:endParaRPr lang="en-US"/>
           </a:p>
@@ -2257,7 +2257,7 @@
           <a:p>
             <a:fld id="{920285A9-D9B7-E64A-891F-D75C53CC6425}" type="datetimeFigureOut">
               <a:rPr lang="en-US" smtClean="0"/>
-              <a:t>9/18/24</a:t>
+              <a:t>11/12/24</a:t>
             </a:fld>
             <a:endParaRPr lang="en-US"/>
           </a:p>
@@ -2534,7 +2534,7 @@
           <a:p>
             <a:fld id="{920285A9-D9B7-E64A-891F-D75C53CC6425}" type="datetimeFigureOut">
               <a:rPr lang="en-US" smtClean="0"/>
-              <a:t>9/18/24</a:t>
+              <a:t>11/12/24</a:t>
             </a:fld>
             <a:endParaRPr lang="en-US"/>
           </a:p>
@@ -2791,7 +2791,7 @@
           <a:p>
             <a:fld id="{920285A9-D9B7-E64A-891F-D75C53CC6425}" type="datetimeFigureOut">
               <a:rPr lang="en-US" smtClean="0"/>
-              <a:t>9/18/24</a:t>
+              <a:t>11/12/24</a:t>
             </a:fld>
             <a:endParaRPr lang="en-US"/>
           </a:p>
@@ -3004,7 +3004,7 @@
           <a:p>
             <a:fld id="{920285A9-D9B7-E64A-891F-D75C53CC6425}" type="datetimeFigureOut">
               <a:rPr lang="en-US" smtClean="0"/>
-              <a:t>9/18/24</a:t>
+              <a:t>11/12/24</a:t>
             </a:fld>
             <a:endParaRPr lang="en-US"/>
           </a:p>
@@ -3409,6 +3409,36 @@
           <a:chExt cx="0" cy="0"/>
         </a:xfrm>
       </p:grpSpPr>
+      <p:pic>
+        <p:nvPicPr>
+          <p:cNvPr id="4" name="Picture 3" descr="A map of the world with different colored circles&#10;&#10;Description automatically generated">
+            <a:extLst>
+              <a:ext uri="{FF2B5EF4-FFF2-40B4-BE49-F238E27FC236}">
+                <a16:creationId xmlns:a16="http://schemas.microsoft.com/office/drawing/2014/main" id="{4B190C16-BDDC-A0F4-E039-92AAE79C0A2A}"/>
+              </a:ext>
+            </a:extLst>
+          </p:cNvPr>
+          <p:cNvPicPr>
+            <a:picLocks noChangeAspect="1"/>
+          </p:cNvPicPr>
+          <p:nvPr/>
+        </p:nvPicPr>
+        <p:blipFill>
+          <a:blip r:embed="rId3"/>
+          <a:stretch>
+            <a:fillRect/>
+          </a:stretch>
+        </p:blipFill>
+        <p:spPr>
+          <a:xfrm>
+            <a:off x="-24" y="1672335"/>
+            <a:ext cx="4572000" cy="3266434"/>
+          </a:xfrm>
+          <a:prstGeom prst="rect">
+            <a:avLst/>
+          </a:prstGeom>
+        </p:spPr>
+      </p:pic>
       <p:grpSp>
         <p:nvGrpSpPr>
           <p:cNvPr id="5" name="Group 4">
@@ -3444,7 +3474,7 @@
             <p:nvPr/>
           </p:nvPicPr>
           <p:blipFill rotWithShape="1">
-            <a:blip r:embed="rId3"/>
+            <a:blip r:embed="rId4"/>
             <a:srcRect l="44456" t="36578" r="37377" b="31254"/>
             <a:stretch/>
           </p:blipFill>
@@ -4480,10 +4510,10 @@
             <p:nvPr/>
           </p:nvPicPr>
           <p:blipFill rotWithShape="1">
-            <a:blip r:embed="rId4">
+            <a:blip r:embed="rId5">
               <a:extLst>
                 <a:ext uri="{96DAC541-7B7A-43D3-8B79-37D633B846F1}">
-                  <asvg:svgBlip xmlns:asvg="http://schemas.microsoft.com/office/drawing/2016/SVG/main" r:embed="rId5"/>
+                  <asvg:svgBlip xmlns:asvg="http://schemas.microsoft.com/office/drawing/2016/SVG/main" r:embed="rId6"/>
                 </a:ext>
               </a:extLst>
             </a:blip>
@@ -4725,10 +4755,10 @@
             <p:nvPr/>
           </p:nvPicPr>
           <p:blipFill rotWithShape="1">
-            <a:blip r:embed="rId4">
+            <a:blip r:embed="rId5">
               <a:extLst>
                 <a:ext uri="{96DAC541-7B7A-43D3-8B79-37D633B846F1}">
-                  <asvg:svgBlip xmlns:asvg="http://schemas.microsoft.com/office/drawing/2016/SVG/main" r:embed="rId5"/>
+                  <asvg:svgBlip xmlns:asvg="http://schemas.microsoft.com/office/drawing/2016/SVG/main" r:embed="rId6"/>
                 </a:ext>
               </a:extLst>
             </a:blip>
@@ -4760,10 +4790,10 @@
             <p:nvPr/>
           </p:nvPicPr>
           <p:blipFill rotWithShape="1">
-            <a:blip r:embed="rId4">
+            <a:blip r:embed="rId5">
               <a:extLst>
                 <a:ext uri="{96DAC541-7B7A-43D3-8B79-37D633B846F1}">
-                  <asvg:svgBlip xmlns:asvg="http://schemas.microsoft.com/office/drawing/2016/SVG/main" r:embed="rId5"/>
+                  <asvg:svgBlip xmlns:asvg="http://schemas.microsoft.com/office/drawing/2016/SVG/main" r:embed="rId6"/>
                 </a:ext>
               </a:extLst>
             </a:blip>
@@ -4795,10 +4825,10 @@
             <p:nvPr/>
           </p:nvPicPr>
           <p:blipFill rotWithShape="1">
-            <a:blip r:embed="rId4">
+            <a:blip r:embed="rId5">
               <a:extLst>
                 <a:ext uri="{96DAC541-7B7A-43D3-8B79-37D633B846F1}">
-                  <asvg:svgBlip xmlns:asvg="http://schemas.microsoft.com/office/drawing/2016/SVG/main" r:embed="rId5"/>
+                  <asvg:svgBlip xmlns:asvg="http://schemas.microsoft.com/office/drawing/2016/SVG/main" r:embed="rId6"/>
                 </a:ext>
               </a:extLst>
             </a:blip>
@@ -4830,10 +4860,10 @@
             <p:nvPr/>
           </p:nvPicPr>
           <p:blipFill>
-            <a:blip r:embed="rId6">
+            <a:blip r:embed="rId7">
               <a:extLst>
                 <a:ext uri="{96DAC541-7B7A-43D3-8B79-37D633B846F1}">
-                  <asvg:svgBlip xmlns:asvg="http://schemas.microsoft.com/office/drawing/2016/SVG/main" r:embed="rId7"/>
+                  <asvg:svgBlip xmlns:asvg="http://schemas.microsoft.com/office/drawing/2016/SVG/main" r:embed="rId8"/>
                 </a:ext>
               </a:extLst>
             </a:blip>
@@ -4866,10 +4896,10 @@
             <p:nvPr/>
           </p:nvPicPr>
           <p:blipFill>
-            <a:blip r:embed="rId8">
+            <a:blip r:embed="rId9">
               <a:extLst>
                 <a:ext uri="{96DAC541-7B7A-43D3-8B79-37D633B846F1}">
-                  <asvg:svgBlip xmlns:asvg="http://schemas.microsoft.com/office/drawing/2016/SVG/main" r:embed="rId9"/>
+                  <asvg:svgBlip xmlns:asvg="http://schemas.microsoft.com/office/drawing/2016/SVG/main" r:embed="rId10"/>
                 </a:ext>
               </a:extLst>
             </a:blip>
@@ -4902,10 +4932,10 @@
             <p:nvPr/>
           </p:nvPicPr>
           <p:blipFill>
-            <a:blip r:embed="rId6">
+            <a:blip r:embed="rId7">
               <a:extLst>
                 <a:ext uri="{96DAC541-7B7A-43D3-8B79-37D633B846F1}">
-                  <asvg:svgBlip xmlns:asvg="http://schemas.microsoft.com/office/drawing/2016/SVG/main" r:embed="rId7"/>
+                  <asvg:svgBlip xmlns:asvg="http://schemas.microsoft.com/office/drawing/2016/SVG/main" r:embed="rId8"/>
                 </a:ext>
               </a:extLst>
             </a:blip>
@@ -4938,10 +4968,10 @@
             <p:nvPr/>
           </p:nvPicPr>
           <p:blipFill>
-            <a:blip r:embed="rId10">
+            <a:blip r:embed="rId11">
               <a:extLst>
                 <a:ext uri="{96DAC541-7B7A-43D3-8B79-37D633B846F1}">
-                  <asvg:svgBlip xmlns:asvg="http://schemas.microsoft.com/office/drawing/2016/SVG/main" r:embed="rId11"/>
+                  <asvg:svgBlip xmlns:asvg="http://schemas.microsoft.com/office/drawing/2016/SVG/main" r:embed="rId12"/>
                 </a:ext>
               </a:extLst>
             </a:blip>
@@ -5135,10 +5165,10 @@
             <p:nvPr/>
           </p:nvPicPr>
           <p:blipFill rotWithShape="1">
-            <a:blip r:embed="rId4">
+            <a:blip r:embed="rId5">
               <a:extLst>
                 <a:ext uri="{96DAC541-7B7A-43D3-8B79-37D633B846F1}">
-                  <asvg:svgBlip xmlns:asvg="http://schemas.microsoft.com/office/drawing/2016/SVG/main" r:embed="rId5"/>
+                  <asvg:svgBlip xmlns:asvg="http://schemas.microsoft.com/office/drawing/2016/SVG/main" r:embed="rId6"/>
                 </a:ext>
               </a:extLst>
             </a:blip>
@@ -5170,10 +5200,10 @@
             <p:nvPr/>
           </p:nvPicPr>
           <p:blipFill rotWithShape="1">
-            <a:blip r:embed="rId4">
+            <a:blip r:embed="rId5">
               <a:extLst>
                 <a:ext uri="{96DAC541-7B7A-43D3-8B79-37D633B846F1}">
-                  <asvg:svgBlip xmlns:asvg="http://schemas.microsoft.com/office/drawing/2016/SVG/main" r:embed="rId5"/>
+                  <asvg:svgBlip xmlns:asvg="http://schemas.microsoft.com/office/drawing/2016/SVG/main" r:embed="rId6"/>
                 </a:ext>
               </a:extLst>
             </a:blip>
@@ -5275,10 +5305,10 @@
             <p:nvPr/>
           </p:nvPicPr>
           <p:blipFill rotWithShape="1">
-            <a:blip r:embed="rId4">
+            <a:blip r:embed="rId5">
               <a:extLst>
                 <a:ext uri="{96DAC541-7B7A-43D3-8B79-37D633B846F1}">
-                  <asvg:svgBlip xmlns:asvg="http://schemas.microsoft.com/office/drawing/2016/SVG/main" r:embed="rId5"/>
+                  <asvg:svgBlip xmlns:asvg="http://schemas.microsoft.com/office/drawing/2016/SVG/main" r:embed="rId6"/>
                 </a:ext>
               </a:extLst>
             </a:blip>
@@ -5310,10 +5340,10 @@
             <p:nvPr/>
           </p:nvPicPr>
           <p:blipFill rotWithShape="1">
-            <a:blip r:embed="rId4">
+            <a:blip r:embed="rId5">
               <a:extLst>
                 <a:ext uri="{96DAC541-7B7A-43D3-8B79-37D633B846F1}">
-                  <asvg:svgBlip xmlns:asvg="http://schemas.microsoft.com/office/drawing/2016/SVG/main" r:embed="rId5"/>
+                  <asvg:svgBlip xmlns:asvg="http://schemas.microsoft.com/office/drawing/2016/SVG/main" r:embed="rId6"/>
                 </a:ext>
               </a:extLst>
             </a:blip>
@@ -5625,7 +5655,7 @@
             <p:nvPr/>
           </p:nvPicPr>
           <p:blipFill>
-            <a:blip r:embed="rId12"/>
+            <a:blip r:embed="rId13"/>
             <a:stretch>
               <a:fillRect/>
             </a:stretch>
@@ -5655,7 +5685,7 @@
             <p:nvPr/>
           </p:nvPicPr>
           <p:blipFill rotWithShape="1">
-            <a:blip r:embed="rId13"/>
+            <a:blip r:embed="rId14"/>
             <a:srcRect l="24381" t="4893" r="18630" b="23779"/>
             <a:stretch/>
           </p:blipFill>
@@ -5760,7 +5790,7 @@
             <p:nvPr/>
           </p:nvPicPr>
           <p:blipFill>
-            <a:blip r:embed="rId12"/>
+            <a:blip r:embed="rId13"/>
             <a:stretch>
               <a:fillRect/>
             </a:stretch>
@@ -5790,7 +5820,7 @@
             <p:nvPr/>
           </p:nvPicPr>
           <p:blipFill>
-            <a:blip r:embed="rId12"/>
+            <a:blip r:embed="rId13"/>
             <a:stretch>
               <a:fillRect/>
             </a:stretch>
@@ -6016,36 +6046,6 @@
           </a:p>
         </p:txBody>
       </p:sp>
-      <p:pic>
-        <p:nvPicPr>
-          <p:cNvPr id="65" name="Picture 64" descr="A map of the world with different colored circles&#10;&#10;Description automatically generated">
-            <a:extLst>
-              <a:ext uri="{FF2B5EF4-FFF2-40B4-BE49-F238E27FC236}">
-                <a16:creationId xmlns:a16="http://schemas.microsoft.com/office/drawing/2014/main" id="{AA8BD4CA-FE56-2D18-6EB0-FADA5E21F0EF}"/>
-              </a:ext>
-            </a:extLst>
-          </p:cNvPr>
-          <p:cNvPicPr>
-            <a:picLocks noChangeAspect="1"/>
-          </p:cNvPicPr>
-          <p:nvPr/>
-        </p:nvPicPr>
-        <p:blipFill>
-          <a:blip r:embed="rId14"/>
-          <a:stretch>
-            <a:fillRect/>
-          </a:stretch>
-        </p:blipFill>
-        <p:spPr>
-          <a:xfrm>
-            <a:off x="-1330" y="1672335"/>
-            <a:ext cx="4572000" cy="3266434"/>
-          </a:xfrm>
-          <a:prstGeom prst="rect">
-            <a:avLst/>
-          </a:prstGeom>
-        </p:spPr>
-      </p:pic>
       <p:sp>
         <p:nvSpPr>
           <p:cNvPr id="66" name="TextBox 65">

--- a/Output/Pub_figs/ppt_shame_folder/Fig1_panel.pptx
+++ b/Output/Pub_figs/ppt_shame_folder/Fig1_panel.pptx
@@ -5,10 +5,14 @@
     <p:sldMasterId id="2147483660" r:id="rId1"/>
   </p:sldMasterIdLst>
   <p:notesMasterIdLst>
-    <p:notesMasterId r:id="rId3"/>
+    <p:notesMasterId r:id="rId7"/>
   </p:notesMasterIdLst>
   <p:sldIdLst>
     <p:sldId id="256" r:id="rId2"/>
+    <p:sldId id="260" r:id="rId3"/>
+    <p:sldId id="258" r:id="rId4"/>
+    <p:sldId id="259" r:id="rId5"/>
+    <p:sldId id="257" r:id="rId6"/>
   </p:sldIdLst>
   <p:sldSz cx="4572000" cy="5489575"/>
   <p:notesSz cx="6858000" cy="9144000"/>
@@ -197,7 +201,7 @@
           <a:p>
             <a:fld id="{8C547A30-B33E-0F4D-80D3-447684F1AE93}" type="datetimeFigureOut">
               <a:rPr lang="en-US" smtClean="0"/>
-              <a:t>11/12/24</a:t>
+              <a:t>8/13/25</a:t>
             </a:fld>
             <a:endParaRPr lang="en-US"/>
           </a:p>
@@ -548,6 +552,342 @@
 </p:notes>
 </file>
 
+<file path=ppt/notesSlides/notesSlide2.xml><?xml version="1.0" encoding="utf-8"?>
+<p:notes xmlns:a="http://schemas.openxmlformats.org/drawingml/2006/main" xmlns:r="http://schemas.openxmlformats.org/officeDocument/2006/relationships" xmlns:p="http://schemas.openxmlformats.org/presentationml/2006/main">
+  <p:cSld>
+    <p:spTree>
+      <p:nvGrpSpPr>
+        <p:cNvPr id="1" name=""/>
+        <p:cNvGrpSpPr/>
+        <p:nvPr/>
+      </p:nvGrpSpPr>
+      <p:grpSpPr>
+        <a:xfrm>
+          <a:off x="0" y="0"/>
+          <a:ext cx="0" cy="0"/>
+          <a:chOff x="0" y="0"/>
+          <a:chExt cx="0" cy="0"/>
+        </a:xfrm>
+      </p:grpSpPr>
+      <p:sp>
+        <p:nvSpPr>
+          <p:cNvPr id="2" name="Slide Image Placeholder 1"/>
+          <p:cNvSpPr>
+            <a:spLocks noGrp="1" noRot="1" noChangeAspect="1"/>
+          </p:cNvSpPr>
+          <p:nvPr>
+            <p:ph type="sldImg"/>
+          </p:nvPr>
+        </p:nvSpPr>
+        <p:spPr/>
+      </p:sp>
+      <p:sp>
+        <p:nvSpPr>
+          <p:cNvPr id="3" name="Notes Placeholder 2"/>
+          <p:cNvSpPr>
+            <a:spLocks noGrp="1"/>
+          </p:cNvSpPr>
+          <p:nvPr>
+            <p:ph type="body" idx="1"/>
+          </p:nvPr>
+        </p:nvSpPr>
+        <p:spPr/>
+        <p:txBody>
+          <a:bodyPr/>
+          <a:lstStyle/>
+          <a:p>
+            <a:endParaRPr lang="en-US" dirty="0"/>
+          </a:p>
+        </p:txBody>
+      </p:sp>
+      <p:sp>
+        <p:nvSpPr>
+          <p:cNvPr id="4" name="Slide Number Placeholder 3"/>
+          <p:cNvSpPr>
+            <a:spLocks noGrp="1"/>
+          </p:cNvSpPr>
+          <p:nvPr>
+            <p:ph type="sldNum" sz="quarter" idx="5"/>
+          </p:nvPr>
+        </p:nvSpPr>
+        <p:spPr/>
+        <p:txBody>
+          <a:bodyPr/>
+          <a:lstStyle/>
+          <a:p>
+            <a:fld id="{7DC6E8D3-D58B-9A4B-B5A0-048629F14FB9}" type="slidenum">
+              <a:rPr lang="en-US" smtClean="0"/>
+              <a:t>2</a:t>
+            </a:fld>
+            <a:endParaRPr lang="en-US"/>
+          </a:p>
+        </p:txBody>
+      </p:sp>
+    </p:spTree>
+    <p:extLst>
+      <p:ext uri="{BB962C8B-B14F-4D97-AF65-F5344CB8AC3E}">
+        <p14:creationId xmlns:p14="http://schemas.microsoft.com/office/powerpoint/2010/main" val="1546979528"/>
+      </p:ext>
+    </p:extLst>
+  </p:cSld>
+  <p:clrMapOvr>
+    <a:masterClrMapping/>
+  </p:clrMapOvr>
+</p:notes>
+</file>
+
+<file path=ppt/notesSlides/notesSlide3.xml><?xml version="1.0" encoding="utf-8"?>
+<p:notes xmlns:a="http://schemas.openxmlformats.org/drawingml/2006/main" xmlns:r="http://schemas.openxmlformats.org/officeDocument/2006/relationships" xmlns:p="http://schemas.openxmlformats.org/presentationml/2006/main">
+  <p:cSld>
+    <p:spTree>
+      <p:nvGrpSpPr>
+        <p:cNvPr id="1" name=""/>
+        <p:cNvGrpSpPr/>
+        <p:nvPr/>
+      </p:nvGrpSpPr>
+      <p:grpSpPr>
+        <a:xfrm>
+          <a:off x="0" y="0"/>
+          <a:ext cx="0" cy="0"/>
+          <a:chOff x="0" y="0"/>
+          <a:chExt cx="0" cy="0"/>
+        </a:xfrm>
+      </p:grpSpPr>
+      <p:sp>
+        <p:nvSpPr>
+          <p:cNvPr id="2" name="Slide Image Placeholder 1"/>
+          <p:cNvSpPr>
+            <a:spLocks noGrp="1" noRot="1" noChangeAspect="1"/>
+          </p:cNvSpPr>
+          <p:nvPr>
+            <p:ph type="sldImg"/>
+          </p:nvPr>
+        </p:nvSpPr>
+        <p:spPr/>
+      </p:sp>
+      <p:sp>
+        <p:nvSpPr>
+          <p:cNvPr id="3" name="Notes Placeholder 2"/>
+          <p:cNvSpPr>
+            <a:spLocks noGrp="1"/>
+          </p:cNvSpPr>
+          <p:nvPr>
+            <p:ph type="body" idx="1"/>
+          </p:nvPr>
+        </p:nvSpPr>
+        <p:spPr/>
+        <p:txBody>
+          <a:bodyPr/>
+          <a:lstStyle/>
+          <a:p>
+            <a:endParaRPr lang="en-US" dirty="0"/>
+          </a:p>
+        </p:txBody>
+      </p:sp>
+      <p:sp>
+        <p:nvSpPr>
+          <p:cNvPr id="4" name="Slide Number Placeholder 3"/>
+          <p:cNvSpPr>
+            <a:spLocks noGrp="1"/>
+          </p:cNvSpPr>
+          <p:nvPr>
+            <p:ph type="sldNum" sz="quarter" idx="5"/>
+          </p:nvPr>
+        </p:nvSpPr>
+        <p:spPr/>
+        <p:txBody>
+          <a:bodyPr/>
+          <a:lstStyle/>
+          <a:p>
+            <a:fld id="{7DC6E8D3-D58B-9A4B-B5A0-048629F14FB9}" type="slidenum">
+              <a:rPr lang="en-US" smtClean="0"/>
+              <a:t>3</a:t>
+            </a:fld>
+            <a:endParaRPr lang="en-US"/>
+          </a:p>
+        </p:txBody>
+      </p:sp>
+    </p:spTree>
+    <p:extLst>
+      <p:ext uri="{BB962C8B-B14F-4D97-AF65-F5344CB8AC3E}">
+        <p14:creationId xmlns:p14="http://schemas.microsoft.com/office/powerpoint/2010/main" val="1916028012"/>
+      </p:ext>
+    </p:extLst>
+  </p:cSld>
+  <p:clrMapOvr>
+    <a:masterClrMapping/>
+  </p:clrMapOvr>
+</p:notes>
+</file>
+
+<file path=ppt/notesSlides/notesSlide4.xml><?xml version="1.0" encoding="utf-8"?>
+<p:notes xmlns:a="http://schemas.openxmlformats.org/drawingml/2006/main" xmlns:r="http://schemas.openxmlformats.org/officeDocument/2006/relationships" xmlns:p="http://schemas.openxmlformats.org/presentationml/2006/main">
+  <p:cSld>
+    <p:spTree>
+      <p:nvGrpSpPr>
+        <p:cNvPr id="1" name=""/>
+        <p:cNvGrpSpPr/>
+        <p:nvPr/>
+      </p:nvGrpSpPr>
+      <p:grpSpPr>
+        <a:xfrm>
+          <a:off x="0" y="0"/>
+          <a:ext cx="0" cy="0"/>
+          <a:chOff x="0" y="0"/>
+          <a:chExt cx="0" cy="0"/>
+        </a:xfrm>
+      </p:grpSpPr>
+      <p:sp>
+        <p:nvSpPr>
+          <p:cNvPr id="2" name="Slide Image Placeholder 1"/>
+          <p:cNvSpPr>
+            <a:spLocks noGrp="1" noRot="1" noChangeAspect="1"/>
+          </p:cNvSpPr>
+          <p:nvPr>
+            <p:ph type="sldImg"/>
+          </p:nvPr>
+        </p:nvSpPr>
+        <p:spPr/>
+      </p:sp>
+      <p:sp>
+        <p:nvSpPr>
+          <p:cNvPr id="3" name="Notes Placeholder 2"/>
+          <p:cNvSpPr>
+            <a:spLocks noGrp="1"/>
+          </p:cNvSpPr>
+          <p:nvPr>
+            <p:ph type="body" idx="1"/>
+          </p:nvPr>
+        </p:nvSpPr>
+        <p:spPr/>
+        <p:txBody>
+          <a:bodyPr/>
+          <a:lstStyle/>
+          <a:p>
+            <a:endParaRPr lang="en-US" dirty="0"/>
+          </a:p>
+        </p:txBody>
+      </p:sp>
+      <p:sp>
+        <p:nvSpPr>
+          <p:cNvPr id="4" name="Slide Number Placeholder 3"/>
+          <p:cNvSpPr>
+            <a:spLocks noGrp="1"/>
+          </p:cNvSpPr>
+          <p:nvPr>
+            <p:ph type="sldNum" sz="quarter" idx="5"/>
+          </p:nvPr>
+        </p:nvSpPr>
+        <p:spPr/>
+        <p:txBody>
+          <a:bodyPr/>
+          <a:lstStyle/>
+          <a:p>
+            <a:fld id="{7DC6E8D3-D58B-9A4B-B5A0-048629F14FB9}" type="slidenum">
+              <a:rPr lang="en-US" smtClean="0"/>
+              <a:t>4</a:t>
+            </a:fld>
+            <a:endParaRPr lang="en-US"/>
+          </a:p>
+        </p:txBody>
+      </p:sp>
+    </p:spTree>
+    <p:extLst>
+      <p:ext uri="{BB962C8B-B14F-4D97-AF65-F5344CB8AC3E}">
+        <p14:creationId xmlns:p14="http://schemas.microsoft.com/office/powerpoint/2010/main" val="787999636"/>
+      </p:ext>
+    </p:extLst>
+  </p:cSld>
+  <p:clrMapOvr>
+    <a:masterClrMapping/>
+  </p:clrMapOvr>
+</p:notes>
+</file>
+
+<file path=ppt/notesSlides/notesSlide5.xml><?xml version="1.0" encoding="utf-8"?>
+<p:notes xmlns:a="http://schemas.openxmlformats.org/drawingml/2006/main" xmlns:r="http://schemas.openxmlformats.org/officeDocument/2006/relationships" xmlns:p="http://schemas.openxmlformats.org/presentationml/2006/main">
+  <p:cSld>
+    <p:spTree>
+      <p:nvGrpSpPr>
+        <p:cNvPr id="1" name=""/>
+        <p:cNvGrpSpPr/>
+        <p:nvPr/>
+      </p:nvGrpSpPr>
+      <p:grpSpPr>
+        <a:xfrm>
+          <a:off x="0" y="0"/>
+          <a:ext cx="0" cy="0"/>
+          <a:chOff x="0" y="0"/>
+          <a:chExt cx="0" cy="0"/>
+        </a:xfrm>
+      </p:grpSpPr>
+      <p:sp>
+        <p:nvSpPr>
+          <p:cNvPr id="2" name="Slide Image Placeholder 1"/>
+          <p:cNvSpPr>
+            <a:spLocks noGrp="1" noRot="1" noChangeAspect="1"/>
+          </p:cNvSpPr>
+          <p:nvPr>
+            <p:ph type="sldImg"/>
+          </p:nvPr>
+        </p:nvSpPr>
+        <p:spPr/>
+      </p:sp>
+      <p:sp>
+        <p:nvSpPr>
+          <p:cNvPr id="3" name="Notes Placeholder 2"/>
+          <p:cNvSpPr>
+            <a:spLocks noGrp="1"/>
+          </p:cNvSpPr>
+          <p:nvPr>
+            <p:ph type="body" idx="1"/>
+          </p:nvPr>
+        </p:nvSpPr>
+        <p:spPr/>
+        <p:txBody>
+          <a:bodyPr/>
+          <a:lstStyle/>
+          <a:p>
+            <a:endParaRPr lang="en-US" dirty="0"/>
+          </a:p>
+        </p:txBody>
+      </p:sp>
+      <p:sp>
+        <p:nvSpPr>
+          <p:cNvPr id="4" name="Slide Number Placeholder 3"/>
+          <p:cNvSpPr>
+            <a:spLocks noGrp="1"/>
+          </p:cNvSpPr>
+          <p:nvPr>
+            <p:ph type="sldNum" sz="quarter" idx="5"/>
+          </p:nvPr>
+        </p:nvSpPr>
+        <p:spPr/>
+        <p:txBody>
+          <a:bodyPr/>
+          <a:lstStyle/>
+          <a:p>
+            <a:fld id="{7DC6E8D3-D58B-9A4B-B5A0-048629F14FB9}" type="slidenum">
+              <a:rPr lang="en-US" smtClean="0"/>
+              <a:t>5</a:t>
+            </a:fld>
+            <a:endParaRPr lang="en-US"/>
+          </a:p>
+        </p:txBody>
+      </p:sp>
+    </p:spTree>
+    <p:extLst>
+      <p:ext uri="{BB962C8B-B14F-4D97-AF65-F5344CB8AC3E}">
+        <p14:creationId xmlns:p14="http://schemas.microsoft.com/office/powerpoint/2010/main" val="4292714342"/>
+      </p:ext>
+    </p:extLst>
+  </p:cSld>
+  <p:clrMapOvr>
+    <a:masterClrMapping/>
+  </p:clrMapOvr>
+</p:notes>
+</file>
+
 <file path=ppt/slideLayouts/slideLayout1.xml><?xml version="1.0" encoding="utf-8"?>
 <p:sldLayout xmlns:a="http://schemas.openxmlformats.org/drawingml/2006/main" xmlns:r="http://schemas.openxmlformats.org/officeDocument/2006/relationships" xmlns:p="http://schemas.openxmlformats.org/presentationml/2006/main" type="title" preserve="1">
   <p:cSld name="Title Slide">
@@ -679,7 +1019,7 @@
           <a:p>
             <a:fld id="{920285A9-D9B7-E64A-891F-D75C53CC6425}" type="datetimeFigureOut">
               <a:rPr lang="en-US" smtClean="0"/>
-              <a:t>11/12/24</a:t>
+              <a:t>8/13/25</a:t>
             </a:fld>
             <a:endParaRPr lang="en-US"/>
           </a:p>
@@ -849,7 +1189,7 @@
           <a:p>
             <a:fld id="{920285A9-D9B7-E64A-891F-D75C53CC6425}" type="datetimeFigureOut">
               <a:rPr lang="en-US" smtClean="0"/>
-              <a:t>11/12/24</a:t>
+              <a:t>8/13/25</a:t>
             </a:fld>
             <a:endParaRPr lang="en-US"/>
           </a:p>
@@ -1029,7 +1369,7 @@
           <a:p>
             <a:fld id="{920285A9-D9B7-E64A-891F-D75C53CC6425}" type="datetimeFigureOut">
               <a:rPr lang="en-US" smtClean="0"/>
-              <a:t>11/12/24</a:t>
+              <a:t>8/13/25</a:t>
             </a:fld>
             <a:endParaRPr lang="en-US"/>
           </a:p>
@@ -1199,7 +1539,7 @@
           <a:p>
             <a:fld id="{920285A9-D9B7-E64A-891F-D75C53CC6425}" type="datetimeFigureOut">
               <a:rPr lang="en-US" smtClean="0"/>
-              <a:t>11/12/24</a:t>
+              <a:t>8/13/25</a:t>
             </a:fld>
             <a:endParaRPr lang="en-US"/>
           </a:p>
@@ -1445,7 +1785,7 @@
           <a:p>
             <a:fld id="{920285A9-D9B7-E64A-891F-D75C53CC6425}" type="datetimeFigureOut">
               <a:rPr lang="en-US" smtClean="0"/>
-              <a:t>11/12/24</a:t>
+              <a:t>8/13/25</a:t>
             </a:fld>
             <a:endParaRPr lang="en-US"/>
           </a:p>
@@ -1677,7 +2017,7 @@
           <a:p>
             <a:fld id="{920285A9-D9B7-E64A-891F-D75C53CC6425}" type="datetimeFigureOut">
               <a:rPr lang="en-US" smtClean="0"/>
-              <a:t>11/12/24</a:t>
+              <a:t>8/13/25</a:t>
             </a:fld>
             <a:endParaRPr lang="en-US"/>
           </a:p>
@@ -2044,7 +2384,7 @@
           <a:p>
             <a:fld id="{920285A9-D9B7-E64A-891F-D75C53CC6425}" type="datetimeFigureOut">
               <a:rPr lang="en-US" smtClean="0"/>
-              <a:t>11/12/24</a:t>
+              <a:t>8/13/25</a:t>
             </a:fld>
             <a:endParaRPr lang="en-US"/>
           </a:p>
@@ -2162,7 +2502,7 @@
           <a:p>
             <a:fld id="{920285A9-D9B7-E64A-891F-D75C53CC6425}" type="datetimeFigureOut">
               <a:rPr lang="en-US" smtClean="0"/>
-              <a:t>11/12/24</a:t>
+              <a:t>8/13/25</a:t>
             </a:fld>
             <a:endParaRPr lang="en-US"/>
           </a:p>
@@ -2257,7 +2597,7 @@
           <a:p>
             <a:fld id="{920285A9-D9B7-E64A-891F-D75C53CC6425}" type="datetimeFigureOut">
               <a:rPr lang="en-US" smtClean="0"/>
-              <a:t>11/12/24</a:t>
+              <a:t>8/13/25</a:t>
             </a:fld>
             <a:endParaRPr lang="en-US"/>
           </a:p>
@@ -2534,7 +2874,7 @@
           <a:p>
             <a:fld id="{920285A9-D9B7-E64A-891F-D75C53CC6425}" type="datetimeFigureOut">
               <a:rPr lang="en-US" smtClean="0"/>
-              <a:t>11/12/24</a:t>
+              <a:t>8/13/25</a:t>
             </a:fld>
             <a:endParaRPr lang="en-US"/>
           </a:p>
@@ -2791,7 +3131,7 @@
           <a:p>
             <a:fld id="{920285A9-D9B7-E64A-891F-D75C53CC6425}" type="datetimeFigureOut">
               <a:rPr lang="en-US" smtClean="0"/>
-              <a:t>11/12/24</a:t>
+              <a:t>8/13/25</a:t>
             </a:fld>
             <a:endParaRPr lang="en-US"/>
           </a:p>
@@ -3004,7 +3344,7 @@
           <a:p>
             <a:fld id="{920285A9-D9B7-E64A-891F-D75C53CC6425}" type="datetimeFigureOut">
               <a:rPr lang="en-US" smtClean="0"/>
-              <a:t>11/12/24</a:t>
+              <a:t>8/13/25</a:t>
             </a:fld>
             <a:endParaRPr lang="en-US"/>
           </a:p>
@@ -3441,6 +3781,1680 @@
       </p:pic>
       <p:grpSp>
         <p:nvGrpSpPr>
+          <p:cNvPr id="34" name="Group 33">
+            <a:extLst>
+              <a:ext uri="{FF2B5EF4-FFF2-40B4-BE49-F238E27FC236}">
+                <a16:creationId xmlns:a16="http://schemas.microsoft.com/office/drawing/2014/main" id="{A40C9A74-DCBE-C402-B95D-45C5E9AAAF4C}"/>
+              </a:ext>
+            </a:extLst>
+          </p:cNvPr>
+          <p:cNvGrpSpPr/>
+          <p:nvPr/>
+        </p:nvGrpSpPr>
+        <p:grpSpPr>
+          <a:xfrm>
+            <a:off x="3047453" y="96995"/>
+            <a:ext cx="1509900" cy="1508292"/>
+            <a:chOff x="2973617" y="101639"/>
+            <a:chExt cx="6361414" cy="6354638"/>
+          </a:xfrm>
+        </p:grpSpPr>
+        <p:sp>
+          <p:nvSpPr>
+            <p:cNvPr id="35" name="Oval 34">
+              <a:extLst>
+                <a:ext uri="{FF2B5EF4-FFF2-40B4-BE49-F238E27FC236}">
+                  <a16:creationId xmlns:a16="http://schemas.microsoft.com/office/drawing/2014/main" id="{C991AA70-4C59-6164-EF51-0BFD1D4DD52D}"/>
+                </a:ext>
+              </a:extLst>
+            </p:cNvPr>
+            <p:cNvSpPr/>
+            <p:nvPr/>
+          </p:nvSpPr>
+          <p:spPr>
+            <a:xfrm>
+              <a:off x="3173878" y="273360"/>
+              <a:ext cx="5962059" cy="6011197"/>
+            </a:xfrm>
+            <a:prstGeom prst="ellipse">
+              <a:avLst/>
+            </a:prstGeom>
+            <a:solidFill>
+              <a:srgbClr val="99B9F1"/>
+            </a:solidFill>
+            <a:ln w="12700" cap="flat" cmpd="sng" algn="ctr">
+              <a:noFill/>
+              <a:prstDash val="solid"/>
+              <a:miter lim="800000"/>
+            </a:ln>
+            <a:effectLst/>
+          </p:spPr>
+          <p:txBody>
+            <a:bodyPr rtlCol="0" anchor="ctr"/>
+            <a:lstStyle/>
+            <a:p>
+              <a:pPr marL="0" marR="0" lvl="0" indent="0" algn="ctr" defTabSz="914400" eaLnBrk="1" fontAlgn="auto" latinLnBrk="0" hangingPunct="1">
+                <a:lnSpc>
+                  <a:spcPct val="100000"/>
+                </a:lnSpc>
+                <a:spcBef>
+                  <a:spcPts val="0"/>
+                </a:spcBef>
+                <a:spcAft>
+                  <a:spcPts val="0"/>
+                </a:spcAft>
+                <a:buClrTx/>
+                <a:buSzTx/>
+                <a:buFontTx/>
+                <a:buNone/>
+                <a:tabLst/>
+                <a:defRPr/>
+              </a:pPr>
+              <a:endParaRPr kumimoji="0" lang="en-US" sz="1800" b="0" i="0" u="none" strike="noStrike" kern="0" cap="none" spc="0" normalizeH="0" baseline="0" noProof="0">
+                <a:ln>
+                  <a:noFill/>
+                </a:ln>
+                <a:solidFill>
+                  <a:prstClr val="white"/>
+                </a:solidFill>
+                <a:effectLst/>
+                <a:uLnTx/>
+                <a:uFillTx/>
+                <a:latin typeface="Calibri" panose="020F0502020204030204"/>
+                <a:ea typeface="+mn-ea"/>
+                <a:cs typeface="+mn-cs"/>
+              </a:endParaRPr>
+            </a:p>
+          </p:txBody>
+        </p:sp>
+        <p:pic>
+          <p:nvPicPr>
+            <p:cNvPr id="36" name="Graphic 35">
+              <a:extLst>
+                <a:ext uri="{FF2B5EF4-FFF2-40B4-BE49-F238E27FC236}">
+                  <a16:creationId xmlns:a16="http://schemas.microsoft.com/office/drawing/2014/main" id="{2E560A86-A20E-A46C-DE51-F568D2D1D412}"/>
+                </a:ext>
+              </a:extLst>
+            </p:cNvPr>
+            <p:cNvPicPr>
+              <a:picLocks noChangeAspect="1"/>
+            </p:cNvPicPr>
+            <p:nvPr/>
+          </p:nvPicPr>
+          <p:blipFill rotWithShape="1">
+            <a:blip r:embed="rId4">
+              <a:extLst>
+                <a:ext uri="{96DAC541-7B7A-43D3-8B79-37D633B846F1}">
+                  <asvg:svgBlip xmlns:asvg="http://schemas.microsoft.com/office/drawing/2016/SVG/main" r:embed="rId5"/>
+                </a:ext>
+              </a:extLst>
+            </a:blip>
+            <a:srcRect l="7159" r="1059" b="16158"/>
+            <a:stretch/>
+          </p:blipFill>
+          <p:spPr>
+            <a:xfrm rot="20736077">
+              <a:off x="5091635" y="4627874"/>
+              <a:ext cx="3454482" cy="1586213"/>
+            </a:xfrm>
+            <a:prstGeom prst="ellipse">
+              <a:avLst/>
+            </a:prstGeom>
+          </p:spPr>
+        </p:pic>
+        <p:pic>
+          <p:nvPicPr>
+            <p:cNvPr id="37" name="Graphic 36">
+              <a:extLst>
+                <a:ext uri="{FF2B5EF4-FFF2-40B4-BE49-F238E27FC236}">
+                  <a16:creationId xmlns:a16="http://schemas.microsoft.com/office/drawing/2014/main" id="{FB2938F6-CEE7-00F1-A2E3-019C905B4B44}"/>
+                </a:ext>
+              </a:extLst>
+            </p:cNvPr>
+            <p:cNvPicPr>
+              <a:picLocks noChangeAspect="1"/>
+            </p:cNvPicPr>
+            <p:nvPr/>
+          </p:nvPicPr>
+          <p:blipFill rotWithShape="1">
+            <a:blip r:embed="rId4">
+              <a:extLst>
+                <a:ext uri="{96DAC541-7B7A-43D3-8B79-37D633B846F1}">
+                  <asvg:svgBlip xmlns:asvg="http://schemas.microsoft.com/office/drawing/2016/SVG/main" r:embed="rId5"/>
+                </a:ext>
+              </a:extLst>
+            </a:blip>
+            <a:srcRect b="23277"/>
+            <a:stretch/>
+          </p:blipFill>
+          <p:spPr>
+            <a:xfrm rot="1259360">
+              <a:off x="3624614" y="4825125"/>
+              <a:ext cx="3362021" cy="1296569"/>
+            </a:xfrm>
+            <a:prstGeom prst="ellipse">
+              <a:avLst/>
+            </a:prstGeom>
+          </p:spPr>
+        </p:pic>
+        <p:sp>
+          <p:nvSpPr>
+            <p:cNvPr id="38" name="Oval 37">
+              <a:extLst>
+                <a:ext uri="{FF2B5EF4-FFF2-40B4-BE49-F238E27FC236}">
+                  <a16:creationId xmlns:a16="http://schemas.microsoft.com/office/drawing/2014/main" id="{BEA8A06B-464F-1A7B-A19D-4395E7341F7C}"/>
+                </a:ext>
+              </a:extLst>
+            </p:cNvPr>
+            <p:cNvSpPr/>
+            <p:nvPr/>
+          </p:nvSpPr>
+          <p:spPr>
+            <a:xfrm>
+              <a:off x="6378530" y="2754942"/>
+              <a:ext cx="1856201" cy="1286526"/>
+            </a:xfrm>
+            <a:prstGeom prst="ellipse">
+              <a:avLst/>
+            </a:prstGeom>
+            <a:solidFill>
+              <a:srgbClr val="FFFC00">
+                <a:alpha val="41961"/>
+              </a:srgbClr>
+            </a:solidFill>
+            <a:ln w="12700" cap="flat" cmpd="sng" algn="ctr">
+              <a:noFill/>
+              <a:prstDash val="solid"/>
+              <a:miter lim="800000"/>
+            </a:ln>
+            <a:effectLst/>
+          </p:spPr>
+          <p:txBody>
+            <a:bodyPr rtlCol="0" anchor="ctr"/>
+            <a:lstStyle/>
+            <a:p>
+              <a:pPr marL="0" marR="0" lvl="0" indent="0" algn="ctr" defTabSz="457200" eaLnBrk="1" fontAlgn="auto" latinLnBrk="0" hangingPunct="1">
+                <a:lnSpc>
+                  <a:spcPct val="100000"/>
+                </a:lnSpc>
+                <a:spcBef>
+                  <a:spcPts val="0"/>
+                </a:spcBef>
+                <a:spcAft>
+                  <a:spcPts val="0"/>
+                </a:spcAft>
+                <a:buClrTx/>
+                <a:buSzTx/>
+                <a:buFontTx/>
+                <a:buNone/>
+                <a:tabLst/>
+                <a:defRPr/>
+              </a:pPr>
+              <a:endParaRPr kumimoji="0" lang="en-US" sz="1800" b="0" i="0" u="none" strike="noStrike" kern="0" cap="none" spc="0" normalizeH="0" baseline="0" noProof="0">
+                <a:ln>
+                  <a:noFill/>
+                </a:ln>
+                <a:solidFill>
+                  <a:prstClr val="white"/>
+                </a:solidFill>
+                <a:effectLst/>
+                <a:uLnTx/>
+                <a:uFillTx/>
+                <a:latin typeface="Calibri" panose="020F0502020204030204"/>
+                <a:ea typeface="+mn-ea"/>
+                <a:cs typeface="+mn-cs"/>
+              </a:endParaRPr>
+            </a:p>
+          </p:txBody>
+        </p:sp>
+        <p:pic>
+          <p:nvPicPr>
+            <p:cNvPr id="39" name="Graphic 38">
+              <a:extLst>
+                <a:ext uri="{FF2B5EF4-FFF2-40B4-BE49-F238E27FC236}">
+                  <a16:creationId xmlns:a16="http://schemas.microsoft.com/office/drawing/2014/main" id="{52A9B8A5-4BB0-0806-5DB1-BDF1D1457EA7}"/>
+                </a:ext>
+              </a:extLst>
+            </p:cNvPr>
+            <p:cNvPicPr>
+              <a:picLocks noChangeAspect="1"/>
+            </p:cNvPicPr>
+            <p:nvPr/>
+          </p:nvPicPr>
+          <p:blipFill rotWithShape="1">
+            <a:blip r:embed="rId4">
+              <a:extLst>
+                <a:ext uri="{96DAC541-7B7A-43D3-8B79-37D633B846F1}">
+                  <asvg:svgBlip xmlns:asvg="http://schemas.microsoft.com/office/drawing/2016/SVG/main" r:embed="rId5"/>
+                </a:ext>
+              </a:extLst>
+            </a:blip>
+            <a:srcRect r="18914"/>
+            <a:stretch/>
+          </p:blipFill>
+          <p:spPr>
+            <a:xfrm rot="275343">
+              <a:off x="5803915" y="3487352"/>
+              <a:ext cx="3042420" cy="1886019"/>
+            </a:xfrm>
+            <a:prstGeom prst="ellipse">
+              <a:avLst/>
+            </a:prstGeom>
+          </p:spPr>
+        </p:pic>
+        <p:pic>
+          <p:nvPicPr>
+            <p:cNvPr id="40" name="Graphic 39">
+              <a:extLst>
+                <a:ext uri="{FF2B5EF4-FFF2-40B4-BE49-F238E27FC236}">
+                  <a16:creationId xmlns:a16="http://schemas.microsoft.com/office/drawing/2014/main" id="{ADC24BE2-6899-7513-B114-39C701AFC5B8}"/>
+                </a:ext>
+              </a:extLst>
+            </p:cNvPr>
+            <p:cNvPicPr>
+              <a:picLocks noChangeAspect="1"/>
+            </p:cNvPicPr>
+            <p:nvPr/>
+          </p:nvPicPr>
+          <p:blipFill rotWithShape="1">
+            <a:blip r:embed="rId4">
+              <a:extLst>
+                <a:ext uri="{96DAC541-7B7A-43D3-8B79-37D633B846F1}">
+                  <asvg:svgBlip xmlns:asvg="http://schemas.microsoft.com/office/drawing/2016/SVG/main" r:embed="rId5"/>
+                </a:ext>
+              </a:extLst>
+            </a:blip>
+            <a:srcRect l="11857"/>
+            <a:stretch/>
+          </p:blipFill>
+          <p:spPr>
+            <a:xfrm rot="21073709">
+              <a:off x="3644132" y="3748589"/>
+              <a:ext cx="3232764" cy="1843584"/>
+            </a:xfrm>
+            <a:prstGeom prst="ellipse">
+              <a:avLst/>
+            </a:prstGeom>
+          </p:spPr>
+        </p:pic>
+        <p:sp>
+          <p:nvSpPr>
+            <p:cNvPr id="41" name="Oval 40">
+              <a:extLst>
+                <a:ext uri="{FF2B5EF4-FFF2-40B4-BE49-F238E27FC236}">
+                  <a16:creationId xmlns:a16="http://schemas.microsoft.com/office/drawing/2014/main" id="{9B488D0F-C5F9-E349-8108-372F71675142}"/>
+                </a:ext>
+              </a:extLst>
+            </p:cNvPr>
+            <p:cNvSpPr/>
+            <p:nvPr/>
+          </p:nvSpPr>
+          <p:spPr>
+            <a:xfrm>
+              <a:off x="3253783" y="2723129"/>
+              <a:ext cx="1856201" cy="1286526"/>
+            </a:xfrm>
+            <a:prstGeom prst="ellipse">
+              <a:avLst/>
+            </a:prstGeom>
+            <a:solidFill>
+              <a:srgbClr val="FFFC00">
+                <a:alpha val="41961"/>
+              </a:srgbClr>
+            </a:solidFill>
+            <a:ln w="12700" cap="flat" cmpd="sng" algn="ctr">
+              <a:noFill/>
+              <a:prstDash val="solid"/>
+              <a:miter lim="800000"/>
+            </a:ln>
+            <a:effectLst/>
+          </p:spPr>
+          <p:txBody>
+            <a:bodyPr rtlCol="0" anchor="ctr"/>
+            <a:lstStyle/>
+            <a:p>
+              <a:pPr marL="0" marR="0" lvl="0" indent="0" algn="ctr" defTabSz="457200" eaLnBrk="1" fontAlgn="auto" latinLnBrk="0" hangingPunct="1">
+                <a:lnSpc>
+                  <a:spcPct val="100000"/>
+                </a:lnSpc>
+                <a:spcBef>
+                  <a:spcPts val="0"/>
+                </a:spcBef>
+                <a:spcAft>
+                  <a:spcPts val="0"/>
+                </a:spcAft>
+                <a:buClrTx/>
+                <a:buSzTx/>
+                <a:buFontTx/>
+                <a:buNone/>
+                <a:tabLst/>
+                <a:defRPr/>
+              </a:pPr>
+              <a:endParaRPr kumimoji="0" lang="en-US" sz="1800" b="0" i="0" u="none" strike="noStrike" kern="0" cap="none" spc="0" normalizeH="0" baseline="0" noProof="0">
+                <a:ln>
+                  <a:noFill/>
+                </a:ln>
+                <a:solidFill>
+                  <a:prstClr val="white"/>
+                </a:solidFill>
+                <a:effectLst/>
+                <a:uLnTx/>
+                <a:uFillTx/>
+                <a:latin typeface="Calibri" panose="020F0502020204030204"/>
+                <a:ea typeface="+mn-ea"/>
+                <a:cs typeface="+mn-cs"/>
+              </a:endParaRPr>
+            </a:p>
+          </p:txBody>
+        </p:sp>
+        <p:sp>
+          <p:nvSpPr>
+            <p:cNvPr id="42" name="Oval 41">
+              <a:extLst>
+                <a:ext uri="{FF2B5EF4-FFF2-40B4-BE49-F238E27FC236}">
+                  <a16:creationId xmlns:a16="http://schemas.microsoft.com/office/drawing/2014/main" id="{98E48657-C482-A348-72C1-EB734308A1BD}"/>
+                </a:ext>
+              </a:extLst>
+            </p:cNvPr>
+            <p:cNvSpPr/>
+            <p:nvPr/>
+          </p:nvSpPr>
+          <p:spPr>
+            <a:xfrm>
+              <a:off x="5794800" y="2551668"/>
+              <a:ext cx="1856201" cy="1286526"/>
+            </a:xfrm>
+            <a:prstGeom prst="ellipse">
+              <a:avLst/>
+            </a:prstGeom>
+            <a:solidFill>
+              <a:srgbClr val="FFFC00">
+                <a:alpha val="41961"/>
+              </a:srgbClr>
+            </a:solidFill>
+            <a:ln w="12700" cap="flat" cmpd="sng" algn="ctr">
+              <a:noFill/>
+              <a:prstDash val="solid"/>
+              <a:miter lim="800000"/>
+            </a:ln>
+            <a:effectLst/>
+          </p:spPr>
+          <p:txBody>
+            <a:bodyPr rtlCol="0" anchor="ctr"/>
+            <a:lstStyle/>
+            <a:p>
+              <a:pPr marL="0" marR="0" lvl="0" indent="0" algn="ctr" defTabSz="457200" eaLnBrk="1" fontAlgn="auto" latinLnBrk="0" hangingPunct="1">
+                <a:lnSpc>
+                  <a:spcPct val="100000"/>
+                </a:lnSpc>
+                <a:spcBef>
+                  <a:spcPts val="0"/>
+                </a:spcBef>
+                <a:spcAft>
+                  <a:spcPts val="0"/>
+                </a:spcAft>
+                <a:buClrTx/>
+                <a:buSzTx/>
+                <a:buFontTx/>
+                <a:buNone/>
+                <a:tabLst/>
+                <a:defRPr/>
+              </a:pPr>
+              <a:endParaRPr kumimoji="0" lang="en-US" sz="1800" b="0" i="0" u="none" strike="noStrike" kern="0" cap="none" spc="0" normalizeH="0" baseline="0" noProof="0">
+                <a:ln>
+                  <a:noFill/>
+                </a:ln>
+                <a:solidFill>
+                  <a:prstClr val="white"/>
+                </a:solidFill>
+                <a:effectLst/>
+                <a:uLnTx/>
+                <a:uFillTx/>
+                <a:latin typeface="Calibri" panose="020F0502020204030204"/>
+                <a:ea typeface="+mn-ea"/>
+                <a:cs typeface="+mn-cs"/>
+              </a:endParaRPr>
+            </a:p>
+          </p:txBody>
+        </p:sp>
+        <p:sp>
+          <p:nvSpPr>
+            <p:cNvPr id="43" name="Oval 42">
+              <a:extLst>
+                <a:ext uri="{FF2B5EF4-FFF2-40B4-BE49-F238E27FC236}">
+                  <a16:creationId xmlns:a16="http://schemas.microsoft.com/office/drawing/2014/main" id="{0CA2AC01-BE32-9DA0-257E-89CE19F6DB88}"/>
+                </a:ext>
+              </a:extLst>
+            </p:cNvPr>
+            <p:cNvSpPr/>
+            <p:nvPr/>
+          </p:nvSpPr>
+          <p:spPr>
+            <a:xfrm>
+              <a:off x="6750716" y="2277387"/>
+              <a:ext cx="1856201" cy="1286526"/>
+            </a:xfrm>
+            <a:prstGeom prst="ellipse">
+              <a:avLst/>
+            </a:prstGeom>
+            <a:solidFill>
+              <a:srgbClr val="FFFC00">
+                <a:alpha val="41961"/>
+              </a:srgbClr>
+            </a:solidFill>
+            <a:ln w="12700" cap="flat" cmpd="sng" algn="ctr">
+              <a:noFill/>
+              <a:prstDash val="solid"/>
+              <a:miter lim="800000"/>
+            </a:ln>
+            <a:effectLst/>
+          </p:spPr>
+          <p:txBody>
+            <a:bodyPr rtlCol="0" anchor="ctr"/>
+            <a:lstStyle/>
+            <a:p>
+              <a:pPr marL="0" marR="0" lvl="0" indent="0" algn="ctr" defTabSz="457200" eaLnBrk="1" fontAlgn="auto" latinLnBrk="0" hangingPunct="1">
+                <a:lnSpc>
+                  <a:spcPct val="100000"/>
+                </a:lnSpc>
+                <a:spcBef>
+                  <a:spcPts val="0"/>
+                </a:spcBef>
+                <a:spcAft>
+                  <a:spcPts val="0"/>
+                </a:spcAft>
+                <a:buClrTx/>
+                <a:buSzTx/>
+                <a:buFontTx/>
+                <a:buNone/>
+                <a:tabLst/>
+                <a:defRPr/>
+              </a:pPr>
+              <a:endParaRPr kumimoji="0" lang="en-US" sz="1800" b="0" i="0" u="none" strike="noStrike" kern="0" cap="none" spc="0" normalizeH="0" baseline="0" noProof="0">
+                <a:ln>
+                  <a:noFill/>
+                </a:ln>
+                <a:solidFill>
+                  <a:prstClr val="white"/>
+                </a:solidFill>
+                <a:effectLst/>
+                <a:uLnTx/>
+                <a:uFillTx/>
+                <a:latin typeface="Calibri" panose="020F0502020204030204"/>
+                <a:ea typeface="+mn-ea"/>
+                <a:cs typeface="+mn-cs"/>
+              </a:endParaRPr>
+            </a:p>
+          </p:txBody>
+        </p:sp>
+        <p:sp>
+          <p:nvSpPr>
+            <p:cNvPr id="44" name="Oval 43">
+              <a:extLst>
+                <a:ext uri="{FF2B5EF4-FFF2-40B4-BE49-F238E27FC236}">
+                  <a16:creationId xmlns:a16="http://schemas.microsoft.com/office/drawing/2014/main" id="{3AC6FE6E-3291-4FDF-2AE0-FF0E69ED8C60}"/>
+                </a:ext>
+              </a:extLst>
+            </p:cNvPr>
+            <p:cNvSpPr/>
+            <p:nvPr/>
+          </p:nvSpPr>
+          <p:spPr>
+            <a:xfrm>
+              <a:off x="6207982" y="1938627"/>
+              <a:ext cx="1856201" cy="1286526"/>
+            </a:xfrm>
+            <a:prstGeom prst="ellipse">
+              <a:avLst/>
+            </a:prstGeom>
+            <a:solidFill>
+              <a:srgbClr val="FFFC00">
+                <a:alpha val="41961"/>
+              </a:srgbClr>
+            </a:solidFill>
+            <a:ln w="12700" cap="flat" cmpd="sng" algn="ctr">
+              <a:noFill/>
+              <a:prstDash val="solid"/>
+              <a:miter lim="800000"/>
+            </a:ln>
+            <a:effectLst/>
+          </p:spPr>
+          <p:txBody>
+            <a:bodyPr rtlCol="0" anchor="ctr"/>
+            <a:lstStyle/>
+            <a:p>
+              <a:pPr marL="0" marR="0" lvl="0" indent="0" algn="ctr" defTabSz="457200" eaLnBrk="1" fontAlgn="auto" latinLnBrk="0" hangingPunct="1">
+                <a:lnSpc>
+                  <a:spcPct val="100000"/>
+                </a:lnSpc>
+                <a:spcBef>
+                  <a:spcPts val="0"/>
+                </a:spcBef>
+                <a:spcAft>
+                  <a:spcPts val="0"/>
+                </a:spcAft>
+                <a:buClrTx/>
+                <a:buSzTx/>
+                <a:buFontTx/>
+                <a:buNone/>
+                <a:tabLst/>
+                <a:defRPr/>
+              </a:pPr>
+              <a:endParaRPr kumimoji="0" lang="en-US" sz="1800" b="0" i="0" u="none" strike="noStrike" kern="0" cap="none" spc="0" normalizeH="0" baseline="0" noProof="0">
+                <a:ln>
+                  <a:noFill/>
+                </a:ln>
+                <a:solidFill>
+                  <a:prstClr val="white"/>
+                </a:solidFill>
+                <a:effectLst/>
+                <a:uLnTx/>
+                <a:uFillTx/>
+                <a:latin typeface="Calibri" panose="020F0502020204030204"/>
+                <a:ea typeface="+mn-ea"/>
+                <a:cs typeface="+mn-cs"/>
+              </a:endParaRPr>
+            </a:p>
+          </p:txBody>
+        </p:sp>
+        <p:pic>
+          <p:nvPicPr>
+            <p:cNvPr id="45" name="Picture 44" descr="A cartoon of a crab&#10;&#10;Description automatically generated">
+              <a:extLst>
+                <a:ext uri="{FF2B5EF4-FFF2-40B4-BE49-F238E27FC236}">
+                  <a16:creationId xmlns:a16="http://schemas.microsoft.com/office/drawing/2014/main" id="{1FB55244-CCB6-6511-D643-C1039E460D45}"/>
+                </a:ext>
+              </a:extLst>
+            </p:cNvPr>
+            <p:cNvPicPr>
+              <a:picLocks noChangeAspect="1"/>
+            </p:cNvPicPr>
+            <p:nvPr/>
+          </p:nvPicPr>
+          <p:blipFill>
+            <a:blip r:embed="rId6"/>
+            <a:stretch>
+              <a:fillRect/>
+            </a:stretch>
+          </p:blipFill>
+          <p:spPr>
+            <a:xfrm>
+              <a:off x="3485304" y="3930998"/>
+              <a:ext cx="2069926" cy="1307616"/>
+            </a:xfrm>
+            <a:prstGeom prst="rect">
+              <a:avLst/>
+            </a:prstGeom>
+          </p:spPr>
+        </p:pic>
+        <p:pic>
+          <p:nvPicPr>
+            <p:cNvPr id="46" name="Picture 45" descr="A red and orange creature with spikes&#10;&#10;Description automatically generated">
+              <a:extLst>
+                <a:ext uri="{FF2B5EF4-FFF2-40B4-BE49-F238E27FC236}">
+                  <a16:creationId xmlns:a16="http://schemas.microsoft.com/office/drawing/2014/main" id="{E32ADDD1-10CF-827A-F931-C56BFE289C33}"/>
+                </a:ext>
+              </a:extLst>
+            </p:cNvPr>
+            <p:cNvPicPr>
+              <a:picLocks noChangeAspect="1"/>
+            </p:cNvPicPr>
+            <p:nvPr/>
+          </p:nvPicPr>
+          <p:blipFill rotWithShape="1">
+            <a:blip r:embed="rId7"/>
+            <a:srcRect l="24381" t="4893" r="18630" b="23779"/>
+            <a:stretch/>
+          </p:blipFill>
+          <p:spPr>
+            <a:xfrm rot="19999024">
+              <a:off x="6348571" y="4407417"/>
+              <a:ext cx="2709926" cy="890747"/>
+            </a:xfrm>
+            <a:prstGeom prst="rect">
+              <a:avLst/>
+            </a:prstGeom>
+          </p:spPr>
+        </p:pic>
+        <p:sp>
+          <p:nvSpPr>
+            <p:cNvPr id="47" name="Donut 46">
+              <a:extLst>
+                <a:ext uri="{FF2B5EF4-FFF2-40B4-BE49-F238E27FC236}">
+                  <a16:creationId xmlns:a16="http://schemas.microsoft.com/office/drawing/2014/main" id="{43A79791-A8FC-925A-6C0E-D58A5930B122}"/>
+                </a:ext>
+              </a:extLst>
+            </p:cNvPr>
+            <p:cNvSpPr/>
+            <p:nvPr/>
+          </p:nvSpPr>
+          <p:spPr>
+            <a:xfrm>
+              <a:off x="2973617" y="101639"/>
+              <a:ext cx="6361414" cy="6354638"/>
+            </a:xfrm>
+            <a:prstGeom prst="donut">
+              <a:avLst>
+                <a:gd name="adj" fmla="val 3278"/>
+              </a:avLst>
+            </a:prstGeom>
+            <a:solidFill>
+              <a:srgbClr val="7C60C6">
+                <a:lumMod val="50000"/>
+              </a:srgbClr>
+            </a:solidFill>
+            <a:ln w="12700" cap="flat" cmpd="sng" algn="ctr">
+              <a:solidFill>
+                <a:srgbClr val="7C60C6">
+                  <a:lumMod val="50000"/>
+                </a:srgbClr>
+              </a:solidFill>
+              <a:prstDash val="solid"/>
+              <a:miter lim="800000"/>
+            </a:ln>
+            <a:effectLst/>
+          </p:spPr>
+          <p:txBody>
+            <a:bodyPr rtlCol="0" anchor="ctr"/>
+            <a:lstStyle/>
+            <a:p>
+              <a:pPr marL="0" marR="0" lvl="0" indent="0" algn="ctr" defTabSz="914400" eaLnBrk="1" fontAlgn="auto" latinLnBrk="0" hangingPunct="1">
+                <a:lnSpc>
+                  <a:spcPct val="100000"/>
+                </a:lnSpc>
+                <a:spcBef>
+                  <a:spcPts val="0"/>
+                </a:spcBef>
+                <a:spcAft>
+                  <a:spcPts val="0"/>
+                </a:spcAft>
+                <a:buClrTx/>
+                <a:buSzTx/>
+                <a:buFontTx/>
+                <a:buNone/>
+                <a:tabLst/>
+                <a:defRPr/>
+              </a:pPr>
+              <a:endParaRPr kumimoji="0" lang="en-US" sz="1800" b="0" i="0" u="none" strike="noStrike" kern="0" cap="none" spc="0" normalizeH="0" baseline="0" noProof="0">
+                <a:ln>
+                  <a:noFill/>
+                </a:ln>
+                <a:solidFill>
+                  <a:prstClr val="white"/>
+                </a:solidFill>
+                <a:effectLst/>
+                <a:uLnTx/>
+                <a:uFillTx/>
+                <a:latin typeface="Calibri" panose="020F0502020204030204"/>
+                <a:ea typeface="+mn-ea"/>
+                <a:cs typeface="+mn-cs"/>
+              </a:endParaRPr>
+            </a:p>
+          </p:txBody>
+        </p:sp>
+        <p:pic>
+          <p:nvPicPr>
+            <p:cNvPr id="48" name="Picture 47" descr="A cartoon of a crab&#10;&#10;Description automatically generated">
+              <a:extLst>
+                <a:ext uri="{FF2B5EF4-FFF2-40B4-BE49-F238E27FC236}">
+                  <a16:creationId xmlns:a16="http://schemas.microsoft.com/office/drawing/2014/main" id="{DE14BBE5-B68D-6B76-829F-91394958FA04}"/>
+                </a:ext>
+              </a:extLst>
+            </p:cNvPr>
+            <p:cNvPicPr>
+              <a:picLocks noChangeAspect="1"/>
+            </p:cNvPicPr>
+            <p:nvPr/>
+          </p:nvPicPr>
+          <p:blipFill>
+            <a:blip r:embed="rId6"/>
+            <a:stretch>
+              <a:fillRect/>
+            </a:stretch>
+          </p:blipFill>
+          <p:spPr>
+            <a:xfrm>
+              <a:off x="6169568" y="3158931"/>
+              <a:ext cx="2054046" cy="1623788"/>
+            </a:xfrm>
+            <a:prstGeom prst="rect">
+              <a:avLst/>
+            </a:prstGeom>
+          </p:spPr>
+        </p:pic>
+        <p:pic>
+          <p:nvPicPr>
+            <p:cNvPr id="49" name="Picture 48" descr="A cartoon of a crab&#10;&#10;Description automatically generated">
+              <a:extLst>
+                <a:ext uri="{FF2B5EF4-FFF2-40B4-BE49-F238E27FC236}">
+                  <a16:creationId xmlns:a16="http://schemas.microsoft.com/office/drawing/2014/main" id="{7F9B7539-0E67-3377-9C93-A1D2CA5D9B34}"/>
+                </a:ext>
+              </a:extLst>
+            </p:cNvPr>
+            <p:cNvPicPr>
+              <a:picLocks noChangeAspect="1"/>
+            </p:cNvPicPr>
+            <p:nvPr/>
+          </p:nvPicPr>
+          <p:blipFill>
+            <a:blip r:embed="rId6"/>
+            <a:stretch>
+              <a:fillRect/>
+            </a:stretch>
+          </p:blipFill>
+          <p:spPr>
+            <a:xfrm>
+              <a:off x="6074460" y="3935177"/>
+              <a:ext cx="1654097" cy="1307616"/>
+            </a:xfrm>
+            <a:prstGeom prst="rect">
+              <a:avLst/>
+            </a:prstGeom>
+          </p:spPr>
+        </p:pic>
+      </p:grpSp>
+      <p:sp>
+        <p:nvSpPr>
+          <p:cNvPr id="51" name="TextBox 50">
+            <a:extLst>
+              <a:ext uri="{FF2B5EF4-FFF2-40B4-BE49-F238E27FC236}">
+                <a16:creationId xmlns:a16="http://schemas.microsoft.com/office/drawing/2014/main" id="{1A52FDFE-8A0D-25D3-310E-A36097CF6E03}"/>
+              </a:ext>
+            </a:extLst>
+          </p:cNvPr>
+          <p:cNvSpPr txBox="1"/>
+          <p:nvPr/>
+        </p:nvSpPr>
+        <p:spPr>
+          <a:xfrm>
+            <a:off x="-86837" y="2891"/>
+            <a:ext cx="442172" cy="369332"/>
+          </a:xfrm>
+          <a:prstGeom prst="rect">
+            <a:avLst/>
+          </a:prstGeom>
+          <a:noFill/>
+        </p:spPr>
+        <p:txBody>
+          <a:bodyPr wrap="none" rtlCol="0">
+            <a:spAutoFit/>
+          </a:bodyPr>
+          <a:lstStyle/>
+          <a:p>
+            <a:r>
+              <a:rPr lang="en-US" dirty="0"/>
+              <a:t>(a)</a:t>
+            </a:r>
+          </a:p>
+        </p:txBody>
+      </p:sp>
+      <p:sp>
+        <p:nvSpPr>
+          <p:cNvPr id="52" name="TextBox 51">
+            <a:extLst>
+              <a:ext uri="{FF2B5EF4-FFF2-40B4-BE49-F238E27FC236}">
+                <a16:creationId xmlns:a16="http://schemas.microsoft.com/office/drawing/2014/main" id="{4D47195E-625E-0756-474F-49F331740B8C}"/>
+              </a:ext>
+            </a:extLst>
+          </p:cNvPr>
+          <p:cNvSpPr txBox="1"/>
+          <p:nvPr/>
+        </p:nvSpPr>
+        <p:spPr>
+          <a:xfrm>
+            <a:off x="2964194" y="9120"/>
+            <a:ext cx="441146" cy="369332"/>
+          </a:xfrm>
+          <a:prstGeom prst="rect">
+            <a:avLst/>
+          </a:prstGeom>
+          <a:noFill/>
+        </p:spPr>
+        <p:txBody>
+          <a:bodyPr wrap="none" rtlCol="0">
+            <a:spAutoFit/>
+          </a:bodyPr>
+          <a:lstStyle/>
+          <a:p>
+            <a:r>
+              <a:rPr lang="en-US" dirty="0"/>
+              <a:t>(c)</a:t>
+            </a:r>
+          </a:p>
+        </p:txBody>
+      </p:sp>
+      <p:sp>
+        <p:nvSpPr>
+          <p:cNvPr id="53" name="TextBox 52">
+            <a:extLst>
+              <a:ext uri="{FF2B5EF4-FFF2-40B4-BE49-F238E27FC236}">
+                <a16:creationId xmlns:a16="http://schemas.microsoft.com/office/drawing/2014/main" id="{12E540FB-0216-0AFE-EB28-E05554BDCA79}"/>
+              </a:ext>
+            </a:extLst>
+          </p:cNvPr>
+          <p:cNvSpPr txBox="1"/>
+          <p:nvPr/>
+        </p:nvSpPr>
+        <p:spPr>
+          <a:xfrm>
+            <a:off x="1410958" y="8336"/>
+            <a:ext cx="449162" cy="369332"/>
+          </a:xfrm>
+          <a:prstGeom prst="rect">
+            <a:avLst/>
+          </a:prstGeom>
+          <a:noFill/>
+        </p:spPr>
+        <p:txBody>
+          <a:bodyPr wrap="none" rtlCol="0">
+            <a:spAutoFit/>
+          </a:bodyPr>
+          <a:lstStyle/>
+          <a:p>
+            <a:r>
+              <a:rPr lang="en-US" dirty="0"/>
+              <a:t>(b)</a:t>
+            </a:r>
+          </a:p>
+        </p:txBody>
+      </p:sp>
+      <p:grpSp>
+        <p:nvGrpSpPr>
+          <p:cNvPr id="19" name="Group 18">
+            <a:extLst>
+              <a:ext uri="{FF2B5EF4-FFF2-40B4-BE49-F238E27FC236}">
+                <a16:creationId xmlns:a16="http://schemas.microsoft.com/office/drawing/2014/main" id="{87DA3B82-AB83-F6C3-0802-2ECB08B555D1}"/>
+              </a:ext>
+            </a:extLst>
+          </p:cNvPr>
+          <p:cNvGrpSpPr/>
+          <p:nvPr/>
+        </p:nvGrpSpPr>
+        <p:grpSpPr>
+          <a:xfrm>
+            <a:off x="1535077" y="100458"/>
+            <a:ext cx="1487056" cy="1508291"/>
+            <a:chOff x="4050315" y="1313042"/>
+            <a:chExt cx="4046410" cy="4038717"/>
+          </a:xfrm>
+        </p:grpSpPr>
+        <p:sp>
+          <p:nvSpPr>
+            <p:cNvPr id="20" name="Oval 19">
+              <a:extLst>
+                <a:ext uri="{FF2B5EF4-FFF2-40B4-BE49-F238E27FC236}">
+                  <a16:creationId xmlns:a16="http://schemas.microsoft.com/office/drawing/2014/main" id="{88395801-C70D-4C4B-DAF1-A5ABA916B457}"/>
+                </a:ext>
+              </a:extLst>
+            </p:cNvPr>
+            <p:cNvSpPr/>
+            <p:nvPr/>
+          </p:nvSpPr>
+          <p:spPr>
+            <a:xfrm>
+              <a:off x="4194159" y="1431936"/>
+              <a:ext cx="3771812" cy="3802898"/>
+            </a:xfrm>
+            <a:prstGeom prst="ellipse">
+              <a:avLst/>
+            </a:prstGeom>
+            <a:solidFill>
+              <a:srgbClr val="99B9F1"/>
+            </a:solidFill>
+            <a:ln w="12700" cap="flat" cmpd="sng" algn="ctr">
+              <a:noFill/>
+              <a:prstDash val="solid"/>
+              <a:miter lim="800000"/>
+            </a:ln>
+            <a:effectLst/>
+          </p:spPr>
+          <p:txBody>
+            <a:bodyPr rtlCol="0" anchor="ctr"/>
+            <a:lstStyle/>
+            <a:p>
+              <a:pPr marL="0" marR="0" lvl="0" indent="0" algn="ctr" defTabSz="914400" eaLnBrk="1" fontAlgn="auto" latinLnBrk="0" hangingPunct="1">
+                <a:lnSpc>
+                  <a:spcPct val="100000"/>
+                </a:lnSpc>
+                <a:spcBef>
+                  <a:spcPts val="0"/>
+                </a:spcBef>
+                <a:spcAft>
+                  <a:spcPts val="0"/>
+                </a:spcAft>
+                <a:buClrTx/>
+                <a:buSzTx/>
+                <a:buFontTx/>
+                <a:buNone/>
+                <a:tabLst/>
+                <a:defRPr/>
+              </a:pPr>
+              <a:endParaRPr kumimoji="0" lang="en-US" sz="1800" b="0" i="0" u="none" strike="noStrike" kern="0" cap="none" spc="0" normalizeH="0" baseline="0" noProof="0">
+                <a:ln>
+                  <a:noFill/>
+                </a:ln>
+                <a:solidFill>
+                  <a:prstClr val="white"/>
+                </a:solidFill>
+                <a:effectLst/>
+                <a:uLnTx/>
+                <a:uFillTx/>
+                <a:latin typeface="Calibri" panose="020F0502020204030204"/>
+                <a:ea typeface="+mn-ea"/>
+                <a:cs typeface="+mn-cs"/>
+              </a:endParaRPr>
+            </a:p>
+          </p:txBody>
+        </p:sp>
+        <p:sp>
+          <p:nvSpPr>
+            <p:cNvPr id="21" name="Oval 20">
+              <a:extLst>
+                <a:ext uri="{FF2B5EF4-FFF2-40B4-BE49-F238E27FC236}">
+                  <a16:creationId xmlns:a16="http://schemas.microsoft.com/office/drawing/2014/main" id="{2FC940C9-C533-D8B7-072B-163A1973A99D}"/>
+                </a:ext>
+              </a:extLst>
+            </p:cNvPr>
+            <p:cNvSpPr/>
+            <p:nvPr/>
+          </p:nvSpPr>
+          <p:spPr>
+            <a:xfrm flipH="1">
+              <a:off x="4524009" y="2499921"/>
+              <a:ext cx="1538011" cy="1064813"/>
+            </a:xfrm>
+            <a:prstGeom prst="ellipse">
+              <a:avLst/>
+            </a:prstGeom>
+            <a:solidFill>
+              <a:srgbClr val="FFFC00">
+                <a:alpha val="41961"/>
+              </a:srgbClr>
+            </a:solidFill>
+            <a:ln w="12700" cap="flat" cmpd="sng" algn="ctr">
+              <a:noFill/>
+              <a:prstDash val="solid"/>
+              <a:miter lim="800000"/>
+            </a:ln>
+            <a:effectLst/>
+          </p:spPr>
+          <p:txBody>
+            <a:bodyPr rtlCol="0" anchor="ctr"/>
+            <a:lstStyle/>
+            <a:p>
+              <a:pPr marL="0" marR="0" lvl="0" indent="0" algn="ctr" defTabSz="457200" eaLnBrk="1" fontAlgn="auto" latinLnBrk="0" hangingPunct="1">
+                <a:lnSpc>
+                  <a:spcPct val="100000"/>
+                </a:lnSpc>
+                <a:spcBef>
+                  <a:spcPts val="0"/>
+                </a:spcBef>
+                <a:spcAft>
+                  <a:spcPts val="0"/>
+                </a:spcAft>
+                <a:buClrTx/>
+                <a:buSzTx/>
+                <a:buFontTx/>
+                <a:buNone/>
+                <a:tabLst/>
+                <a:defRPr/>
+              </a:pPr>
+              <a:endParaRPr kumimoji="0" lang="en-US" sz="1800" b="0" i="0" u="none" strike="noStrike" kern="0" cap="none" spc="0" normalizeH="0" baseline="0" noProof="0">
+                <a:ln>
+                  <a:noFill/>
+                </a:ln>
+                <a:solidFill>
+                  <a:prstClr val="white"/>
+                </a:solidFill>
+                <a:effectLst/>
+                <a:uLnTx/>
+                <a:uFillTx/>
+                <a:latin typeface="Calibri" panose="020F0502020204030204"/>
+                <a:ea typeface="+mn-ea"/>
+                <a:cs typeface="+mn-cs"/>
+              </a:endParaRPr>
+            </a:p>
+          </p:txBody>
+        </p:sp>
+        <p:pic>
+          <p:nvPicPr>
+            <p:cNvPr id="22" name="Graphic 21">
+              <a:extLst>
+                <a:ext uri="{FF2B5EF4-FFF2-40B4-BE49-F238E27FC236}">
+                  <a16:creationId xmlns:a16="http://schemas.microsoft.com/office/drawing/2014/main" id="{8B92F33B-C2D8-7178-30EB-15D22740B04B}"/>
+                </a:ext>
+              </a:extLst>
+            </p:cNvPr>
+            <p:cNvPicPr>
+              <a:picLocks noChangeAspect="1"/>
+            </p:cNvPicPr>
+            <p:nvPr/>
+          </p:nvPicPr>
+          <p:blipFill rotWithShape="1">
+            <a:blip r:embed="rId4">
+              <a:extLst>
+                <a:ext uri="{96DAC541-7B7A-43D3-8B79-37D633B846F1}">
+                  <asvg:svgBlip xmlns:asvg="http://schemas.microsoft.com/office/drawing/2016/SVG/main" r:embed="rId5"/>
+                </a:ext>
+              </a:extLst>
+            </a:blip>
+            <a:srcRect b="30924"/>
+            <a:stretch/>
+          </p:blipFill>
+          <p:spPr>
+            <a:xfrm rot="2067891" flipH="1">
+              <a:off x="4326529" y="4366388"/>
+              <a:ext cx="1508600" cy="523810"/>
+            </a:xfrm>
+            <a:prstGeom prst="ellipse">
+              <a:avLst/>
+            </a:prstGeom>
+          </p:spPr>
+        </p:pic>
+        <p:sp>
+          <p:nvSpPr>
+            <p:cNvPr id="23" name="Oval 22">
+              <a:extLst>
+                <a:ext uri="{FF2B5EF4-FFF2-40B4-BE49-F238E27FC236}">
+                  <a16:creationId xmlns:a16="http://schemas.microsoft.com/office/drawing/2014/main" id="{9C62B08E-9944-231D-1B70-D67D345F2F37}"/>
+                </a:ext>
+              </a:extLst>
+            </p:cNvPr>
+            <p:cNvSpPr/>
+            <p:nvPr/>
+          </p:nvSpPr>
+          <p:spPr>
+            <a:xfrm flipH="1">
+              <a:off x="4762658" y="2191601"/>
+              <a:ext cx="1538010" cy="1064813"/>
+            </a:xfrm>
+            <a:prstGeom prst="ellipse">
+              <a:avLst/>
+            </a:prstGeom>
+            <a:solidFill>
+              <a:srgbClr val="FFFC00">
+                <a:alpha val="41961"/>
+              </a:srgbClr>
+            </a:solidFill>
+            <a:ln w="12700" cap="flat" cmpd="sng" algn="ctr">
+              <a:noFill/>
+              <a:prstDash val="solid"/>
+              <a:miter lim="800000"/>
+            </a:ln>
+            <a:effectLst/>
+          </p:spPr>
+          <p:txBody>
+            <a:bodyPr rtlCol="0" anchor="ctr"/>
+            <a:lstStyle/>
+            <a:p>
+              <a:pPr marL="0" marR="0" lvl="0" indent="0" algn="ctr" defTabSz="457200" eaLnBrk="1" fontAlgn="auto" latinLnBrk="0" hangingPunct="1">
+                <a:lnSpc>
+                  <a:spcPct val="100000"/>
+                </a:lnSpc>
+                <a:spcBef>
+                  <a:spcPts val="0"/>
+                </a:spcBef>
+                <a:spcAft>
+                  <a:spcPts val="0"/>
+                </a:spcAft>
+                <a:buClrTx/>
+                <a:buSzTx/>
+                <a:buFontTx/>
+                <a:buNone/>
+                <a:tabLst/>
+                <a:defRPr/>
+              </a:pPr>
+              <a:endParaRPr kumimoji="0" lang="en-US" sz="1800" b="0" i="0" u="none" strike="noStrike" kern="0" cap="none" spc="0" normalizeH="0" baseline="0" noProof="0">
+                <a:ln>
+                  <a:noFill/>
+                </a:ln>
+                <a:solidFill>
+                  <a:prstClr val="white"/>
+                </a:solidFill>
+                <a:effectLst/>
+                <a:uLnTx/>
+                <a:uFillTx/>
+                <a:latin typeface="Calibri" panose="020F0502020204030204"/>
+                <a:ea typeface="+mn-ea"/>
+                <a:cs typeface="+mn-cs"/>
+              </a:endParaRPr>
+            </a:p>
+          </p:txBody>
+        </p:sp>
+        <p:sp>
+          <p:nvSpPr>
+            <p:cNvPr id="24" name="Oval 23">
+              <a:extLst>
+                <a:ext uri="{FF2B5EF4-FFF2-40B4-BE49-F238E27FC236}">
+                  <a16:creationId xmlns:a16="http://schemas.microsoft.com/office/drawing/2014/main" id="{B55E409B-8F1F-18FD-BECE-8D57BC38B171}"/>
+                </a:ext>
+              </a:extLst>
+            </p:cNvPr>
+            <p:cNvSpPr/>
+            <p:nvPr/>
+          </p:nvSpPr>
+          <p:spPr>
+            <a:xfrm flipH="1">
+              <a:off x="4451064" y="2258315"/>
+              <a:ext cx="1538011" cy="1064813"/>
+            </a:xfrm>
+            <a:prstGeom prst="ellipse">
+              <a:avLst/>
+            </a:prstGeom>
+            <a:solidFill>
+              <a:srgbClr val="FFFC00">
+                <a:alpha val="41961"/>
+              </a:srgbClr>
+            </a:solidFill>
+            <a:ln w="12700" cap="flat" cmpd="sng" algn="ctr">
+              <a:noFill/>
+              <a:prstDash val="solid"/>
+              <a:miter lim="800000"/>
+            </a:ln>
+            <a:effectLst/>
+          </p:spPr>
+          <p:txBody>
+            <a:bodyPr rtlCol="0" anchor="ctr"/>
+            <a:lstStyle/>
+            <a:p>
+              <a:pPr marL="0" marR="0" lvl="0" indent="0" algn="ctr" defTabSz="457200" eaLnBrk="1" fontAlgn="auto" latinLnBrk="0" hangingPunct="1">
+                <a:lnSpc>
+                  <a:spcPct val="100000"/>
+                </a:lnSpc>
+                <a:spcBef>
+                  <a:spcPts val="0"/>
+                </a:spcBef>
+                <a:spcAft>
+                  <a:spcPts val="0"/>
+                </a:spcAft>
+                <a:buClrTx/>
+                <a:buSzTx/>
+                <a:buFontTx/>
+                <a:buNone/>
+                <a:tabLst/>
+                <a:defRPr/>
+              </a:pPr>
+              <a:endParaRPr kumimoji="0" lang="en-US" sz="1800" b="0" i="0" u="none" strike="noStrike" kern="0" cap="none" spc="0" normalizeH="0" baseline="0" noProof="0">
+                <a:ln>
+                  <a:noFill/>
+                </a:ln>
+                <a:solidFill>
+                  <a:prstClr val="white"/>
+                </a:solidFill>
+                <a:effectLst/>
+                <a:uLnTx/>
+                <a:uFillTx/>
+                <a:latin typeface="Calibri" panose="020F0502020204030204"/>
+                <a:ea typeface="+mn-ea"/>
+                <a:cs typeface="+mn-cs"/>
+              </a:endParaRPr>
+            </a:p>
+          </p:txBody>
+        </p:sp>
+        <p:sp>
+          <p:nvSpPr>
+            <p:cNvPr id="25" name="Oval 24">
+              <a:extLst>
+                <a:ext uri="{FF2B5EF4-FFF2-40B4-BE49-F238E27FC236}">
+                  <a16:creationId xmlns:a16="http://schemas.microsoft.com/office/drawing/2014/main" id="{2C7825B5-9566-4CF8-475D-59912EBF7E1A}"/>
+                </a:ext>
+              </a:extLst>
+            </p:cNvPr>
+            <p:cNvSpPr/>
+            <p:nvPr/>
+          </p:nvSpPr>
+          <p:spPr>
+            <a:xfrm rot="21002951">
+              <a:off x="6275351" y="2773193"/>
+              <a:ext cx="1497877" cy="1065453"/>
+            </a:xfrm>
+            <a:prstGeom prst="ellipse">
+              <a:avLst/>
+            </a:prstGeom>
+            <a:solidFill>
+              <a:srgbClr val="FFFC00">
+                <a:alpha val="41961"/>
+              </a:srgbClr>
+            </a:solidFill>
+            <a:ln w="12700" cap="flat" cmpd="sng" algn="ctr">
+              <a:noFill/>
+              <a:prstDash val="solid"/>
+              <a:miter lim="800000"/>
+            </a:ln>
+            <a:effectLst/>
+          </p:spPr>
+          <p:txBody>
+            <a:bodyPr rtlCol="0" anchor="ctr"/>
+            <a:lstStyle/>
+            <a:p>
+              <a:pPr marL="0" marR="0" lvl="0" indent="0" algn="ctr" defTabSz="457200" eaLnBrk="1" fontAlgn="auto" latinLnBrk="0" hangingPunct="1">
+                <a:lnSpc>
+                  <a:spcPct val="100000"/>
+                </a:lnSpc>
+                <a:spcBef>
+                  <a:spcPts val="0"/>
+                </a:spcBef>
+                <a:spcAft>
+                  <a:spcPts val="0"/>
+                </a:spcAft>
+                <a:buClrTx/>
+                <a:buSzTx/>
+                <a:buFontTx/>
+                <a:buNone/>
+                <a:tabLst/>
+                <a:defRPr/>
+              </a:pPr>
+              <a:endParaRPr kumimoji="0" lang="en-US" sz="1800" b="0" i="0" u="none" strike="noStrike" kern="0" cap="none" spc="0" normalizeH="0" baseline="0" noProof="0">
+                <a:ln>
+                  <a:noFill/>
+                </a:ln>
+                <a:solidFill>
+                  <a:prstClr val="white"/>
+                </a:solidFill>
+                <a:effectLst/>
+                <a:uLnTx/>
+                <a:uFillTx/>
+                <a:latin typeface="Calibri" panose="020F0502020204030204"/>
+                <a:ea typeface="+mn-ea"/>
+                <a:cs typeface="+mn-cs"/>
+              </a:endParaRPr>
+            </a:p>
+          </p:txBody>
+        </p:sp>
+        <p:pic>
+          <p:nvPicPr>
+            <p:cNvPr id="26" name="Graphic 25">
+              <a:extLst>
+                <a:ext uri="{FF2B5EF4-FFF2-40B4-BE49-F238E27FC236}">
+                  <a16:creationId xmlns:a16="http://schemas.microsoft.com/office/drawing/2014/main" id="{3EE774D2-8366-8E4E-4F72-5D4FC1EDB988}"/>
+                </a:ext>
+              </a:extLst>
+            </p:cNvPr>
+            <p:cNvPicPr>
+              <a:picLocks noChangeAspect="1"/>
+            </p:cNvPicPr>
+            <p:nvPr/>
+          </p:nvPicPr>
+          <p:blipFill rotWithShape="1">
+            <a:blip r:embed="rId4">
+              <a:extLst>
+                <a:ext uri="{96DAC541-7B7A-43D3-8B79-37D633B846F1}">
+                  <asvg:svgBlip xmlns:asvg="http://schemas.microsoft.com/office/drawing/2016/SVG/main" r:embed="rId5"/>
+                </a:ext>
+              </a:extLst>
+            </a:blip>
+            <a:srcRect b="30924"/>
+            <a:stretch/>
+          </p:blipFill>
+          <p:spPr>
+            <a:xfrm rot="21398750" flipH="1">
+              <a:off x="5340868" y="4498477"/>
+              <a:ext cx="1387128" cy="481633"/>
+            </a:xfrm>
+            <a:prstGeom prst="ellipse">
+              <a:avLst/>
+            </a:prstGeom>
+          </p:spPr>
+        </p:pic>
+        <p:pic>
+          <p:nvPicPr>
+            <p:cNvPr id="27" name="Graphic 26">
+              <a:extLst>
+                <a:ext uri="{FF2B5EF4-FFF2-40B4-BE49-F238E27FC236}">
+                  <a16:creationId xmlns:a16="http://schemas.microsoft.com/office/drawing/2014/main" id="{920F6392-E319-2711-C736-4A7293B9FD42}"/>
+                </a:ext>
+              </a:extLst>
+            </p:cNvPr>
+            <p:cNvPicPr>
+              <a:picLocks noChangeAspect="1"/>
+            </p:cNvPicPr>
+            <p:nvPr/>
+          </p:nvPicPr>
+          <p:blipFill rotWithShape="1">
+            <a:blip r:embed="rId4">
+              <a:extLst>
+                <a:ext uri="{96DAC541-7B7A-43D3-8B79-37D633B846F1}">
+                  <asvg:svgBlip xmlns:asvg="http://schemas.microsoft.com/office/drawing/2016/SVG/main" r:embed="rId5"/>
+                </a:ext>
+              </a:extLst>
+            </a:blip>
+            <a:srcRect b="30924"/>
+            <a:stretch/>
+          </p:blipFill>
+          <p:spPr>
+            <a:xfrm rot="20503315" flipH="1">
+              <a:off x="5879394" y="4690594"/>
+              <a:ext cx="1387128" cy="481633"/>
+            </a:xfrm>
+            <a:prstGeom prst="ellipse">
+              <a:avLst/>
+            </a:prstGeom>
+          </p:spPr>
+        </p:pic>
+        <p:pic>
+          <p:nvPicPr>
+            <p:cNvPr id="28" name="Graphic 27">
+              <a:extLst>
+                <a:ext uri="{FF2B5EF4-FFF2-40B4-BE49-F238E27FC236}">
+                  <a16:creationId xmlns:a16="http://schemas.microsoft.com/office/drawing/2014/main" id="{D2C58362-0227-E74E-F0AE-00088AFAF12D}"/>
+                </a:ext>
+              </a:extLst>
+            </p:cNvPr>
+            <p:cNvPicPr>
+              <a:picLocks noChangeAspect="1"/>
+            </p:cNvPicPr>
+            <p:nvPr/>
+          </p:nvPicPr>
+          <p:blipFill rotWithShape="1">
+            <a:blip r:embed="rId4">
+              <a:extLst>
+                <a:ext uri="{96DAC541-7B7A-43D3-8B79-37D633B846F1}">
+                  <asvg:svgBlip xmlns:asvg="http://schemas.microsoft.com/office/drawing/2016/SVG/main" r:embed="rId5"/>
+                </a:ext>
+              </a:extLst>
+            </a:blip>
+            <a:srcRect b="30924"/>
+            <a:stretch/>
+          </p:blipFill>
+          <p:spPr>
+            <a:xfrm rot="788449" flipH="1">
+              <a:off x="5023667" y="4718753"/>
+              <a:ext cx="1387128" cy="481633"/>
+            </a:xfrm>
+            <a:prstGeom prst="ellipse">
+              <a:avLst/>
+            </a:prstGeom>
+          </p:spPr>
+        </p:pic>
+        <p:pic>
+          <p:nvPicPr>
+            <p:cNvPr id="29" name="Graphic 28">
+              <a:extLst>
+                <a:ext uri="{FF2B5EF4-FFF2-40B4-BE49-F238E27FC236}">
+                  <a16:creationId xmlns:a16="http://schemas.microsoft.com/office/drawing/2014/main" id="{20021D4B-36B4-2D68-1AEA-33C5321908FB}"/>
+                </a:ext>
+              </a:extLst>
+            </p:cNvPr>
+            <p:cNvPicPr>
+              <a:picLocks noChangeAspect="1"/>
+            </p:cNvPicPr>
+            <p:nvPr/>
+          </p:nvPicPr>
+          <p:blipFill>
+            <a:blip r:embed="rId8">
+              <a:extLst>
+                <a:ext uri="{96DAC541-7B7A-43D3-8B79-37D633B846F1}">
+                  <asvg:svgBlip xmlns:asvg="http://schemas.microsoft.com/office/drawing/2016/SVG/main" r:embed="rId9"/>
+                </a:ext>
+              </a:extLst>
+            </a:blip>
+            <a:stretch>
+              <a:fillRect/>
+            </a:stretch>
+          </p:blipFill>
+          <p:spPr>
+            <a:xfrm rot="636955">
+              <a:off x="4841405" y="1783706"/>
+              <a:ext cx="1702961" cy="2845840"/>
+            </a:xfrm>
+            <a:prstGeom prst="rect">
+              <a:avLst/>
+            </a:prstGeom>
+          </p:spPr>
+        </p:pic>
+        <p:pic>
+          <p:nvPicPr>
+            <p:cNvPr id="30" name="Graphic 29">
+              <a:extLst>
+                <a:ext uri="{FF2B5EF4-FFF2-40B4-BE49-F238E27FC236}">
+                  <a16:creationId xmlns:a16="http://schemas.microsoft.com/office/drawing/2014/main" id="{7DD7F7F6-D7BA-8577-F74D-F60212BBC56C}"/>
+                </a:ext>
+              </a:extLst>
+            </p:cNvPr>
+            <p:cNvPicPr>
+              <a:picLocks noChangeAspect="1"/>
+            </p:cNvPicPr>
+            <p:nvPr/>
+          </p:nvPicPr>
+          <p:blipFill>
+            <a:blip r:embed="rId10">
+              <a:extLst>
+                <a:ext uri="{96DAC541-7B7A-43D3-8B79-37D633B846F1}">
+                  <asvg:svgBlip xmlns:asvg="http://schemas.microsoft.com/office/drawing/2016/SVG/main" r:embed="rId11"/>
+                </a:ext>
+              </a:extLst>
+            </a:blip>
+            <a:stretch>
+              <a:fillRect/>
+            </a:stretch>
+          </p:blipFill>
+          <p:spPr>
+            <a:xfrm rot="575686" flipH="1">
+              <a:off x="4480646" y="1703696"/>
+              <a:ext cx="625009" cy="2757393"/>
+            </a:xfrm>
+            <a:prstGeom prst="rect">
+              <a:avLst/>
+            </a:prstGeom>
+          </p:spPr>
+        </p:pic>
+        <p:pic>
+          <p:nvPicPr>
+            <p:cNvPr id="31" name="Graphic 30">
+              <a:extLst>
+                <a:ext uri="{FF2B5EF4-FFF2-40B4-BE49-F238E27FC236}">
+                  <a16:creationId xmlns:a16="http://schemas.microsoft.com/office/drawing/2014/main" id="{52813662-D7C0-E491-149D-E0A10B09E249}"/>
+                </a:ext>
+              </a:extLst>
+            </p:cNvPr>
+            <p:cNvPicPr>
+              <a:picLocks noChangeAspect="1"/>
+            </p:cNvPicPr>
+            <p:nvPr/>
+          </p:nvPicPr>
+          <p:blipFill>
+            <a:blip r:embed="rId8">
+              <a:extLst>
+                <a:ext uri="{96DAC541-7B7A-43D3-8B79-37D633B846F1}">
+                  <asvg:svgBlip xmlns:asvg="http://schemas.microsoft.com/office/drawing/2016/SVG/main" r:embed="rId9"/>
+                </a:ext>
+              </a:extLst>
+            </a:blip>
+            <a:stretch>
+              <a:fillRect/>
+            </a:stretch>
+          </p:blipFill>
+          <p:spPr>
+            <a:xfrm rot="737105">
+              <a:off x="4646855" y="2041552"/>
+              <a:ext cx="1494749" cy="2497894"/>
+            </a:xfrm>
+            <a:prstGeom prst="rect">
+              <a:avLst/>
+            </a:prstGeom>
+          </p:spPr>
+        </p:pic>
+        <p:pic>
+          <p:nvPicPr>
+            <p:cNvPr id="32" name="Graphic 31">
+              <a:extLst>
+                <a:ext uri="{FF2B5EF4-FFF2-40B4-BE49-F238E27FC236}">
+                  <a16:creationId xmlns:a16="http://schemas.microsoft.com/office/drawing/2014/main" id="{0432C1B8-7C0C-E0C2-E21A-F33476501119}"/>
+                </a:ext>
+              </a:extLst>
+            </p:cNvPr>
+            <p:cNvPicPr>
+              <a:picLocks noChangeAspect="1"/>
+            </p:cNvPicPr>
+            <p:nvPr/>
+          </p:nvPicPr>
+          <p:blipFill>
+            <a:blip r:embed="rId12">
+              <a:extLst>
+                <a:ext uri="{96DAC541-7B7A-43D3-8B79-37D633B846F1}">
+                  <asvg:svgBlip xmlns:asvg="http://schemas.microsoft.com/office/drawing/2016/SVG/main" r:embed="rId13"/>
+                </a:ext>
+              </a:extLst>
+            </a:blip>
+            <a:stretch>
+              <a:fillRect/>
+            </a:stretch>
+          </p:blipFill>
+          <p:spPr>
+            <a:xfrm flipH="1">
+              <a:off x="4563022" y="2032257"/>
+              <a:ext cx="1314097" cy="2832106"/>
+            </a:xfrm>
+            <a:prstGeom prst="rect">
+              <a:avLst/>
+            </a:prstGeom>
+          </p:spPr>
+        </p:pic>
+        <p:sp>
+          <p:nvSpPr>
+            <p:cNvPr id="33" name="Donut 32">
+              <a:extLst>
+                <a:ext uri="{FF2B5EF4-FFF2-40B4-BE49-F238E27FC236}">
+                  <a16:creationId xmlns:a16="http://schemas.microsoft.com/office/drawing/2014/main" id="{FDE7D0E9-0B26-C7BE-D3F4-B22057DF09E9}"/>
+                </a:ext>
+              </a:extLst>
+            </p:cNvPr>
+            <p:cNvSpPr/>
+            <p:nvPr/>
+          </p:nvSpPr>
+          <p:spPr>
+            <a:xfrm>
+              <a:off x="4050315" y="1313042"/>
+              <a:ext cx="4046410" cy="4038717"/>
+            </a:xfrm>
+            <a:prstGeom prst="donut">
+              <a:avLst>
+                <a:gd name="adj" fmla="val 3278"/>
+              </a:avLst>
+            </a:prstGeom>
+            <a:solidFill>
+              <a:srgbClr val="7030A0"/>
+            </a:solidFill>
+            <a:ln w="12700" cap="flat" cmpd="sng" algn="ctr">
+              <a:solidFill>
+                <a:srgbClr val="7030A0"/>
+              </a:solidFill>
+              <a:prstDash val="solid"/>
+              <a:miter lim="800000"/>
+            </a:ln>
+            <a:effectLst/>
+          </p:spPr>
+          <p:txBody>
+            <a:bodyPr rtlCol="0" anchor="ctr"/>
+            <a:lstStyle/>
+            <a:p>
+              <a:pPr marL="0" marR="0" lvl="0" indent="0" algn="ctr" defTabSz="914400" eaLnBrk="1" fontAlgn="auto" latinLnBrk="0" hangingPunct="1">
+                <a:lnSpc>
+                  <a:spcPct val="100000"/>
+                </a:lnSpc>
+                <a:spcBef>
+                  <a:spcPts val="0"/>
+                </a:spcBef>
+                <a:spcAft>
+                  <a:spcPts val="0"/>
+                </a:spcAft>
+                <a:buClrTx/>
+                <a:buSzTx/>
+                <a:buFontTx/>
+                <a:buNone/>
+                <a:tabLst/>
+                <a:defRPr/>
+              </a:pPr>
+              <a:endParaRPr kumimoji="0" lang="en-US" sz="1800" b="0" i="0" u="none" strike="noStrike" kern="0" cap="none" spc="0" normalizeH="0" baseline="0" noProof="0">
+                <a:ln>
+                  <a:noFill/>
+                </a:ln>
+                <a:solidFill>
+                  <a:prstClr val="white"/>
+                </a:solidFill>
+                <a:effectLst/>
+                <a:uLnTx/>
+                <a:uFillTx/>
+                <a:latin typeface="Calibri" panose="020F0502020204030204"/>
+                <a:ea typeface="+mn-ea"/>
+                <a:cs typeface="+mn-cs"/>
+              </a:endParaRPr>
+            </a:p>
+          </p:txBody>
+        </p:sp>
+      </p:grpSp>
+      <p:sp>
+        <p:nvSpPr>
+          <p:cNvPr id="61" name="TextBox 60">
+            <a:extLst>
+              <a:ext uri="{FF2B5EF4-FFF2-40B4-BE49-F238E27FC236}">
+                <a16:creationId xmlns:a16="http://schemas.microsoft.com/office/drawing/2014/main" id="{3F2A1811-C1BE-22AA-2EEF-96FD21DA5EB6}"/>
+              </a:ext>
+            </a:extLst>
+          </p:cNvPr>
+          <p:cNvSpPr txBox="1"/>
+          <p:nvPr/>
+        </p:nvSpPr>
+        <p:spPr>
+          <a:xfrm>
+            <a:off x="1984451" y="1246149"/>
+            <a:ext cx="551754" cy="369332"/>
+          </a:xfrm>
+          <a:prstGeom prst="rect">
+            <a:avLst/>
+          </a:prstGeom>
+          <a:noFill/>
+        </p:spPr>
+        <p:txBody>
+          <a:bodyPr wrap="none" rtlCol="0">
+            <a:spAutoFit/>
+          </a:bodyPr>
+          <a:lstStyle/>
+          <a:p>
+            <a:r>
+              <a:rPr lang="en-US" dirty="0"/>
+              <a:t>5 m</a:t>
+            </a:r>
+          </a:p>
+        </p:txBody>
+      </p:sp>
+      <p:sp>
+        <p:nvSpPr>
+          <p:cNvPr id="62" name="TextBox 61">
+            <a:extLst>
+              <a:ext uri="{FF2B5EF4-FFF2-40B4-BE49-F238E27FC236}">
+                <a16:creationId xmlns:a16="http://schemas.microsoft.com/office/drawing/2014/main" id="{3CD0C518-DA80-A031-E247-AB3CF3D5F06A}"/>
+              </a:ext>
+            </a:extLst>
+          </p:cNvPr>
+          <p:cNvSpPr txBox="1"/>
+          <p:nvPr/>
+        </p:nvSpPr>
+        <p:spPr>
+          <a:xfrm>
+            <a:off x="3550197" y="1251215"/>
+            <a:ext cx="551754" cy="369332"/>
+          </a:xfrm>
+          <a:prstGeom prst="rect">
+            <a:avLst/>
+          </a:prstGeom>
+          <a:noFill/>
+        </p:spPr>
+        <p:txBody>
+          <a:bodyPr wrap="none" rtlCol="0">
+            <a:spAutoFit/>
+          </a:bodyPr>
+          <a:lstStyle/>
+          <a:p>
+            <a:r>
+              <a:rPr lang="en-US" dirty="0"/>
+              <a:t>2 m</a:t>
+            </a:r>
+          </a:p>
+        </p:txBody>
+      </p:sp>
+      <p:grpSp>
+        <p:nvGrpSpPr>
           <p:cNvPr id="5" name="Group 4">
             <a:extLst>
               <a:ext uri="{FF2B5EF4-FFF2-40B4-BE49-F238E27FC236}">
@@ -3474,14 +5488,14 @@
             <p:nvPr/>
           </p:nvPicPr>
           <p:blipFill rotWithShape="1">
-            <a:blip r:embed="rId4"/>
+            <a:blip r:embed="rId14"/>
             <a:srcRect l="44456" t="36578" r="37377" b="31254"/>
             <a:stretch/>
           </p:blipFill>
           <p:spPr>
             <a:xfrm rot="1420365">
               <a:off x="166304" y="171314"/>
-              <a:ext cx="3854941" cy="3839420"/>
+              <a:ext cx="3854942" cy="3839419"/>
             </a:xfrm>
             <a:prstGeom prst="ellipse">
               <a:avLst/>
@@ -4337,731 +6351,241 @@
           </p:txBody>
         </p:sp>
       </p:grpSp>
-      <p:grpSp>
-        <p:nvGrpSpPr>
-          <p:cNvPr id="19" name="Group 18">
+      <p:sp>
+        <p:nvSpPr>
+          <p:cNvPr id="63" name="TextBox 62">
             <a:extLst>
               <a:ext uri="{FF2B5EF4-FFF2-40B4-BE49-F238E27FC236}">
-                <a16:creationId xmlns:a16="http://schemas.microsoft.com/office/drawing/2014/main" id="{87DA3B82-AB83-F6C3-0802-2ECB08B555D1}"/>
+                <a16:creationId xmlns:a16="http://schemas.microsoft.com/office/drawing/2014/main" id="{04491741-A4D5-BCC6-C07A-660770C8C063}"/>
               </a:ext>
             </a:extLst>
           </p:cNvPr>
-          <p:cNvGrpSpPr/>
+          <p:cNvSpPr txBox="1"/>
           <p:nvPr/>
-        </p:nvGrpSpPr>
-        <p:grpSpPr>
+        </p:nvSpPr>
+        <p:spPr>
           <a:xfrm>
-            <a:off x="1535077" y="100458"/>
-            <a:ext cx="1487056" cy="1508291"/>
-            <a:chOff x="4050315" y="1313042"/>
-            <a:chExt cx="4046410" cy="4038717"/>
+            <a:off x="280898" y="1210827"/>
+            <a:ext cx="968535" cy="369332"/>
           </a:xfrm>
-        </p:grpSpPr>
-        <p:sp>
-          <p:nvSpPr>
-            <p:cNvPr id="20" name="Oval 19">
-              <a:extLst>
-                <a:ext uri="{FF2B5EF4-FFF2-40B4-BE49-F238E27FC236}">
-                  <a16:creationId xmlns:a16="http://schemas.microsoft.com/office/drawing/2014/main" id="{88395801-C70D-4C4B-DAF1-A5ABA916B457}"/>
-                </a:ext>
-              </a:extLst>
-            </p:cNvPr>
-            <p:cNvSpPr/>
-            <p:nvPr/>
-          </p:nvSpPr>
-          <p:spPr>
-            <a:xfrm>
-              <a:off x="4194159" y="1431936"/>
-              <a:ext cx="3771812" cy="3802898"/>
-            </a:xfrm>
-            <a:prstGeom prst="ellipse">
-              <a:avLst/>
-            </a:prstGeom>
-            <a:solidFill>
-              <a:srgbClr val="99B9F1"/>
-            </a:solidFill>
-            <a:ln w="12700" cap="flat" cmpd="sng" algn="ctr">
-              <a:noFill/>
-              <a:prstDash val="solid"/>
-              <a:miter lim="800000"/>
-            </a:ln>
-            <a:effectLst/>
-          </p:spPr>
-          <p:txBody>
-            <a:bodyPr rtlCol="0" anchor="ctr"/>
-            <a:lstStyle/>
-            <a:p>
-              <a:pPr marL="0" marR="0" lvl="0" indent="0" algn="ctr" defTabSz="914400" eaLnBrk="1" fontAlgn="auto" latinLnBrk="0" hangingPunct="1">
-                <a:lnSpc>
-                  <a:spcPct val="100000"/>
-                </a:lnSpc>
-                <a:spcBef>
-                  <a:spcPts val="0"/>
-                </a:spcBef>
-                <a:spcAft>
-                  <a:spcPts val="0"/>
-                </a:spcAft>
-                <a:buClrTx/>
-                <a:buSzTx/>
-                <a:buFontTx/>
-                <a:buNone/>
-                <a:tabLst/>
-                <a:defRPr/>
-              </a:pPr>
-              <a:endParaRPr kumimoji="0" lang="en-US" sz="1800" b="0" i="0" u="none" strike="noStrike" kern="0" cap="none" spc="0" normalizeH="0" baseline="0" noProof="0">
-                <a:ln>
-                  <a:noFill/>
-                </a:ln>
-                <a:solidFill>
-                  <a:prstClr val="white"/>
-                </a:solidFill>
-                <a:effectLst/>
-                <a:uLnTx/>
-                <a:uFillTx/>
-                <a:latin typeface="Calibri" panose="020F0502020204030204"/>
-                <a:ea typeface="+mn-ea"/>
-                <a:cs typeface="+mn-cs"/>
-              </a:endParaRPr>
-            </a:p>
-          </p:txBody>
-        </p:sp>
-        <p:sp>
-          <p:nvSpPr>
-            <p:cNvPr id="21" name="Oval 20">
-              <a:extLst>
-                <a:ext uri="{FF2B5EF4-FFF2-40B4-BE49-F238E27FC236}">
-                  <a16:creationId xmlns:a16="http://schemas.microsoft.com/office/drawing/2014/main" id="{2FC940C9-C533-D8B7-072B-163A1973A99D}"/>
-                </a:ext>
-              </a:extLst>
-            </p:cNvPr>
-            <p:cNvSpPr/>
-            <p:nvPr/>
-          </p:nvSpPr>
-          <p:spPr>
-            <a:xfrm flipH="1">
-              <a:off x="4524009" y="2499921"/>
-              <a:ext cx="1538011" cy="1064813"/>
-            </a:xfrm>
-            <a:prstGeom prst="ellipse">
-              <a:avLst/>
-            </a:prstGeom>
-            <a:solidFill>
-              <a:srgbClr val="FFFC00">
-                <a:alpha val="41961"/>
-              </a:srgbClr>
-            </a:solidFill>
-            <a:ln w="12700" cap="flat" cmpd="sng" algn="ctr">
-              <a:noFill/>
-              <a:prstDash val="solid"/>
-              <a:miter lim="800000"/>
-            </a:ln>
-            <a:effectLst/>
-          </p:spPr>
-          <p:txBody>
-            <a:bodyPr rtlCol="0" anchor="ctr"/>
-            <a:lstStyle/>
-            <a:p>
-              <a:pPr marL="0" marR="0" lvl="0" indent="0" algn="ctr" defTabSz="457200" eaLnBrk="1" fontAlgn="auto" latinLnBrk="0" hangingPunct="1">
-                <a:lnSpc>
-                  <a:spcPct val="100000"/>
-                </a:lnSpc>
-                <a:spcBef>
-                  <a:spcPts val="0"/>
-                </a:spcBef>
-                <a:spcAft>
-                  <a:spcPts val="0"/>
-                </a:spcAft>
-                <a:buClrTx/>
-                <a:buSzTx/>
-                <a:buFontTx/>
-                <a:buNone/>
-                <a:tabLst/>
-                <a:defRPr/>
-              </a:pPr>
-              <a:endParaRPr kumimoji="0" lang="en-US" sz="1800" b="0" i="0" u="none" strike="noStrike" kern="0" cap="none" spc="0" normalizeH="0" baseline="0" noProof="0">
-                <a:ln>
-                  <a:noFill/>
-                </a:ln>
-                <a:solidFill>
-                  <a:prstClr val="white"/>
-                </a:solidFill>
-                <a:effectLst/>
-                <a:uLnTx/>
-                <a:uFillTx/>
-                <a:latin typeface="Calibri" panose="020F0502020204030204"/>
-                <a:ea typeface="+mn-ea"/>
-                <a:cs typeface="+mn-cs"/>
-              </a:endParaRPr>
-            </a:p>
-          </p:txBody>
-        </p:sp>
-        <p:pic>
-          <p:nvPicPr>
-            <p:cNvPr id="22" name="Graphic 21">
-              <a:extLst>
-                <a:ext uri="{FF2B5EF4-FFF2-40B4-BE49-F238E27FC236}">
-                  <a16:creationId xmlns:a16="http://schemas.microsoft.com/office/drawing/2014/main" id="{8B92F33B-C2D8-7178-30EB-15D22740B04B}"/>
-                </a:ext>
-              </a:extLst>
-            </p:cNvPr>
-            <p:cNvPicPr>
-              <a:picLocks noChangeAspect="1"/>
-            </p:cNvPicPr>
-            <p:nvPr/>
-          </p:nvPicPr>
-          <p:blipFill rotWithShape="1">
-            <a:blip r:embed="rId5">
-              <a:extLst>
-                <a:ext uri="{96DAC541-7B7A-43D3-8B79-37D633B846F1}">
-                  <asvg:svgBlip xmlns:asvg="http://schemas.microsoft.com/office/drawing/2016/SVG/main" r:embed="rId6"/>
-                </a:ext>
-              </a:extLst>
-            </a:blip>
-            <a:srcRect b="30924"/>
-            <a:stretch/>
-          </p:blipFill>
-          <p:spPr>
-            <a:xfrm rot="2067891" flipH="1">
-              <a:off x="4326529" y="4366388"/>
-              <a:ext cx="1508600" cy="523810"/>
-            </a:xfrm>
-            <a:prstGeom prst="ellipse">
-              <a:avLst/>
-            </a:prstGeom>
-          </p:spPr>
-        </p:pic>
-        <p:sp>
-          <p:nvSpPr>
-            <p:cNvPr id="23" name="Oval 22">
-              <a:extLst>
-                <a:ext uri="{FF2B5EF4-FFF2-40B4-BE49-F238E27FC236}">
-                  <a16:creationId xmlns:a16="http://schemas.microsoft.com/office/drawing/2014/main" id="{9C62B08E-9944-231D-1B70-D67D345F2F37}"/>
-                </a:ext>
-              </a:extLst>
-            </p:cNvPr>
-            <p:cNvSpPr/>
-            <p:nvPr/>
-          </p:nvSpPr>
-          <p:spPr>
-            <a:xfrm flipH="1">
-              <a:off x="4762658" y="2191601"/>
-              <a:ext cx="1538011" cy="1064813"/>
-            </a:xfrm>
-            <a:prstGeom prst="ellipse">
-              <a:avLst/>
-            </a:prstGeom>
-            <a:solidFill>
-              <a:srgbClr val="FFFC00">
-                <a:alpha val="41961"/>
-              </a:srgbClr>
-            </a:solidFill>
-            <a:ln w="12700" cap="flat" cmpd="sng" algn="ctr">
-              <a:noFill/>
-              <a:prstDash val="solid"/>
-              <a:miter lim="800000"/>
-            </a:ln>
-            <a:effectLst/>
-          </p:spPr>
-          <p:txBody>
-            <a:bodyPr rtlCol="0" anchor="ctr"/>
-            <a:lstStyle/>
-            <a:p>
-              <a:pPr marL="0" marR="0" lvl="0" indent="0" algn="ctr" defTabSz="457200" eaLnBrk="1" fontAlgn="auto" latinLnBrk="0" hangingPunct="1">
-                <a:lnSpc>
-                  <a:spcPct val="100000"/>
-                </a:lnSpc>
-                <a:spcBef>
-                  <a:spcPts val="0"/>
-                </a:spcBef>
-                <a:spcAft>
-                  <a:spcPts val="0"/>
-                </a:spcAft>
-                <a:buClrTx/>
-                <a:buSzTx/>
-                <a:buFontTx/>
-                <a:buNone/>
-                <a:tabLst/>
-                <a:defRPr/>
-              </a:pPr>
-              <a:endParaRPr kumimoji="0" lang="en-US" sz="1800" b="0" i="0" u="none" strike="noStrike" kern="0" cap="none" spc="0" normalizeH="0" baseline="0" noProof="0">
-                <a:ln>
-                  <a:noFill/>
-                </a:ln>
-                <a:solidFill>
-                  <a:prstClr val="white"/>
-                </a:solidFill>
-                <a:effectLst/>
-                <a:uLnTx/>
-                <a:uFillTx/>
-                <a:latin typeface="Calibri" panose="020F0502020204030204"/>
-                <a:ea typeface="+mn-ea"/>
-                <a:cs typeface="+mn-cs"/>
-              </a:endParaRPr>
-            </a:p>
-          </p:txBody>
-        </p:sp>
-        <p:sp>
-          <p:nvSpPr>
-            <p:cNvPr id="24" name="Oval 23">
-              <a:extLst>
-                <a:ext uri="{FF2B5EF4-FFF2-40B4-BE49-F238E27FC236}">
-                  <a16:creationId xmlns:a16="http://schemas.microsoft.com/office/drawing/2014/main" id="{B55E409B-8F1F-18FD-BECE-8D57BC38B171}"/>
-                </a:ext>
-              </a:extLst>
-            </p:cNvPr>
-            <p:cNvSpPr/>
-            <p:nvPr/>
-          </p:nvSpPr>
-          <p:spPr>
-            <a:xfrm flipH="1">
-              <a:off x="4451064" y="2258315"/>
-              <a:ext cx="1538011" cy="1064813"/>
-            </a:xfrm>
-            <a:prstGeom prst="ellipse">
-              <a:avLst/>
-            </a:prstGeom>
-            <a:solidFill>
-              <a:srgbClr val="FFFC00">
-                <a:alpha val="41961"/>
-              </a:srgbClr>
-            </a:solidFill>
-            <a:ln w="12700" cap="flat" cmpd="sng" algn="ctr">
-              <a:noFill/>
-              <a:prstDash val="solid"/>
-              <a:miter lim="800000"/>
-            </a:ln>
-            <a:effectLst/>
-          </p:spPr>
-          <p:txBody>
-            <a:bodyPr rtlCol="0" anchor="ctr"/>
-            <a:lstStyle/>
-            <a:p>
-              <a:pPr marL="0" marR="0" lvl="0" indent="0" algn="ctr" defTabSz="457200" eaLnBrk="1" fontAlgn="auto" latinLnBrk="0" hangingPunct="1">
-                <a:lnSpc>
-                  <a:spcPct val="100000"/>
-                </a:lnSpc>
-                <a:spcBef>
-                  <a:spcPts val="0"/>
-                </a:spcBef>
-                <a:spcAft>
-                  <a:spcPts val="0"/>
-                </a:spcAft>
-                <a:buClrTx/>
-                <a:buSzTx/>
-                <a:buFontTx/>
-                <a:buNone/>
-                <a:tabLst/>
-                <a:defRPr/>
-              </a:pPr>
-              <a:endParaRPr kumimoji="0" lang="en-US" sz="1800" b="0" i="0" u="none" strike="noStrike" kern="0" cap="none" spc="0" normalizeH="0" baseline="0" noProof="0">
-                <a:ln>
-                  <a:noFill/>
-                </a:ln>
-                <a:solidFill>
-                  <a:prstClr val="white"/>
-                </a:solidFill>
-                <a:effectLst/>
-                <a:uLnTx/>
-                <a:uFillTx/>
-                <a:latin typeface="Calibri" panose="020F0502020204030204"/>
-                <a:ea typeface="+mn-ea"/>
-                <a:cs typeface="+mn-cs"/>
-              </a:endParaRPr>
-            </a:p>
-          </p:txBody>
-        </p:sp>
-        <p:sp>
-          <p:nvSpPr>
-            <p:cNvPr id="25" name="Oval 24">
-              <a:extLst>
-                <a:ext uri="{FF2B5EF4-FFF2-40B4-BE49-F238E27FC236}">
-                  <a16:creationId xmlns:a16="http://schemas.microsoft.com/office/drawing/2014/main" id="{2C7825B5-9566-4CF8-475D-59912EBF7E1A}"/>
-                </a:ext>
-              </a:extLst>
-            </p:cNvPr>
-            <p:cNvSpPr/>
-            <p:nvPr/>
-          </p:nvSpPr>
-          <p:spPr>
-            <a:xfrm rot="21002951">
-              <a:off x="6275351" y="2773193"/>
-              <a:ext cx="1497877" cy="1065453"/>
-            </a:xfrm>
-            <a:prstGeom prst="ellipse">
-              <a:avLst/>
-            </a:prstGeom>
-            <a:solidFill>
-              <a:srgbClr val="FFFC00">
-                <a:alpha val="41961"/>
-              </a:srgbClr>
-            </a:solidFill>
-            <a:ln w="12700" cap="flat" cmpd="sng" algn="ctr">
-              <a:noFill/>
-              <a:prstDash val="solid"/>
-              <a:miter lim="800000"/>
-            </a:ln>
-            <a:effectLst/>
-          </p:spPr>
-          <p:txBody>
-            <a:bodyPr rtlCol="0" anchor="ctr"/>
-            <a:lstStyle/>
-            <a:p>
-              <a:pPr marL="0" marR="0" lvl="0" indent="0" algn="ctr" defTabSz="457200" eaLnBrk="1" fontAlgn="auto" latinLnBrk="0" hangingPunct="1">
-                <a:lnSpc>
-                  <a:spcPct val="100000"/>
-                </a:lnSpc>
-                <a:spcBef>
-                  <a:spcPts val="0"/>
-                </a:spcBef>
-                <a:spcAft>
-                  <a:spcPts val="0"/>
-                </a:spcAft>
-                <a:buClrTx/>
-                <a:buSzTx/>
-                <a:buFontTx/>
-                <a:buNone/>
-                <a:tabLst/>
-                <a:defRPr/>
-              </a:pPr>
-              <a:endParaRPr kumimoji="0" lang="en-US" sz="1800" b="0" i="0" u="none" strike="noStrike" kern="0" cap="none" spc="0" normalizeH="0" baseline="0" noProof="0">
-                <a:ln>
-                  <a:noFill/>
-                </a:ln>
-                <a:solidFill>
-                  <a:prstClr val="white"/>
-                </a:solidFill>
-                <a:effectLst/>
-                <a:uLnTx/>
-                <a:uFillTx/>
-                <a:latin typeface="Calibri" panose="020F0502020204030204"/>
-                <a:ea typeface="+mn-ea"/>
-                <a:cs typeface="+mn-cs"/>
-              </a:endParaRPr>
-            </a:p>
-          </p:txBody>
-        </p:sp>
-        <p:pic>
-          <p:nvPicPr>
-            <p:cNvPr id="26" name="Graphic 25">
-              <a:extLst>
-                <a:ext uri="{FF2B5EF4-FFF2-40B4-BE49-F238E27FC236}">
-                  <a16:creationId xmlns:a16="http://schemas.microsoft.com/office/drawing/2014/main" id="{3EE774D2-8366-8E4E-4F72-5D4FC1EDB988}"/>
-                </a:ext>
-              </a:extLst>
-            </p:cNvPr>
-            <p:cNvPicPr>
-              <a:picLocks noChangeAspect="1"/>
-            </p:cNvPicPr>
-            <p:nvPr/>
-          </p:nvPicPr>
-          <p:blipFill rotWithShape="1">
-            <a:blip r:embed="rId5">
-              <a:extLst>
-                <a:ext uri="{96DAC541-7B7A-43D3-8B79-37D633B846F1}">
-                  <asvg:svgBlip xmlns:asvg="http://schemas.microsoft.com/office/drawing/2016/SVG/main" r:embed="rId6"/>
-                </a:ext>
-              </a:extLst>
-            </a:blip>
-            <a:srcRect b="30924"/>
-            <a:stretch/>
-          </p:blipFill>
-          <p:spPr>
-            <a:xfrm rot="21398750" flipH="1">
-              <a:off x="5340868" y="4498477"/>
-              <a:ext cx="1387128" cy="481633"/>
-            </a:xfrm>
-            <a:prstGeom prst="ellipse">
-              <a:avLst/>
-            </a:prstGeom>
-          </p:spPr>
-        </p:pic>
-        <p:pic>
-          <p:nvPicPr>
-            <p:cNvPr id="27" name="Graphic 26">
-              <a:extLst>
-                <a:ext uri="{FF2B5EF4-FFF2-40B4-BE49-F238E27FC236}">
-                  <a16:creationId xmlns:a16="http://schemas.microsoft.com/office/drawing/2014/main" id="{920F6392-E319-2711-C736-4A7293B9FD42}"/>
-                </a:ext>
-              </a:extLst>
-            </p:cNvPr>
-            <p:cNvPicPr>
-              <a:picLocks noChangeAspect="1"/>
-            </p:cNvPicPr>
-            <p:nvPr/>
-          </p:nvPicPr>
-          <p:blipFill rotWithShape="1">
-            <a:blip r:embed="rId5">
-              <a:extLst>
-                <a:ext uri="{96DAC541-7B7A-43D3-8B79-37D633B846F1}">
-                  <asvg:svgBlip xmlns:asvg="http://schemas.microsoft.com/office/drawing/2016/SVG/main" r:embed="rId6"/>
-                </a:ext>
-              </a:extLst>
-            </a:blip>
-            <a:srcRect b="30924"/>
-            <a:stretch/>
-          </p:blipFill>
-          <p:spPr>
-            <a:xfrm rot="20503315" flipH="1">
-              <a:off x="5879394" y="4690594"/>
-              <a:ext cx="1387128" cy="481633"/>
-            </a:xfrm>
-            <a:prstGeom prst="ellipse">
-              <a:avLst/>
-            </a:prstGeom>
-          </p:spPr>
-        </p:pic>
-        <p:pic>
-          <p:nvPicPr>
-            <p:cNvPr id="28" name="Graphic 27">
-              <a:extLst>
-                <a:ext uri="{FF2B5EF4-FFF2-40B4-BE49-F238E27FC236}">
-                  <a16:creationId xmlns:a16="http://schemas.microsoft.com/office/drawing/2014/main" id="{D2C58362-0227-E74E-F0AE-00088AFAF12D}"/>
-                </a:ext>
-              </a:extLst>
-            </p:cNvPr>
-            <p:cNvPicPr>
-              <a:picLocks noChangeAspect="1"/>
-            </p:cNvPicPr>
-            <p:nvPr/>
-          </p:nvPicPr>
-          <p:blipFill rotWithShape="1">
-            <a:blip r:embed="rId5">
-              <a:extLst>
-                <a:ext uri="{96DAC541-7B7A-43D3-8B79-37D633B846F1}">
-                  <asvg:svgBlip xmlns:asvg="http://schemas.microsoft.com/office/drawing/2016/SVG/main" r:embed="rId6"/>
-                </a:ext>
-              </a:extLst>
-            </a:blip>
-            <a:srcRect b="30924"/>
-            <a:stretch/>
-          </p:blipFill>
-          <p:spPr>
-            <a:xfrm rot="788449" flipH="1">
-              <a:off x="5023667" y="4718753"/>
-              <a:ext cx="1387128" cy="481633"/>
-            </a:xfrm>
-            <a:prstGeom prst="ellipse">
-              <a:avLst/>
-            </a:prstGeom>
-          </p:spPr>
-        </p:pic>
-        <p:pic>
-          <p:nvPicPr>
-            <p:cNvPr id="29" name="Graphic 28">
-              <a:extLst>
-                <a:ext uri="{FF2B5EF4-FFF2-40B4-BE49-F238E27FC236}">
-                  <a16:creationId xmlns:a16="http://schemas.microsoft.com/office/drawing/2014/main" id="{20021D4B-36B4-2D68-1AEA-33C5321908FB}"/>
-                </a:ext>
-              </a:extLst>
-            </p:cNvPr>
-            <p:cNvPicPr>
-              <a:picLocks noChangeAspect="1"/>
-            </p:cNvPicPr>
-            <p:nvPr/>
-          </p:nvPicPr>
-          <p:blipFill>
-            <a:blip r:embed="rId7">
-              <a:extLst>
-                <a:ext uri="{96DAC541-7B7A-43D3-8B79-37D633B846F1}">
-                  <asvg:svgBlip xmlns:asvg="http://schemas.microsoft.com/office/drawing/2016/SVG/main" r:embed="rId8"/>
-                </a:ext>
-              </a:extLst>
-            </a:blip>
-            <a:stretch>
-              <a:fillRect/>
-            </a:stretch>
-          </p:blipFill>
-          <p:spPr>
-            <a:xfrm rot="636955">
-              <a:off x="4841405" y="1783706"/>
-              <a:ext cx="1702961" cy="2845840"/>
-            </a:xfrm>
-            <a:prstGeom prst="rect">
-              <a:avLst/>
-            </a:prstGeom>
-          </p:spPr>
-        </p:pic>
-        <p:pic>
-          <p:nvPicPr>
-            <p:cNvPr id="30" name="Graphic 29">
-              <a:extLst>
-                <a:ext uri="{FF2B5EF4-FFF2-40B4-BE49-F238E27FC236}">
-                  <a16:creationId xmlns:a16="http://schemas.microsoft.com/office/drawing/2014/main" id="{7DD7F7F6-D7BA-8577-F74D-F60212BBC56C}"/>
-                </a:ext>
-              </a:extLst>
-            </p:cNvPr>
-            <p:cNvPicPr>
-              <a:picLocks noChangeAspect="1"/>
-            </p:cNvPicPr>
-            <p:nvPr/>
-          </p:nvPicPr>
-          <p:blipFill>
-            <a:blip r:embed="rId9">
-              <a:extLst>
-                <a:ext uri="{96DAC541-7B7A-43D3-8B79-37D633B846F1}">
-                  <asvg:svgBlip xmlns:asvg="http://schemas.microsoft.com/office/drawing/2016/SVG/main" r:embed="rId10"/>
-                </a:ext>
-              </a:extLst>
-            </a:blip>
-            <a:stretch>
-              <a:fillRect/>
-            </a:stretch>
-          </p:blipFill>
-          <p:spPr>
-            <a:xfrm rot="575686" flipH="1">
-              <a:off x="4480646" y="1703696"/>
-              <a:ext cx="625009" cy="2757393"/>
-            </a:xfrm>
-            <a:prstGeom prst="rect">
-              <a:avLst/>
-            </a:prstGeom>
-          </p:spPr>
-        </p:pic>
-        <p:pic>
-          <p:nvPicPr>
-            <p:cNvPr id="31" name="Graphic 30">
-              <a:extLst>
-                <a:ext uri="{FF2B5EF4-FFF2-40B4-BE49-F238E27FC236}">
-                  <a16:creationId xmlns:a16="http://schemas.microsoft.com/office/drawing/2014/main" id="{52813662-D7C0-E491-149D-E0A10B09E249}"/>
-                </a:ext>
-              </a:extLst>
-            </p:cNvPr>
-            <p:cNvPicPr>
-              <a:picLocks noChangeAspect="1"/>
-            </p:cNvPicPr>
-            <p:nvPr/>
-          </p:nvPicPr>
-          <p:blipFill>
-            <a:blip r:embed="rId7">
-              <a:extLst>
-                <a:ext uri="{96DAC541-7B7A-43D3-8B79-37D633B846F1}">
-                  <asvg:svgBlip xmlns:asvg="http://schemas.microsoft.com/office/drawing/2016/SVG/main" r:embed="rId8"/>
-                </a:ext>
-              </a:extLst>
-            </a:blip>
-            <a:stretch>
-              <a:fillRect/>
-            </a:stretch>
-          </p:blipFill>
-          <p:spPr>
-            <a:xfrm rot="737105">
-              <a:off x="4646855" y="2041552"/>
-              <a:ext cx="1494749" cy="2497894"/>
-            </a:xfrm>
-            <a:prstGeom prst="rect">
-              <a:avLst/>
-            </a:prstGeom>
-          </p:spPr>
-        </p:pic>
-        <p:pic>
-          <p:nvPicPr>
-            <p:cNvPr id="32" name="Graphic 31">
-              <a:extLst>
-                <a:ext uri="{FF2B5EF4-FFF2-40B4-BE49-F238E27FC236}">
-                  <a16:creationId xmlns:a16="http://schemas.microsoft.com/office/drawing/2014/main" id="{0432C1B8-7C0C-E0C2-E21A-F33476501119}"/>
-                </a:ext>
-              </a:extLst>
-            </p:cNvPr>
-            <p:cNvPicPr>
-              <a:picLocks noChangeAspect="1"/>
-            </p:cNvPicPr>
-            <p:nvPr/>
-          </p:nvPicPr>
-          <p:blipFill>
-            <a:blip r:embed="rId11">
-              <a:extLst>
-                <a:ext uri="{96DAC541-7B7A-43D3-8B79-37D633B846F1}">
-                  <asvg:svgBlip xmlns:asvg="http://schemas.microsoft.com/office/drawing/2016/SVG/main" r:embed="rId12"/>
-                </a:ext>
-              </a:extLst>
-            </a:blip>
-            <a:stretch>
-              <a:fillRect/>
-            </a:stretch>
-          </p:blipFill>
-          <p:spPr>
-            <a:xfrm flipH="1">
-              <a:off x="4563022" y="2032257"/>
-              <a:ext cx="1314097" cy="2832106"/>
-            </a:xfrm>
-            <a:prstGeom prst="rect">
-              <a:avLst/>
-            </a:prstGeom>
-          </p:spPr>
-        </p:pic>
-        <p:sp>
-          <p:nvSpPr>
-            <p:cNvPr id="33" name="Donut 32">
-              <a:extLst>
-                <a:ext uri="{FF2B5EF4-FFF2-40B4-BE49-F238E27FC236}">
-                  <a16:creationId xmlns:a16="http://schemas.microsoft.com/office/drawing/2014/main" id="{FDE7D0E9-0B26-C7BE-D3F4-B22057DF09E9}"/>
-                </a:ext>
-              </a:extLst>
-            </p:cNvPr>
-            <p:cNvSpPr/>
-            <p:nvPr/>
-          </p:nvSpPr>
-          <p:spPr>
-            <a:xfrm>
-              <a:off x="4050315" y="1313042"/>
-              <a:ext cx="4046410" cy="4038717"/>
-            </a:xfrm>
-            <a:prstGeom prst="donut">
-              <a:avLst>
-                <a:gd name="adj" fmla="val 3278"/>
-              </a:avLst>
-            </a:prstGeom>
-            <a:solidFill>
-              <a:srgbClr val="7030A0"/>
-            </a:solidFill>
-            <a:ln w="12700" cap="flat" cmpd="sng" algn="ctr">
-              <a:solidFill>
-                <a:srgbClr val="7030A0"/>
-              </a:solidFill>
-              <a:prstDash val="solid"/>
-              <a:miter lim="800000"/>
-            </a:ln>
-            <a:effectLst/>
-          </p:spPr>
-          <p:txBody>
-            <a:bodyPr rtlCol="0" anchor="ctr"/>
-            <a:lstStyle/>
-            <a:p>
-              <a:pPr marL="0" marR="0" lvl="0" indent="0" algn="ctr" defTabSz="914400" eaLnBrk="1" fontAlgn="auto" latinLnBrk="0" hangingPunct="1">
-                <a:lnSpc>
-                  <a:spcPct val="100000"/>
-                </a:lnSpc>
-                <a:spcBef>
-                  <a:spcPts val="0"/>
-                </a:spcBef>
-                <a:spcAft>
-                  <a:spcPts val="0"/>
-                </a:spcAft>
-                <a:buClrTx/>
-                <a:buSzTx/>
-                <a:buFontTx/>
-                <a:buNone/>
-                <a:tabLst/>
-                <a:defRPr/>
-              </a:pPr>
-              <a:endParaRPr kumimoji="0" lang="en-US" sz="1800" b="0" i="0" u="none" strike="noStrike" kern="0" cap="none" spc="0" normalizeH="0" baseline="0" noProof="0">
-                <a:ln>
-                  <a:noFill/>
-                </a:ln>
-                <a:solidFill>
-                  <a:prstClr val="white"/>
-                </a:solidFill>
-                <a:effectLst/>
-                <a:uLnTx/>
-                <a:uFillTx/>
-                <a:latin typeface="Calibri" panose="020F0502020204030204"/>
-                <a:ea typeface="+mn-ea"/>
-                <a:cs typeface="+mn-cs"/>
-              </a:endParaRPr>
-            </a:p>
-          </p:txBody>
-        </p:sp>
-      </p:grpSp>
+          <a:prstGeom prst="rect">
+            <a:avLst/>
+          </a:prstGeom>
+          <a:noFill/>
+        </p:spPr>
+        <p:txBody>
+          <a:bodyPr wrap="none" rtlCol="0">
+            <a:spAutoFit/>
+          </a:bodyPr>
+          <a:lstStyle/>
+          <a:p>
+            <a:r>
+              <a:rPr lang="en-US" dirty="0"/>
+              <a:t>&gt; 100 m</a:t>
+            </a:r>
+          </a:p>
+        </p:txBody>
+      </p:sp>
+      <p:sp>
+        <p:nvSpPr>
+          <p:cNvPr id="66" name="TextBox 65">
+            <a:extLst>
+              <a:ext uri="{FF2B5EF4-FFF2-40B4-BE49-F238E27FC236}">
+                <a16:creationId xmlns:a16="http://schemas.microsoft.com/office/drawing/2014/main" id="{71F49F41-3CFF-5F63-073A-C01EE38B677F}"/>
+              </a:ext>
+            </a:extLst>
+          </p:cNvPr>
+          <p:cNvSpPr txBox="1"/>
+          <p:nvPr/>
+        </p:nvSpPr>
+        <p:spPr>
+          <a:xfrm>
+            <a:off x="-60283" y="1644657"/>
+            <a:ext cx="449162" cy="369332"/>
+          </a:xfrm>
+          <a:prstGeom prst="rect">
+            <a:avLst/>
+          </a:prstGeom>
+          <a:noFill/>
+        </p:spPr>
+        <p:txBody>
+          <a:bodyPr wrap="none" rtlCol="0">
+            <a:spAutoFit/>
+          </a:bodyPr>
+          <a:lstStyle/>
+          <a:p>
+            <a:r>
+              <a:rPr lang="en-US" dirty="0"/>
+              <a:t>(d)</a:t>
+            </a:r>
+          </a:p>
+        </p:txBody>
+      </p:sp>
+      <p:sp>
+        <p:nvSpPr>
+          <p:cNvPr id="2" name="TextBox 1">
+            <a:extLst>
+              <a:ext uri="{FF2B5EF4-FFF2-40B4-BE49-F238E27FC236}">
+                <a16:creationId xmlns:a16="http://schemas.microsoft.com/office/drawing/2014/main" id="{E58715F7-5E0E-C9A9-8573-3346956037C2}"/>
+              </a:ext>
+            </a:extLst>
+          </p:cNvPr>
+          <p:cNvSpPr txBox="1"/>
+          <p:nvPr/>
+        </p:nvSpPr>
+        <p:spPr>
+          <a:xfrm rot="18604604">
+            <a:off x="1230508" y="3112072"/>
+            <a:ext cx="1596912" cy="261610"/>
+          </a:xfrm>
+          <a:prstGeom prst="rect">
+            <a:avLst/>
+          </a:prstGeom>
+          <a:noFill/>
+        </p:spPr>
+        <p:txBody>
+          <a:bodyPr wrap="none" rtlCol="0">
+            <a:spAutoFit/>
+          </a:bodyPr>
+          <a:lstStyle/>
+          <a:p>
+            <a:r>
+              <a:rPr lang="en-US" sz="1100" dirty="0"/>
+              <a:t>Imperial Eagle Channel</a:t>
+            </a:r>
+          </a:p>
+        </p:txBody>
+      </p:sp>
+      <p:sp>
+        <p:nvSpPr>
+          <p:cNvPr id="56" name="TextBox 55">
+            <a:extLst>
+              <a:ext uri="{FF2B5EF4-FFF2-40B4-BE49-F238E27FC236}">
+                <a16:creationId xmlns:a16="http://schemas.microsoft.com/office/drawing/2014/main" id="{68262550-0C8B-9AE5-FEC1-F650DA0E20B8}"/>
+              </a:ext>
+            </a:extLst>
+          </p:cNvPr>
+          <p:cNvSpPr txBox="1"/>
+          <p:nvPr/>
+        </p:nvSpPr>
+        <p:spPr>
+          <a:xfrm>
+            <a:off x="2770330" y="4098372"/>
+            <a:ext cx="360157" cy="261610"/>
+          </a:xfrm>
+          <a:prstGeom prst="rect">
+            <a:avLst/>
+          </a:prstGeom>
+          <a:noFill/>
+        </p:spPr>
+        <p:txBody>
+          <a:bodyPr wrap="square" rtlCol="0">
+            <a:spAutoFit/>
+          </a:bodyPr>
+          <a:lstStyle/>
+          <a:p>
+            <a:r>
+              <a:rPr lang="en-US" sz="1100" dirty="0"/>
+              <a:t>★</a:t>
+            </a:r>
+          </a:p>
+        </p:txBody>
+      </p:sp>
+      <p:sp>
+        <p:nvSpPr>
+          <p:cNvPr id="57" name="TextBox 56">
+            <a:extLst>
+              <a:ext uri="{FF2B5EF4-FFF2-40B4-BE49-F238E27FC236}">
+                <a16:creationId xmlns:a16="http://schemas.microsoft.com/office/drawing/2014/main" id="{C943488D-8C3F-11DC-77E3-6EC99F9C5484}"/>
+              </a:ext>
+            </a:extLst>
+          </p:cNvPr>
+          <p:cNvSpPr txBox="1"/>
+          <p:nvPr/>
+        </p:nvSpPr>
+        <p:spPr>
+          <a:xfrm>
+            <a:off x="2974081" y="4198262"/>
+            <a:ext cx="291390" cy="369332"/>
+          </a:xfrm>
+          <a:prstGeom prst="rect">
+            <a:avLst/>
+          </a:prstGeom>
+          <a:noFill/>
+        </p:spPr>
+        <p:txBody>
+          <a:bodyPr wrap="square" rtlCol="0">
+            <a:spAutoFit/>
+          </a:bodyPr>
+          <a:lstStyle/>
+          <a:p>
+            <a:r>
+              <a:rPr lang="en-US" dirty="0"/>
+              <a:t>*</a:t>
+            </a:r>
+          </a:p>
+        </p:txBody>
+      </p:sp>
+    </p:spTree>
+    <p:extLst>
+      <p:ext uri="{BB962C8B-B14F-4D97-AF65-F5344CB8AC3E}">
+        <p14:creationId xmlns:p14="http://schemas.microsoft.com/office/powerpoint/2010/main" val="1263188958"/>
+      </p:ext>
+    </p:extLst>
+  </p:cSld>
+  <p:clrMapOvr>
+    <a:masterClrMapping/>
+  </p:clrMapOvr>
+</p:sld>
+</file>
+
+<file path=ppt/slides/slide2.xml><?xml version="1.0" encoding="utf-8"?>
+<p:sld xmlns:a="http://schemas.openxmlformats.org/drawingml/2006/main" xmlns:r="http://schemas.openxmlformats.org/officeDocument/2006/relationships" xmlns:p="http://schemas.openxmlformats.org/presentationml/2006/main">
+  <p:cSld>
+    <p:spTree>
+      <p:nvGrpSpPr>
+        <p:cNvPr id="1" name=""/>
+        <p:cNvGrpSpPr/>
+        <p:nvPr/>
+      </p:nvGrpSpPr>
+      <p:grpSpPr>
+        <a:xfrm>
+          <a:off x="0" y="0"/>
+          <a:ext cx="0" cy="0"/>
+          <a:chOff x="0" y="0"/>
+          <a:chExt cx="0" cy="0"/>
+        </a:xfrm>
+      </p:grpSpPr>
+      <p:pic>
+        <p:nvPicPr>
+          <p:cNvPr id="50" name="Picture 49" descr="A map of the world with different colored triangles&#10;&#10;Description automatically generated">
+            <a:extLst>
+              <a:ext uri="{FF2B5EF4-FFF2-40B4-BE49-F238E27FC236}">
+                <a16:creationId xmlns:a16="http://schemas.microsoft.com/office/drawing/2014/main" id="{2532A0ED-21C8-F282-F885-B772CAE2424B}"/>
+              </a:ext>
+            </a:extLst>
+          </p:cNvPr>
+          <p:cNvPicPr>
+            <a:picLocks noChangeAspect="1"/>
+          </p:cNvPicPr>
+          <p:nvPr/>
+        </p:nvPicPr>
+        <p:blipFill>
+          <a:blip r:embed="rId3"/>
+          <a:stretch>
+            <a:fillRect/>
+          </a:stretch>
+        </p:blipFill>
+        <p:spPr>
+          <a:xfrm>
+            <a:off x="0" y="1644657"/>
+            <a:ext cx="4572000" cy="3266434"/>
+          </a:xfrm>
+          <a:prstGeom prst="rect">
+            <a:avLst/>
+          </a:prstGeom>
+        </p:spPr>
+      </p:pic>
       <p:grpSp>
         <p:nvGrpSpPr>
           <p:cNvPr id="34" name="Group 33">
@@ -5165,10 +6689,10 @@
             <p:nvPr/>
           </p:nvPicPr>
           <p:blipFill rotWithShape="1">
-            <a:blip r:embed="rId5">
+            <a:blip r:embed="rId4">
               <a:extLst>
                 <a:ext uri="{96DAC541-7B7A-43D3-8B79-37D633B846F1}">
-                  <asvg:svgBlip xmlns:asvg="http://schemas.microsoft.com/office/drawing/2016/SVG/main" r:embed="rId6"/>
+                  <asvg:svgBlip xmlns:asvg="http://schemas.microsoft.com/office/drawing/2016/SVG/main" r:embed="rId5"/>
                 </a:ext>
               </a:extLst>
             </a:blip>
@@ -5200,10 +6724,10 @@
             <p:nvPr/>
           </p:nvPicPr>
           <p:blipFill rotWithShape="1">
-            <a:blip r:embed="rId5">
+            <a:blip r:embed="rId4">
               <a:extLst>
                 <a:ext uri="{96DAC541-7B7A-43D3-8B79-37D633B846F1}">
-                  <asvg:svgBlip xmlns:asvg="http://schemas.microsoft.com/office/drawing/2016/SVG/main" r:embed="rId6"/>
+                  <asvg:svgBlip xmlns:asvg="http://schemas.microsoft.com/office/drawing/2016/SVG/main" r:embed="rId5"/>
                 </a:ext>
               </a:extLst>
             </a:blip>
@@ -5305,10 +6829,10 @@
             <p:nvPr/>
           </p:nvPicPr>
           <p:blipFill rotWithShape="1">
-            <a:blip r:embed="rId5">
+            <a:blip r:embed="rId4">
               <a:extLst>
                 <a:ext uri="{96DAC541-7B7A-43D3-8B79-37D633B846F1}">
-                  <asvg:svgBlip xmlns:asvg="http://schemas.microsoft.com/office/drawing/2016/SVG/main" r:embed="rId6"/>
+                  <asvg:svgBlip xmlns:asvg="http://schemas.microsoft.com/office/drawing/2016/SVG/main" r:embed="rId5"/>
                 </a:ext>
               </a:extLst>
             </a:blip>
@@ -5340,10 +6864,10 @@
             <p:nvPr/>
           </p:nvPicPr>
           <p:blipFill rotWithShape="1">
-            <a:blip r:embed="rId5">
+            <a:blip r:embed="rId4">
               <a:extLst>
                 <a:ext uri="{96DAC541-7B7A-43D3-8B79-37D633B846F1}">
-                  <asvg:svgBlip xmlns:asvg="http://schemas.microsoft.com/office/drawing/2016/SVG/main" r:embed="rId6"/>
+                  <asvg:svgBlip xmlns:asvg="http://schemas.microsoft.com/office/drawing/2016/SVG/main" r:embed="rId5"/>
                 </a:ext>
               </a:extLst>
             </a:blip>
@@ -5655,7 +7179,7 @@
             <p:nvPr/>
           </p:nvPicPr>
           <p:blipFill>
-            <a:blip r:embed="rId13"/>
+            <a:blip r:embed="rId6"/>
             <a:stretch>
               <a:fillRect/>
             </a:stretch>
@@ -5685,7 +7209,7 @@
             <p:nvPr/>
           </p:nvPicPr>
           <p:blipFill rotWithShape="1">
-            <a:blip r:embed="rId14"/>
+            <a:blip r:embed="rId7"/>
             <a:srcRect l="24381" t="4893" r="18630" b="23779"/>
             <a:stretch/>
           </p:blipFill>
@@ -5790,7 +7314,7 @@
             <p:nvPr/>
           </p:nvPicPr>
           <p:blipFill>
-            <a:blip r:embed="rId13"/>
+            <a:blip r:embed="rId6"/>
             <a:stretch>
               <a:fillRect/>
             </a:stretch>
@@ -5820,7 +7344,7 @@
             <p:nvPr/>
           </p:nvPicPr>
           <p:blipFill>
-            <a:blip r:embed="rId13"/>
+            <a:blip r:embed="rId6"/>
             <a:stretch>
               <a:fillRect/>
             </a:stretch>
@@ -5941,6 +7465,731 @@
           </a:p>
         </p:txBody>
       </p:sp>
+      <p:grpSp>
+        <p:nvGrpSpPr>
+          <p:cNvPr id="19" name="Group 18">
+            <a:extLst>
+              <a:ext uri="{FF2B5EF4-FFF2-40B4-BE49-F238E27FC236}">
+                <a16:creationId xmlns:a16="http://schemas.microsoft.com/office/drawing/2014/main" id="{87DA3B82-AB83-F6C3-0802-2ECB08B555D1}"/>
+              </a:ext>
+            </a:extLst>
+          </p:cNvPr>
+          <p:cNvGrpSpPr/>
+          <p:nvPr/>
+        </p:nvGrpSpPr>
+        <p:grpSpPr>
+          <a:xfrm>
+            <a:off x="1535077" y="100458"/>
+            <a:ext cx="1487056" cy="1508291"/>
+            <a:chOff x="4050315" y="1313042"/>
+            <a:chExt cx="4046410" cy="4038717"/>
+          </a:xfrm>
+        </p:grpSpPr>
+        <p:sp>
+          <p:nvSpPr>
+            <p:cNvPr id="20" name="Oval 19">
+              <a:extLst>
+                <a:ext uri="{FF2B5EF4-FFF2-40B4-BE49-F238E27FC236}">
+                  <a16:creationId xmlns:a16="http://schemas.microsoft.com/office/drawing/2014/main" id="{88395801-C70D-4C4B-DAF1-A5ABA916B457}"/>
+                </a:ext>
+              </a:extLst>
+            </p:cNvPr>
+            <p:cNvSpPr/>
+            <p:nvPr/>
+          </p:nvSpPr>
+          <p:spPr>
+            <a:xfrm>
+              <a:off x="4194159" y="1431936"/>
+              <a:ext cx="3771812" cy="3802898"/>
+            </a:xfrm>
+            <a:prstGeom prst="ellipse">
+              <a:avLst/>
+            </a:prstGeom>
+            <a:solidFill>
+              <a:srgbClr val="99B9F1"/>
+            </a:solidFill>
+            <a:ln w="12700" cap="flat" cmpd="sng" algn="ctr">
+              <a:noFill/>
+              <a:prstDash val="solid"/>
+              <a:miter lim="800000"/>
+            </a:ln>
+            <a:effectLst/>
+          </p:spPr>
+          <p:txBody>
+            <a:bodyPr rtlCol="0" anchor="ctr"/>
+            <a:lstStyle/>
+            <a:p>
+              <a:pPr marL="0" marR="0" lvl="0" indent="0" algn="ctr" defTabSz="914400" eaLnBrk="1" fontAlgn="auto" latinLnBrk="0" hangingPunct="1">
+                <a:lnSpc>
+                  <a:spcPct val="100000"/>
+                </a:lnSpc>
+                <a:spcBef>
+                  <a:spcPts val="0"/>
+                </a:spcBef>
+                <a:spcAft>
+                  <a:spcPts val="0"/>
+                </a:spcAft>
+                <a:buClrTx/>
+                <a:buSzTx/>
+                <a:buFontTx/>
+                <a:buNone/>
+                <a:tabLst/>
+                <a:defRPr/>
+              </a:pPr>
+              <a:endParaRPr kumimoji="0" lang="en-US" sz="1800" b="0" i="0" u="none" strike="noStrike" kern="0" cap="none" spc="0" normalizeH="0" baseline="0" noProof="0">
+                <a:ln>
+                  <a:noFill/>
+                </a:ln>
+                <a:solidFill>
+                  <a:prstClr val="white"/>
+                </a:solidFill>
+                <a:effectLst/>
+                <a:uLnTx/>
+                <a:uFillTx/>
+                <a:latin typeface="Calibri" panose="020F0502020204030204"/>
+                <a:ea typeface="+mn-ea"/>
+                <a:cs typeface="+mn-cs"/>
+              </a:endParaRPr>
+            </a:p>
+          </p:txBody>
+        </p:sp>
+        <p:sp>
+          <p:nvSpPr>
+            <p:cNvPr id="21" name="Oval 20">
+              <a:extLst>
+                <a:ext uri="{FF2B5EF4-FFF2-40B4-BE49-F238E27FC236}">
+                  <a16:creationId xmlns:a16="http://schemas.microsoft.com/office/drawing/2014/main" id="{2FC940C9-C533-D8B7-072B-163A1973A99D}"/>
+                </a:ext>
+              </a:extLst>
+            </p:cNvPr>
+            <p:cNvSpPr/>
+            <p:nvPr/>
+          </p:nvSpPr>
+          <p:spPr>
+            <a:xfrm flipH="1">
+              <a:off x="4524009" y="2499921"/>
+              <a:ext cx="1538011" cy="1064813"/>
+            </a:xfrm>
+            <a:prstGeom prst="ellipse">
+              <a:avLst/>
+            </a:prstGeom>
+            <a:solidFill>
+              <a:srgbClr val="FFFC00">
+                <a:alpha val="41961"/>
+              </a:srgbClr>
+            </a:solidFill>
+            <a:ln w="12700" cap="flat" cmpd="sng" algn="ctr">
+              <a:noFill/>
+              <a:prstDash val="solid"/>
+              <a:miter lim="800000"/>
+            </a:ln>
+            <a:effectLst/>
+          </p:spPr>
+          <p:txBody>
+            <a:bodyPr rtlCol="0" anchor="ctr"/>
+            <a:lstStyle/>
+            <a:p>
+              <a:pPr marL="0" marR="0" lvl="0" indent="0" algn="ctr" defTabSz="457200" eaLnBrk="1" fontAlgn="auto" latinLnBrk="0" hangingPunct="1">
+                <a:lnSpc>
+                  <a:spcPct val="100000"/>
+                </a:lnSpc>
+                <a:spcBef>
+                  <a:spcPts val="0"/>
+                </a:spcBef>
+                <a:spcAft>
+                  <a:spcPts val="0"/>
+                </a:spcAft>
+                <a:buClrTx/>
+                <a:buSzTx/>
+                <a:buFontTx/>
+                <a:buNone/>
+                <a:tabLst/>
+                <a:defRPr/>
+              </a:pPr>
+              <a:endParaRPr kumimoji="0" lang="en-US" sz="1800" b="0" i="0" u="none" strike="noStrike" kern="0" cap="none" spc="0" normalizeH="0" baseline="0" noProof="0">
+                <a:ln>
+                  <a:noFill/>
+                </a:ln>
+                <a:solidFill>
+                  <a:prstClr val="white"/>
+                </a:solidFill>
+                <a:effectLst/>
+                <a:uLnTx/>
+                <a:uFillTx/>
+                <a:latin typeface="Calibri" panose="020F0502020204030204"/>
+                <a:ea typeface="+mn-ea"/>
+                <a:cs typeface="+mn-cs"/>
+              </a:endParaRPr>
+            </a:p>
+          </p:txBody>
+        </p:sp>
+        <p:pic>
+          <p:nvPicPr>
+            <p:cNvPr id="22" name="Graphic 21">
+              <a:extLst>
+                <a:ext uri="{FF2B5EF4-FFF2-40B4-BE49-F238E27FC236}">
+                  <a16:creationId xmlns:a16="http://schemas.microsoft.com/office/drawing/2014/main" id="{8B92F33B-C2D8-7178-30EB-15D22740B04B}"/>
+                </a:ext>
+              </a:extLst>
+            </p:cNvPr>
+            <p:cNvPicPr>
+              <a:picLocks noChangeAspect="1"/>
+            </p:cNvPicPr>
+            <p:nvPr/>
+          </p:nvPicPr>
+          <p:blipFill rotWithShape="1">
+            <a:blip r:embed="rId4">
+              <a:extLst>
+                <a:ext uri="{96DAC541-7B7A-43D3-8B79-37D633B846F1}">
+                  <asvg:svgBlip xmlns:asvg="http://schemas.microsoft.com/office/drawing/2016/SVG/main" r:embed="rId5"/>
+                </a:ext>
+              </a:extLst>
+            </a:blip>
+            <a:srcRect b="30924"/>
+            <a:stretch/>
+          </p:blipFill>
+          <p:spPr>
+            <a:xfrm rot="2067891" flipH="1">
+              <a:off x="4326529" y="4366388"/>
+              <a:ext cx="1508600" cy="523810"/>
+            </a:xfrm>
+            <a:prstGeom prst="ellipse">
+              <a:avLst/>
+            </a:prstGeom>
+          </p:spPr>
+        </p:pic>
+        <p:sp>
+          <p:nvSpPr>
+            <p:cNvPr id="23" name="Oval 22">
+              <a:extLst>
+                <a:ext uri="{FF2B5EF4-FFF2-40B4-BE49-F238E27FC236}">
+                  <a16:creationId xmlns:a16="http://schemas.microsoft.com/office/drawing/2014/main" id="{9C62B08E-9944-231D-1B70-D67D345F2F37}"/>
+                </a:ext>
+              </a:extLst>
+            </p:cNvPr>
+            <p:cNvSpPr/>
+            <p:nvPr/>
+          </p:nvSpPr>
+          <p:spPr>
+            <a:xfrm flipH="1">
+              <a:off x="4762658" y="2191601"/>
+              <a:ext cx="1538010" cy="1064813"/>
+            </a:xfrm>
+            <a:prstGeom prst="ellipse">
+              <a:avLst/>
+            </a:prstGeom>
+            <a:solidFill>
+              <a:srgbClr val="FFFC00">
+                <a:alpha val="41961"/>
+              </a:srgbClr>
+            </a:solidFill>
+            <a:ln w="12700" cap="flat" cmpd="sng" algn="ctr">
+              <a:noFill/>
+              <a:prstDash val="solid"/>
+              <a:miter lim="800000"/>
+            </a:ln>
+            <a:effectLst/>
+          </p:spPr>
+          <p:txBody>
+            <a:bodyPr rtlCol="0" anchor="ctr"/>
+            <a:lstStyle/>
+            <a:p>
+              <a:pPr marL="0" marR="0" lvl="0" indent="0" algn="ctr" defTabSz="457200" eaLnBrk="1" fontAlgn="auto" latinLnBrk="0" hangingPunct="1">
+                <a:lnSpc>
+                  <a:spcPct val="100000"/>
+                </a:lnSpc>
+                <a:spcBef>
+                  <a:spcPts val="0"/>
+                </a:spcBef>
+                <a:spcAft>
+                  <a:spcPts val="0"/>
+                </a:spcAft>
+                <a:buClrTx/>
+                <a:buSzTx/>
+                <a:buFontTx/>
+                <a:buNone/>
+                <a:tabLst/>
+                <a:defRPr/>
+              </a:pPr>
+              <a:endParaRPr kumimoji="0" lang="en-US" sz="1800" b="0" i="0" u="none" strike="noStrike" kern="0" cap="none" spc="0" normalizeH="0" baseline="0" noProof="0">
+                <a:ln>
+                  <a:noFill/>
+                </a:ln>
+                <a:solidFill>
+                  <a:prstClr val="white"/>
+                </a:solidFill>
+                <a:effectLst/>
+                <a:uLnTx/>
+                <a:uFillTx/>
+                <a:latin typeface="Calibri" panose="020F0502020204030204"/>
+                <a:ea typeface="+mn-ea"/>
+                <a:cs typeface="+mn-cs"/>
+              </a:endParaRPr>
+            </a:p>
+          </p:txBody>
+        </p:sp>
+        <p:sp>
+          <p:nvSpPr>
+            <p:cNvPr id="24" name="Oval 23">
+              <a:extLst>
+                <a:ext uri="{FF2B5EF4-FFF2-40B4-BE49-F238E27FC236}">
+                  <a16:creationId xmlns:a16="http://schemas.microsoft.com/office/drawing/2014/main" id="{B55E409B-8F1F-18FD-BECE-8D57BC38B171}"/>
+                </a:ext>
+              </a:extLst>
+            </p:cNvPr>
+            <p:cNvSpPr/>
+            <p:nvPr/>
+          </p:nvSpPr>
+          <p:spPr>
+            <a:xfrm flipH="1">
+              <a:off x="4451064" y="2258315"/>
+              <a:ext cx="1538011" cy="1064813"/>
+            </a:xfrm>
+            <a:prstGeom prst="ellipse">
+              <a:avLst/>
+            </a:prstGeom>
+            <a:solidFill>
+              <a:srgbClr val="FFFC00">
+                <a:alpha val="41961"/>
+              </a:srgbClr>
+            </a:solidFill>
+            <a:ln w="12700" cap="flat" cmpd="sng" algn="ctr">
+              <a:noFill/>
+              <a:prstDash val="solid"/>
+              <a:miter lim="800000"/>
+            </a:ln>
+            <a:effectLst/>
+          </p:spPr>
+          <p:txBody>
+            <a:bodyPr rtlCol="0" anchor="ctr"/>
+            <a:lstStyle/>
+            <a:p>
+              <a:pPr marL="0" marR="0" lvl="0" indent="0" algn="ctr" defTabSz="457200" eaLnBrk="1" fontAlgn="auto" latinLnBrk="0" hangingPunct="1">
+                <a:lnSpc>
+                  <a:spcPct val="100000"/>
+                </a:lnSpc>
+                <a:spcBef>
+                  <a:spcPts val="0"/>
+                </a:spcBef>
+                <a:spcAft>
+                  <a:spcPts val="0"/>
+                </a:spcAft>
+                <a:buClrTx/>
+                <a:buSzTx/>
+                <a:buFontTx/>
+                <a:buNone/>
+                <a:tabLst/>
+                <a:defRPr/>
+              </a:pPr>
+              <a:endParaRPr kumimoji="0" lang="en-US" sz="1800" b="0" i="0" u="none" strike="noStrike" kern="0" cap="none" spc="0" normalizeH="0" baseline="0" noProof="0">
+                <a:ln>
+                  <a:noFill/>
+                </a:ln>
+                <a:solidFill>
+                  <a:prstClr val="white"/>
+                </a:solidFill>
+                <a:effectLst/>
+                <a:uLnTx/>
+                <a:uFillTx/>
+                <a:latin typeface="Calibri" panose="020F0502020204030204"/>
+                <a:ea typeface="+mn-ea"/>
+                <a:cs typeface="+mn-cs"/>
+              </a:endParaRPr>
+            </a:p>
+          </p:txBody>
+        </p:sp>
+        <p:sp>
+          <p:nvSpPr>
+            <p:cNvPr id="25" name="Oval 24">
+              <a:extLst>
+                <a:ext uri="{FF2B5EF4-FFF2-40B4-BE49-F238E27FC236}">
+                  <a16:creationId xmlns:a16="http://schemas.microsoft.com/office/drawing/2014/main" id="{2C7825B5-9566-4CF8-475D-59912EBF7E1A}"/>
+                </a:ext>
+              </a:extLst>
+            </p:cNvPr>
+            <p:cNvSpPr/>
+            <p:nvPr/>
+          </p:nvSpPr>
+          <p:spPr>
+            <a:xfrm rot="21002951">
+              <a:off x="6275351" y="2773193"/>
+              <a:ext cx="1497877" cy="1065453"/>
+            </a:xfrm>
+            <a:prstGeom prst="ellipse">
+              <a:avLst/>
+            </a:prstGeom>
+            <a:solidFill>
+              <a:srgbClr val="FFFC00">
+                <a:alpha val="41961"/>
+              </a:srgbClr>
+            </a:solidFill>
+            <a:ln w="12700" cap="flat" cmpd="sng" algn="ctr">
+              <a:noFill/>
+              <a:prstDash val="solid"/>
+              <a:miter lim="800000"/>
+            </a:ln>
+            <a:effectLst/>
+          </p:spPr>
+          <p:txBody>
+            <a:bodyPr rtlCol="0" anchor="ctr"/>
+            <a:lstStyle/>
+            <a:p>
+              <a:pPr marL="0" marR="0" lvl="0" indent="0" algn="ctr" defTabSz="457200" eaLnBrk="1" fontAlgn="auto" latinLnBrk="0" hangingPunct="1">
+                <a:lnSpc>
+                  <a:spcPct val="100000"/>
+                </a:lnSpc>
+                <a:spcBef>
+                  <a:spcPts val="0"/>
+                </a:spcBef>
+                <a:spcAft>
+                  <a:spcPts val="0"/>
+                </a:spcAft>
+                <a:buClrTx/>
+                <a:buSzTx/>
+                <a:buFontTx/>
+                <a:buNone/>
+                <a:tabLst/>
+                <a:defRPr/>
+              </a:pPr>
+              <a:endParaRPr kumimoji="0" lang="en-US" sz="1800" b="0" i="0" u="none" strike="noStrike" kern="0" cap="none" spc="0" normalizeH="0" baseline="0" noProof="0">
+                <a:ln>
+                  <a:noFill/>
+                </a:ln>
+                <a:solidFill>
+                  <a:prstClr val="white"/>
+                </a:solidFill>
+                <a:effectLst/>
+                <a:uLnTx/>
+                <a:uFillTx/>
+                <a:latin typeface="Calibri" panose="020F0502020204030204"/>
+                <a:ea typeface="+mn-ea"/>
+                <a:cs typeface="+mn-cs"/>
+              </a:endParaRPr>
+            </a:p>
+          </p:txBody>
+        </p:sp>
+        <p:pic>
+          <p:nvPicPr>
+            <p:cNvPr id="26" name="Graphic 25">
+              <a:extLst>
+                <a:ext uri="{FF2B5EF4-FFF2-40B4-BE49-F238E27FC236}">
+                  <a16:creationId xmlns:a16="http://schemas.microsoft.com/office/drawing/2014/main" id="{3EE774D2-8366-8E4E-4F72-5D4FC1EDB988}"/>
+                </a:ext>
+              </a:extLst>
+            </p:cNvPr>
+            <p:cNvPicPr>
+              <a:picLocks noChangeAspect="1"/>
+            </p:cNvPicPr>
+            <p:nvPr/>
+          </p:nvPicPr>
+          <p:blipFill rotWithShape="1">
+            <a:blip r:embed="rId4">
+              <a:extLst>
+                <a:ext uri="{96DAC541-7B7A-43D3-8B79-37D633B846F1}">
+                  <asvg:svgBlip xmlns:asvg="http://schemas.microsoft.com/office/drawing/2016/SVG/main" r:embed="rId5"/>
+                </a:ext>
+              </a:extLst>
+            </a:blip>
+            <a:srcRect b="30924"/>
+            <a:stretch/>
+          </p:blipFill>
+          <p:spPr>
+            <a:xfrm rot="21398750" flipH="1">
+              <a:off x="5340868" y="4498477"/>
+              <a:ext cx="1387128" cy="481633"/>
+            </a:xfrm>
+            <a:prstGeom prst="ellipse">
+              <a:avLst/>
+            </a:prstGeom>
+          </p:spPr>
+        </p:pic>
+        <p:pic>
+          <p:nvPicPr>
+            <p:cNvPr id="27" name="Graphic 26">
+              <a:extLst>
+                <a:ext uri="{FF2B5EF4-FFF2-40B4-BE49-F238E27FC236}">
+                  <a16:creationId xmlns:a16="http://schemas.microsoft.com/office/drawing/2014/main" id="{920F6392-E319-2711-C736-4A7293B9FD42}"/>
+                </a:ext>
+              </a:extLst>
+            </p:cNvPr>
+            <p:cNvPicPr>
+              <a:picLocks noChangeAspect="1"/>
+            </p:cNvPicPr>
+            <p:nvPr/>
+          </p:nvPicPr>
+          <p:blipFill rotWithShape="1">
+            <a:blip r:embed="rId4">
+              <a:extLst>
+                <a:ext uri="{96DAC541-7B7A-43D3-8B79-37D633B846F1}">
+                  <asvg:svgBlip xmlns:asvg="http://schemas.microsoft.com/office/drawing/2016/SVG/main" r:embed="rId5"/>
+                </a:ext>
+              </a:extLst>
+            </a:blip>
+            <a:srcRect b="30924"/>
+            <a:stretch/>
+          </p:blipFill>
+          <p:spPr>
+            <a:xfrm rot="20503315" flipH="1">
+              <a:off x="5879394" y="4690594"/>
+              <a:ext cx="1387128" cy="481633"/>
+            </a:xfrm>
+            <a:prstGeom prst="ellipse">
+              <a:avLst/>
+            </a:prstGeom>
+          </p:spPr>
+        </p:pic>
+        <p:pic>
+          <p:nvPicPr>
+            <p:cNvPr id="28" name="Graphic 27">
+              <a:extLst>
+                <a:ext uri="{FF2B5EF4-FFF2-40B4-BE49-F238E27FC236}">
+                  <a16:creationId xmlns:a16="http://schemas.microsoft.com/office/drawing/2014/main" id="{D2C58362-0227-E74E-F0AE-00088AFAF12D}"/>
+                </a:ext>
+              </a:extLst>
+            </p:cNvPr>
+            <p:cNvPicPr>
+              <a:picLocks noChangeAspect="1"/>
+            </p:cNvPicPr>
+            <p:nvPr/>
+          </p:nvPicPr>
+          <p:blipFill rotWithShape="1">
+            <a:blip r:embed="rId4">
+              <a:extLst>
+                <a:ext uri="{96DAC541-7B7A-43D3-8B79-37D633B846F1}">
+                  <asvg:svgBlip xmlns:asvg="http://schemas.microsoft.com/office/drawing/2016/SVG/main" r:embed="rId5"/>
+                </a:ext>
+              </a:extLst>
+            </a:blip>
+            <a:srcRect b="30924"/>
+            <a:stretch/>
+          </p:blipFill>
+          <p:spPr>
+            <a:xfrm rot="788449" flipH="1">
+              <a:off x="5023667" y="4718753"/>
+              <a:ext cx="1387128" cy="481633"/>
+            </a:xfrm>
+            <a:prstGeom prst="ellipse">
+              <a:avLst/>
+            </a:prstGeom>
+          </p:spPr>
+        </p:pic>
+        <p:pic>
+          <p:nvPicPr>
+            <p:cNvPr id="29" name="Graphic 28">
+              <a:extLst>
+                <a:ext uri="{FF2B5EF4-FFF2-40B4-BE49-F238E27FC236}">
+                  <a16:creationId xmlns:a16="http://schemas.microsoft.com/office/drawing/2014/main" id="{20021D4B-36B4-2D68-1AEA-33C5321908FB}"/>
+                </a:ext>
+              </a:extLst>
+            </p:cNvPr>
+            <p:cNvPicPr>
+              <a:picLocks noChangeAspect="1"/>
+            </p:cNvPicPr>
+            <p:nvPr/>
+          </p:nvPicPr>
+          <p:blipFill>
+            <a:blip r:embed="rId8">
+              <a:extLst>
+                <a:ext uri="{96DAC541-7B7A-43D3-8B79-37D633B846F1}">
+                  <asvg:svgBlip xmlns:asvg="http://schemas.microsoft.com/office/drawing/2016/SVG/main" r:embed="rId9"/>
+                </a:ext>
+              </a:extLst>
+            </a:blip>
+            <a:stretch>
+              <a:fillRect/>
+            </a:stretch>
+          </p:blipFill>
+          <p:spPr>
+            <a:xfrm rot="636955">
+              <a:off x="4841405" y="1783706"/>
+              <a:ext cx="1702961" cy="2845840"/>
+            </a:xfrm>
+            <a:prstGeom prst="rect">
+              <a:avLst/>
+            </a:prstGeom>
+          </p:spPr>
+        </p:pic>
+        <p:pic>
+          <p:nvPicPr>
+            <p:cNvPr id="30" name="Graphic 29">
+              <a:extLst>
+                <a:ext uri="{FF2B5EF4-FFF2-40B4-BE49-F238E27FC236}">
+                  <a16:creationId xmlns:a16="http://schemas.microsoft.com/office/drawing/2014/main" id="{7DD7F7F6-D7BA-8577-F74D-F60212BBC56C}"/>
+                </a:ext>
+              </a:extLst>
+            </p:cNvPr>
+            <p:cNvPicPr>
+              <a:picLocks noChangeAspect="1"/>
+            </p:cNvPicPr>
+            <p:nvPr/>
+          </p:nvPicPr>
+          <p:blipFill>
+            <a:blip r:embed="rId10">
+              <a:extLst>
+                <a:ext uri="{96DAC541-7B7A-43D3-8B79-37D633B846F1}">
+                  <asvg:svgBlip xmlns:asvg="http://schemas.microsoft.com/office/drawing/2016/SVG/main" r:embed="rId11"/>
+                </a:ext>
+              </a:extLst>
+            </a:blip>
+            <a:stretch>
+              <a:fillRect/>
+            </a:stretch>
+          </p:blipFill>
+          <p:spPr>
+            <a:xfrm rot="575686" flipH="1">
+              <a:off x="4480646" y="1703696"/>
+              <a:ext cx="625009" cy="2757393"/>
+            </a:xfrm>
+            <a:prstGeom prst="rect">
+              <a:avLst/>
+            </a:prstGeom>
+          </p:spPr>
+        </p:pic>
+        <p:pic>
+          <p:nvPicPr>
+            <p:cNvPr id="31" name="Graphic 30">
+              <a:extLst>
+                <a:ext uri="{FF2B5EF4-FFF2-40B4-BE49-F238E27FC236}">
+                  <a16:creationId xmlns:a16="http://schemas.microsoft.com/office/drawing/2014/main" id="{52813662-D7C0-E491-149D-E0A10B09E249}"/>
+                </a:ext>
+              </a:extLst>
+            </p:cNvPr>
+            <p:cNvPicPr>
+              <a:picLocks noChangeAspect="1"/>
+            </p:cNvPicPr>
+            <p:nvPr/>
+          </p:nvPicPr>
+          <p:blipFill>
+            <a:blip r:embed="rId8">
+              <a:extLst>
+                <a:ext uri="{96DAC541-7B7A-43D3-8B79-37D633B846F1}">
+                  <asvg:svgBlip xmlns:asvg="http://schemas.microsoft.com/office/drawing/2016/SVG/main" r:embed="rId9"/>
+                </a:ext>
+              </a:extLst>
+            </a:blip>
+            <a:stretch>
+              <a:fillRect/>
+            </a:stretch>
+          </p:blipFill>
+          <p:spPr>
+            <a:xfrm rot="737105">
+              <a:off x="4646855" y="2041552"/>
+              <a:ext cx="1494749" cy="2497894"/>
+            </a:xfrm>
+            <a:prstGeom prst="rect">
+              <a:avLst/>
+            </a:prstGeom>
+          </p:spPr>
+        </p:pic>
+        <p:pic>
+          <p:nvPicPr>
+            <p:cNvPr id="32" name="Graphic 31">
+              <a:extLst>
+                <a:ext uri="{FF2B5EF4-FFF2-40B4-BE49-F238E27FC236}">
+                  <a16:creationId xmlns:a16="http://schemas.microsoft.com/office/drawing/2014/main" id="{0432C1B8-7C0C-E0C2-E21A-F33476501119}"/>
+                </a:ext>
+              </a:extLst>
+            </p:cNvPr>
+            <p:cNvPicPr>
+              <a:picLocks noChangeAspect="1"/>
+            </p:cNvPicPr>
+            <p:nvPr/>
+          </p:nvPicPr>
+          <p:blipFill>
+            <a:blip r:embed="rId12">
+              <a:extLst>
+                <a:ext uri="{96DAC541-7B7A-43D3-8B79-37D633B846F1}">
+                  <asvg:svgBlip xmlns:asvg="http://schemas.microsoft.com/office/drawing/2016/SVG/main" r:embed="rId13"/>
+                </a:ext>
+              </a:extLst>
+            </a:blip>
+            <a:stretch>
+              <a:fillRect/>
+            </a:stretch>
+          </p:blipFill>
+          <p:spPr>
+            <a:xfrm flipH="1">
+              <a:off x="4563022" y="2032257"/>
+              <a:ext cx="1314097" cy="2832106"/>
+            </a:xfrm>
+            <a:prstGeom prst="rect">
+              <a:avLst/>
+            </a:prstGeom>
+          </p:spPr>
+        </p:pic>
+        <p:sp>
+          <p:nvSpPr>
+            <p:cNvPr id="33" name="Donut 32">
+              <a:extLst>
+                <a:ext uri="{FF2B5EF4-FFF2-40B4-BE49-F238E27FC236}">
+                  <a16:creationId xmlns:a16="http://schemas.microsoft.com/office/drawing/2014/main" id="{FDE7D0E9-0B26-C7BE-D3F4-B22057DF09E9}"/>
+                </a:ext>
+              </a:extLst>
+            </p:cNvPr>
+            <p:cNvSpPr/>
+            <p:nvPr/>
+          </p:nvSpPr>
+          <p:spPr>
+            <a:xfrm>
+              <a:off x="4050315" y="1313042"/>
+              <a:ext cx="4046410" cy="4038717"/>
+            </a:xfrm>
+            <a:prstGeom prst="donut">
+              <a:avLst>
+                <a:gd name="adj" fmla="val 3278"/>
+              </a:avLst>
+            </a:prstGeom>
+            <a:solidFill>
+              <a:srgbClr val="7030A0"/>
+            </a:solidFill>
+            <a:ln w="12700" cap="flat" cmpd="sng" algn="ctr">
+              <a:solidFill>
+                <a:srgbClr val="7030A0"/>
+              </a:solidFill>
+              <a:prstDash val="solid"/>
+              <a:miter lim="800000"/>
+            </a:ln>
+            <a:effectLst/>
+          </p:spPr>
+          <p:txBody>
+            <a:bodyPr rtlCol="0" anchor="ctr"/>
+            <a:lstStyle/>
+            <a:p>
+              <a:pPr marL="0" marR="0" lvl="0" indent="0" algn="ctr" defTabSz="914400" eaLnBrk="1" fontAlgn="auto" latinLnBrk="0" hangingPunct="1">
+                <a:lnSpc>
+                  <a:spcPct val="100000"/>
+                </a:lnSpc>
+                <a:spcBef>
+                  <a:spcPts val="0"/>
+                </a:spcBef>
+                <a:spcAft>
+                  <a:spcPts val="0"/>
+                </a:spcAft>
+                <a:buClrTx/>
+                <a:buSzTx/>
+                <a:buFontTx/>
+                <a:buNone/>
+                <a:tabLst/>
+                <a:defRPr/>
+              </a:pPr>
+              <a:endParaRPr kumimoji="0" lang="en-US" sz="1800" b="0" i="0" u="none" strike="noStrike" kern="0" cap="none" spc="0" normalizeH="0" baseline="0" noProof="0">
+                <a:ln>
+                  <a:noFill/>
+                </a:ln>
+                <a:solidFill>
+                  <a:prstClr val="white"/>
+                </a:solidFill>
+                <a:effectLst/>
+                <a:uLnTx/>
+                <a:uFillTx/>
+                <a:latin typeface="Calibri" panose="020F0502020204030204"/>
+                <a:ea typeface="+mn-ea"/>
+                <a:cs typeface="+mn-cs"/>
+              </a:endParaRPr>
+            </a:p>
+          </p:txBody>
+        </p:sp>
+      </p:grpSp>
       <p:sp>
         <p:nvSpPr>
           <p:cNvPr id="61" name="TextBox 60">
@@ -6011,6 +8260,904 @@
           </a:p>
         </p:txBody>
       </p:sp>
+      <p:grpSp>
+        <p:nvGrpSpPr>
+          <p:cNvPr id="5" name="Group 4">
+            <a:extLst>
+              <a:ext uri="{FF2B5EF4-FFF2-40B4-BE49-F238E27FC236}">
+                <a16:creationId xmlns:a16="http://schemas.microsoft.com/office/drawing/2014/main" id="{A0E274C9-427E-FF25-2394-280D3A58D3E1}"/>
+              </a:ext>
+            </a:extLst>
+          </p:cNvPr>
+          <p:cNvGrpSpPr/>
+          <p:nvPr/>
+        </p:nvGrpSpPr>
+        <p:grpSpPr>
+          <a:xfrm>
+            <a:off x="11320" y="99478"/>
+            <a:ext cx="1507692" cy="1516003"/>
+            <a:chOff x="39496" y="71919"/>
+            <a:chExt cx="4081718" cy="4019720"/>
+          </a:xfrm>
+        </p:grpSpPr>
+        <p:pic>
+          <p:nvPicPr>
+            <p:cNvPr id="6" name="Picture 5">
+              <a:extLst>
+                <a:ext uri="{FF2B5EF4-FFF2-40B4-BE49-F238E27FC236}">
+                  <a16:creationId xmlns:a16="http://schemas.microsoft.com/office/drawing/2014/main" id="{B6BF85F6-061F-54AC-5298-176BE2BC86EA}"/>
+                </a:ext>
+              </a:extLst>
+            </p:cNvPr>
+            <p:cNvPicPr>
+              <a:picLocks noChangeAspect="1"/>
+            </p:cNvPicPr>
+            <p:nvPr/>
+          </p:nvPicPr>
+          <p:blipFill rotWithShape="1">
+            <a:blip r:embed="rId14"/>
+            <a:srcRect l="44456" t="36578" r="37377" b="31254"/>
+            <a:stretch/>
+          </p:blipFill>
+          <p:spPr>
+            <a:xfrm rot="1420365">
+              <a:off x="166304" y="171314"/>
+              <a:ext cx="3854942" cy="3839419"/>
+            </a:xfrm>
+            <a:prstGeom prst="ellipse">
+              <a:avLst/>
+            </a:prstGeom>
+          </p:spPr>
+        </p:pic>
+        <p:sp>
+          <p:nvSpPr>
+            <p:cNvPr id="7" name="Oval 6">
+              <a:extLst>
+                <a:ext uri="{FF2B5EF4-FFF2-40B4-BE49-F238E27FC236}">
+                  <a16:creationId xmlns:a16="http://schemas.microsoft.com/office/drawing/2014/main" id="{85E9D1D3-124D-017B-E58B-3938DA948FB5}"/>
+                </a:ext>
+              </a:extLst>
+            </p:cNvPr>
+            <p:cNvSpPr/>
+            <p:nvPr/>
+          </p:nvSpPr>
+          <p:spPr>
+            <a:xfrm>
+              <a:off x="471460" y="2529696"/>
+              <a:ext cx="576152" cy="507455"/>
+            </a:xfrm>
+            <a:prstGeom prst="ellipse">
+              <a:avLst/>
+            </a:prstGeom>
+            <a:solidFill>
+              <a:srgbClr val="FFFC00">
+                <a:alpha val="41961"/>
+              </a:srgbClr>
+            </a:solidFill>
+            <a:ln w="12700" cap="flat" cmpd="sng" algn="ctr">
+              <a:noFill/>
+              <a:prstDash val="solid"/>
+              <a:miter lim="800000"/>
+            </a:ln>
+            <a:effectLst/>
+          </p:spPr>
+          <p:txBody>
+            <a:bodyPr rtlCol="0" anchor="ctr"/>
+            <a:lstStyle/>
+            <a:p>
+              <a:pPr marL="0" marR="0" lvl="0" indent="0" algn="ctr" defTabSz="457200" eaLnBrk="1" fontAlgn="auto" latinLnBrk="0" hangingPunct="1">
+                <a:lnSpc>
+                  <a:spcPct val="100000"/>
+                </a:lnSpc>
+                <a:spcBef>
+                  <a:spcPts val="0"/>
+                </a:spcBef>
+                <a:spcAft>
+                  <a:spcPts val="0"/>
+                </a:spcAft>
+                <a:buClrTx/>
+                <a:buSzTx/>
+                <a:buFontTx/>
+                <a:buNone/>
+                <a:tabLst/>
+                <a:defRPr/>
+              </a:pPr>
+              <a:endParaRPr kumimoji="0" lang="en-US" sz="1800" b="0" i="0" u="none" strike="noStrike" kern="0" cap="none" spc="0" normalizeH="0" baseline="0" noProof="0">
+                <a:ln>
+                  <a:noFill/>
+                </a:ln>
+                <a:solidFill>
+                  <a:prstClr val="white"/>
+                </a:solidFill>
+                <a:effectLst/>
+                <a:uLnTx/>
+                <a:uFillTx/>
+                <a:latin typeface="Calibri" panose="020F0502020204030204"/>
+                <a:ea typeface="+mn-ea"/>
+                <a:cs typeface="+mn-cs"/>
+              </a:endParaRPr>
+            </a:p>
+          </p:txBody>
+        </p:sp>
+        <p:sp>
+          <p:nvSpPr>
+            <p:cNvPr id="8" name="Oval 7">
+              <a:extLst>
+                <a:ext uri="{FF2B5EF4-FFF2-40B4-BE49-F238E27FC236}">
+                  <a16:creationId xmlns:a16="http://schemas.microsoft.com/office/drawing/2014/main" id="{C223A0FF-D6B4-4641-7BA6-A543354C2918}"/>
+                </a:ext>
+              </a:extLst>
+            </p:cNvPr>
+            <p:cNvSpPr/>
+            <p:nvPr/>
+          </p:nvSpPr>
+          <p:spPr>
+            <a:xfrm>
+              <a:off x="2524362" y="412019"/>
+              <a:ext cx="705327" cy="649283"/>
+            </a:xfrm>
+            <a:prstGeom prst="ellipse">
+              <a:avLst/>
+            </a:prstGeom>
+            <a:solidFill>
+              <a:srgbClr val="FFFC00">
+                <a:alpha val="41961"/>
+              </a:srgbClr>
+            </a:solidFill>
+            <a:ln w="12700" cap="flat" cmpd="sng" algn="ctr">
+              <a:noFill/>
+              <a:prstDash val="solid"/>
+              <a:miter lim="800000"/>
+            </a:ln>
+            <a:effectLst/>
+          </p:spPr>
+          <p:txBody>
+            <a:bodyPr rtlCol="0" anchor="ctr"/>
+            <a:lstStyle/>
+            <a:p>
+              <a:pPr marL="0" marR="0" lvl="0" indent="0" algn="ctr" defTabSz="457200" eaLnBrk="1" fontAlgn="auto" latinLnBrk="0" hangingPunct="1">
+                <a:lnSpc>
+                  <a:spcPct val="100000"/>
+                </a:lnSpc>
+                <a:spcBef>
+                  <a:spcPts val="0"/>
+                </a:spcBef>
+                <a:spcAft>
+                  <a:spcPts val="0"/>
+                </a:spcAft>
+                <a:buClrTx/>
+                <a:buSzTx/>
+                <a:buFontTx/>
+                <a:buNone/>
+                <a:tabLst/>
+                <a:defRPr/>
+              </a:pPr>
+              <a:endParaRPr kumimoji="0" lang="en-US" sz="1800" b="0" i="0" u="none" strike="noStrike" kern="0" cap="none" spc="0" normalizeH="0" baseline="0" noProof="0">
+                <a:ln>
+                  <a:noFill/>
+                </a:ln>
+                <a:solidFill>
+                  <a:prstClr val="white"/>
+                </a:solidFill>
+                <a:effectLst/>
+                <a:uLnTx/>
+                <a:uFillTx/>
+                <a:latin typeface="Calibri" panose="020F0502020204030204"/>
+                <a:ea typeface="+mn-ea"/>
+                <a:cs typeface="+mn-cs"/>
+              </a:endParaRPr>
+            </a:p>
+          </p:txBody>
+        </p:sp>
+        <p:sp>
+          <p:nvSpPr>
+            <p:cNvPr id="9" name="Oval 8">
+              <a:extLst>
+                <a:ext uri="{FF2B5EF4-FFF2-40B4-BE49-F238E27FC236}">
+                  <a16:creationId xmlns:a16="http://schemas.microsoft.com/office/drawing/2014/main" id="{6B7D779B-1B5B-95BE-9213-50308A0D4CD2}"/>
+                </a:ext>
+              </a:extLst>
+            </p:cNvPr>
+            <p:cNvSpPr/>
+            <p:nvPr/>
+          </p:nvSpPr>
+          <p:spPr>
+            <a:xfrm>
+              <a:off x="2338165" y="485671"/>
+              <a:ext cx="705327" cy="649283"/>
+            </a:xfrm>
+            <a:prstGeom prst="ellipse">
+              <a:avLst/>
+            </a:prstGeom>
+            <a:solidFill>
+              <a:srgbClr val="FFFC00">
+                <a:alpha val="41961"/>
+              </a:srgbClr>
+            </a:solidFill>
+            <a:ln w="12700" cap="flat" cmpd="sng" algn="ctr">
+              <a:noFill/>
+              <a:prstDash val="solid"/>
+              <a:miter lim="800000"/>
+            </a:ln>
+            <a:effectLst/>
+          </p:spPr>
+          <p:txBody>
+            <a:bodyPr rtlCol="0" anchor="ctr"/>
+            <a:lstStyle/>
+            <a:p>
+              <a:pPr marL="0" marR="0" lvl="0" indent="0" algn="ctr" defTabSz="457200" eaLnBrk="1" fontAlgn="auto" latinLnBrk="0" hangingPunct="1">
+                <a:lnSpc>
+                  <a:spcPct val="100000"/>
+                </a:lnSpc>
+                <a:spcBef>
+                  <a:spcPts val="0"/>
+                </a:spcBef>
+                <a:spcAft>
+                  <a:spcPts val="0"/>
+                </a:spcAft>
+                <a:buClrTx/>
+                <a:buSzTx/>
+                <a:buFontTx/>
+                <a:buNone/>
+                <a:tabLst/>
+                <a:defRPr/>
+              </a:pPr>
+              <a:endParaRPr kumimoji="0" lang="en-US" sz="1800" b="0" i="0" u="none" strike="noStrike" kern="0" cap="none" spc="0" normalizeH="0" baseline="0" noProof="0">
+                <a:ln>
+                  <a:noFill/>
+                </a:ln>
+                <a:solidFill>
+                  <a:prstClr val="white"/>
+                </a:solidFill>
+                <a:effectLst/>
+                <a:uLnTx/>
+                <a:uFillTx/>
+                <a:latin typeface="Calibri" panose="020F0502020204030204"/>
+                <a:ea typeface="+mn-ea"/>
+                <a:cs typeface="+mn-cs"/>
+              </a:endParaRPr>
+            </a:p>
+          </p:txBody>
+        </p:sp>
+        <p:sp>
+          <p:nvSpPr>
+            <p:cNvPr id="10" name="Oval 9">
+              <a:extLst>
+                <a:ext uri="{FF2B5EF4-FFF2-40B4-BE49-F238E27FC236}">
+                  <a16:creationId xmlns:a16="http://schemas.microsoft.com/office/drawing/2014/main" id="{77B8F68E-8059-3964-8317-DBDB49AF408C}"/>
+                </a:ext>
+              </a:extLst>
+            </p:cNvPr>
+            <p:cNvSpPr/>
+            <p:nvPr/>
+          </p:nvSpPr>
+          <p:spPr>
+            <a:xfrm>
+              <a:off x="2360833" y="347692"/>
+              <a:ext cx="705327" cy="649283"/>
+            </a:xfrm>
+            <a:prstGeom prst="ellipse">
+              <a:avLst/>
+            </a:prstGeom>
+            <a:solidFill>
+              <a:srgbClr val="FFFC00">
+                <a:alpha val="41961"/>
+              </a:srgbClr>
+            </a:solidFill>
+            <a:ln w="12700" cap="flat" cmpd="sng" algn="ctr">
+              <a:noFill/>
+              <a:prstDash val="solid"/>
+              <a:miter lim="800000"/>
+            </a:ln>
+            <a:effectLst/>
+          </p:spPr>
+          <p:txBody>
+            <a:bodyPr rtlCol="0" anchor="ctr"/>
+            <a:lstStyle/>
+            <a:p>
+              <a:pPr marL="0" marR="0" lvl="0" indent="0" algn="ctr" defTabSz="457200" eaLnBrk="1" fontAlgn="auto" latinLnBrk="0" hangingPunct="1">
+                <a:lnSpc>
+                  <a:spcPct val="100000"/>
+                </a:lnSpc>
+                <a:spcBef>
+                  <a:spcPts val="0"/>
+                </a:spcBef>
+                <a:spcAft>
+                  <a:spcPts val="0"/>
+                </a:spcAft>
+                <a:buClrTx/>
+                <a:buSzTx/>
+                <a:buFontTx/>
+                <a:buNone/>
+                <a:tabLst/>
+                <a:defRPr/>
+              </a:pPr>
+              <a:endParaRPr kumimoji="0" lang="en-US" sz="1800" b="0" i="0" u="none" strike="noStrike" kern="0" cap="none" spc="0" normalizeH="0" baseline="0" noProof="0">
+                <a:ln>
+                  <a:noFill/>
+                </a:ln>
+                <a:solidFill>
+                  <a:prstClr val="white"/>
+                </a:solidFill>
+                <a:effectLst/>
+                <a:uLnTx/>
+                <a:uFillTx/>
+                <a:latin typeface="Calibri" panose="020F0502020204030204"/>
+                <a:ea typeface="+mn-ea"/>
+                <a:cs typeface="+mn-cs"/>
+              </a:endParaRPr>
+            </a:p>
+          </p:txBody>
+        </p:sp>
+        <p:sp>
+          <p:nvSpPr>
+            <p:cNvPr id="11" name="Oval 10">
+              <a:extLst>
+                <a:ext uri="{FF2B5EF4-FFF2-40B4-BE49-F238E27FC236}">
+                  <a16:creationId xmlns:a16="http://schemas.microsoft.com/office/drawing/2014/main" id="{879CE016-2A74-CE1A-92DD-314E6E6F7E8D}"/>
+                </a:ext>
+              </a:extLst>
+            </p:cNvPr>
+            <p:cNvSpPr/>
+            <p:nvPr/>
+          </p:nvSpPr>
+          <p:spPr>
+            <a:xfrm>
+              <a:off x="1467865" y="339114"/>
+              <a:ext cx="533987" cy="451839"/>
+            </a:xfrm>
+            <a:prstGeom prst="ellipse">
+              <a:avLst/>
+            </a:prstGeom>
+            <a:solidFill>
+              <a:srgbClr val="FFFC00">
+                <a:alpha val="41961"/>
+              </a:srgbClr>
+            </a:solidFill>
+            <a:ln w="12700" cap="flat" cmpd="sng" algn="ctr">
+              <a:noFill/>
+              <a:prstDash val="solid"/>
+              <a:miter lim="800000"/>
+            </a:ln>
+            <a:effectLst/>
+          </p:spPr>
+          <p:txBody>
+            <a:bodyPr rtlCol="0" anchor="ctr"/>
+            <a:lstStyle/>
+            <a:p>
+              <a:pPr marL="0" marR="0" lvl="0" indent="0" algn="ctr" defTabSz="457200" eaLnBrk="1" fontAlgn="auto" latinLnBrk="0" hangingPunct="1">
+                <a:lnSpc>
+                  <a:spcPct val="100000"/>
+                </a:lnSpc>
+                <a:spcBef>
+                  <a:spcPts val="0"/>
+                </a:spcBef>
+                <a:spcAft>
+                  <a:spcPts val="0"/>
+                </a:spcAft>
+                <a:buClrTx/>
+                <a:buSzTx/>
+                <a:buFontTx/>
+                <a:buNone/>
+                <a:tabLst/>
+                <a:defRPr/>
+              </a:pPr>
+              <a:endParaRPr kumimoji="0" lang="en-US" sz="1800" b="0" i="0" u="none" strike="noStrike" kern="0" cap="none" spc="0" normalizeH="0" baseline="0" noProof="0">
+                <a:ln>
+                  <a:noFill/>
+                </a:ln>
+                <a:solidFill>
+                  <a:prstClr val="white"/>
+                </a:solidFill>
+                <a:effectLst/>
+                <a:uLnTx/>
+                <a:uFillTx/>
+                <a:latin typeface="Calibri" panose="020F0502020204030204"/>
+                <a:ea typeface="+mn-ea"/>
+                <a:cs typeface="+mn-cs"/>
+              </a:endParaRPr>
+            </a:p>
+          </p:txBody>
+        </p:sp>
+        <p:sp>
+          <p:nvSpPr>
+            <p:cNvPr id="12" name="Oval 11">
+              <a:extLst>
+                <a:ext uri="{FF2B5EF4-FFF2-40B4-BE49-F238E27FC236}">
+                  <a16:creationId xmlns:a16="http://schemas.microsoft.com/office/drawing/2014/main" id="{78C33B40-86A7-4F66-782A-92BC77EE3708}"/>
+                </a:ext>
+              </a:extLst>
+            </p:cNvPr>
+            <p:cNvSpPr/>
+            <p:nvPr/>
+          </p:nvSpPr>
+          <p:spPr>
+            <a:xfrm>
+              <a:off x="906827" y="1472723"/>
+              <a:ext cx="566056" cy="518471"/>
+            </a:xfrm>
+            <a:prstGeom prst="ellipse">
+              <a:avLst/>
+            </a:prstGeom>
+            <a:solidFill>
+              <a:srgbClr val="FFFC00">
+                <a:alpha val="41961"/>
+              </a:srgbClr>
+            </a:solidFill>
+            <a:ln w="12700" cap="flat" cmpd="sng" algn="ctr">
+              <a:noFill/>
+              <a:prstDash val="solid"/>
+              <a:miter lim="800000"/>
+            </a:ln>
+            <a:effectLst/>
+          </p:spPr>
+          <p:txBody>
+            <a:bodyPr rtlCol="0" anchor="ctr"/>
+            <a:lstStyle/>
+            <a:p>
+              <a:pPr marL="0" marR="0" lvl="0" indent="0" algn="ctr" defTabSz="457200" eaLnBrk="1" fontAlgn="auto" latinLnBrk="0" hangingPunct="1">
+                <a:lnSpc>
+                  <a:spcPct val="100000"/>
+                </a:lnSpc>
+                <a:spcBef>
+                  <a:spcPts val="0"/>
+                </a:spcBef>
+                <a:spcAft>
+                  <a:spcPts val="0"/>
+                </a:spcAft>
+                <a:buClrTx/>
+                <a:buSzTx/>
+                <a:buFontTx/>
+                <a:buNone/>
+                <a:tabLst/>
+                <a:defRPr/>
+              </a:pPr>
+              <a:endParaRPr kumimoji="0" lang="en-US" sz="1800" b="0" i="0" u="none" strike="noStrike" kern="0" cap="none" spc="0" normalizeH="0" baseline="0" noProof="0">
+                <a:ln>
+                  <a:noFill/>
+                </a:ln>
+                <a:solidFill>
+                  <a:prstClr val="white"/>
+                </a:solidFill>
+                <a:effectLst/>
+                <a:uLnTx/>
+                <a:uFillTx/>
+                <a:latin typeface="Calibri" panose="020F0502020204030204"/>
+                <a:ea typeface="+mn-ea"/>
+                <a:cs typeface="+mn-cs"/>
+              </a:endParaRPr>
+            </a:p>
+          </p:txBody>
+        </p:sp>
+        <p:sp>
+          <p:nvSpPr>
+            <p:cNvPr id="13" name="Oval 12">
+              <a:extLst>
+                <a:ext uri="{FF2B5EF4-FFF2-40B4-BE49-F238E27FC236}">
+                  <a16:creationId xmlns:a16="http://schemas.microsoft.com/office/drawing/2014/main" id="{D1BB811E-897D-68E9-6D54-3FA03F163062}"/>
+                </a:ext>
+              </a:extLst>
+            </p:cNvPr>
+            <p:cNvSpPr/>
+            <p:nvPr/>
+          </p:nvSpPr>
+          <p:spPr>
+            <a:xfrm>
+              <a:off x="1005174" y="1382225"/>
+              <a:ext cx="534367" cy="528903"/>
+            </a:xfrm>
+            <a:prstGeom prst="ellipse">
+              <a:avLst/>
+            </a:prstGeom>
+            <a:solidFill>
+              <a:srgbClr val="FFFC00">
+                <a:alpha val="41961"/>
+              </a:srgbClr>
+            </a:solidFill>
+            <a:ln w="12700" cap="flat" cmpd="sng" algn="ctr">
+              <a:noFill/>
+              <a:prstDash val="solid"/>
+              <a:miter lim="800000"/>
+            </a:ln>
+            <a:effectLst/>
+          </p:spPr>
+          <p:txBody>
+            <a:bodyPr rtlCol="0" anchor="ctr"/>
+            <a:lstStyle/>
+            <a:p>
+              <a:pPr marL="0" marR="0" lvl="0" indent="0" algn="ctr" defTabSz="457200" eaLnBrk="1" fontAlgn="auto" latinLnBrk="0" hangingPunct="1">
+                <a:lnSpc>
+                  <a:spcPct val="100000"/>
+                </a:lnSpc>
+                <a:spcBef>
+                  <a:spcPts val="0"/>
+                </a:spcBef>
+                <a:spcAft>
+                  <a:spcPts val="0"/>
+                </a:spcAft>
+                <a:buClrTx/>
+                <a:buSzTx/>
+                <a:buFontTx/>
+                <a:buNone/>
+                <a:tabLst/>
+                <a:defRPr/>
+              </a:pPr>
+              <a:endParaRPr kumimoji="0" lang="en-US" sz="1800" b="0" i="0" u="none" strike="noStrike" kern="0" cap="none" spc="0" normalizeH="0" baseline="0" noProof="0">
+                <a:ln>
+                  <a:noFill/>
+                </a:ln>
+                <a:solidFill>
+                  <a:prstClr val="white"/>
+                </a:solidFill>
+                <a:effectLst/>
+                <a:uLnTx/>
+                <a:uFillTx/>
+                <a:latin typeface="Calibri" panose="020F0502020204030204"/>
+                <a:ea typeface="+mn-ea"/>
+                <a:cs typeface="+mn-cs"/>
+              </a:endParaRPr>
+            </a:p>
+          </p:txBody>
+        </p:sp>
+        <p:sp>
+          <p:nvSpPr>
+            <p:cNvPr id="14" name="Oval 13">
+              <a:extLst>
+                <a:ext uri="{FF2B5EF4-FFF2-40B4-BE49-F238E27FC236}">
+                  <a16:creationId xmlns:a16="http://schemas.microsoft.com/office/drawing/2014/main" id="{7BB05194-AE8E-1DFE-7C5E-446C42725C71}"/>
+                </a:ext>
+              </a:extLst>
+            </p:cNvPr>
+            <p:cNvSpPr/>
+            <p:nvPr/>
+          </p:nvSpPr>
+          <p:spPr>
+            <a:xfrm rot="21002951">
+              <a:off x="3135178" y="1655476"/>
+              <a:ext cx="575863" cy="409616"/>
+            </a:xfrm>
+            <a:prstGeom prst="ellipse">
+              <a:avLst/>
+            </a:prstGeom>
+            <a:solidFill>
+              <a:srgbClr val="FFFC00">
+                <a:alpha val="41961"/>
+              </a:srgbClr>
+            </a:solidFill>
+            <a:ln w="12700" cap="flat" cmpd="sng" algn="ctr">
+              <a:noFill/>
+              <a:prstDash val="solid"/>
+              <a:miter lim="800000"/>
+            </a:ln>
+            <a:effectLst/>
+          </p:spPr>
+          <p:txBody>
+            <a:bodyPr rtlCol="0" anchor="ctr"/>
+            <a:lstStyle/>
+            <a:p>
+              <a:pPr marL="0" marR="0" lvl="0" indent="0" algn="ctr" defTabSz="457200" eaLnBrk="1" fontAlgn="auto" latinLnBrk="0" hangingPunct="1">
+                <a:lnSpc>
+                  <a:spcPct val="100000"/>
+                </a:lnSpc>
+                <a:spcBef>
+                  <a:spcPts val="0"/>
+                </a:spcBef>
+                <a:spcAft>
+                  <a:spcPts val="0"/>
+                </a:spcAft>
+                <a:buClrTx/>
+                <a:buSzTx/>
+                <a:buFontTx/>
+                <a:buNone/>
+                <a:tabLst/>
+                <a:defRPr/>
+              </a:pPr>
+              <a:endParaRPr kumimoji="0" lang="en-US" sz="1800" b="0" i="0" u="none" strike="noStrike" kern="0" cap="none" spc="0" normalizeH="0" baseline="0" noProof="0">
+                <a:ln>
+                  <a:noFill/>
+                </a:ln>
+                <a:solidFill>
+                  <a:prstClr val="white"/>
+                </a:solidFill>
+                <a:effectLst/>
+                <a:uLnTx/>
+                <a:uFillTx/>
+                <a:latin typeface="Calibri" panose="020F0502020204030204"/>
+                <a:ea typeface="+mn-ea"/>
+                <a:cs typeface="+mn-cs"/>
+              </a:endParaRPr>
+            </a:p>
+          </p:txBody>
+        </p:sp>
+        <p:sp>
+          <p:nvSpPr>
+            <p:cNvPr id="15" name="Oval 14">
+              <a:extLst>
+                <a:ext uri="{FF2B5EF4-FFF2-40B4-BE49-F238E27FC236}">
+                  <a16:creationId xmlns:a16="http://schemas.microsoft.com/office/drawing/2014/main" id="{2584E3AD-C6B5-D053-59EC-A9151886AAA4}"/>
+                </a:ext>
+              </a:extLst>
+            </p:cNvPr>
+            <p:cNvSpPr/>
+            <p:nvPr/>
+          </p:nvSpPr>
+          <p:spPr>
+            <a:xfrm>
+              <a:off x="1388548" y="2229865"/>
+              <a:ext cx="576152" cy="507455"/>
+            </a:xfrm>
+            <a:prstGeom prst="ellipse">
+              <a:avLst/>
+            </a:prstGeom>
+            <a:solidFill>
+              <a:srgbClr val="FFFC00">
+                <a:alpha val="41961"/>
+              </a:srgbClr>
+            </a:solidFill>
+            <a:ln w="12700" cap="flat" cmpd="sng" algn="ctr">
+              <a:noFill/>
+              <a:prstDash val="solid"/>
+              <a:miter lim="800000"/>
+            </a:ln>
+            <a:effectLst/>
+          </p:spPr>
+          <p:txBody>
+            <a:bodyPr rtlCol="0" anchor="ctr"/>
+            <a:lstStyle/>
+            <a:p>
+              <a:pPr marL="0" marR="0" lvl="0" indent="0" algn="ctr" defTabSz="457200" eaLnBrk="1" fontAlgn="auto" latinLnBrk="0" hangingPunct="1">
+                <a:lnSpc>
+                  <a:spcPct val="100000"/>
+                </a:lnSpc>
+                <a:spcBef>
+                  <a:spcPts val="0"/>
+                </a:spcBef>
+                <a:spcAft>
+                  <a:spcPts val="0"/>
+                </a:spcAft>
+                <a:buClrTx/>
+                <a:buSzTx/>
+                <a:buFontTx/>
+                <a:buNone/>
+                <a:tabLst/>
+                <a:defRPr/>
+              </a:pPr>
+              <a:endParaRPr kumimoji="0" lang="en-US" sz="1800" b="0" i="0" u="none" strike="noStrike" kern="0" cap="none" spc="0" normalizeH="0" baseline="0" noProof="0">
+                <a:ln>
+                  <a:noFill/>
+                </a:ln>
+                <a:solidFill>
+                  <a:prstClr val="white"/>
+                </a:solidFill>
+                <a:effectLst/>
+                <a:uLnTx/>
+                <a:uFillTx/>
+                <a:latin typeface="Calibri" panose="020F0502020204030204"/>
+                <a:ea typeface="+mn-ea"/>
+                <a:cs typeface="+mn-cs"/>
+              </a:endParaRPr>
+            </a:p>
+          </p:txBody>
+        </p:sp>
+        <p:sp>
+          <p:nvSpPr>
+            <p:cNvPr id="16" name="Oval 15">
+              <a:extLst>
+                <a:ext uri="{FF2B5EF4-FFF2-40B4-BE49-F238E27FC236}">
+                  <a16:creationId xmlns:a16="http://schemas.microsoft.com/office/drawing/2014/main" id="{F439A554-1D69-E159-85DB-896DC0129341}"/>
+                </a:ext>
+              </a:extLst>
+            </p:cNvPr>
+            <p:cNvSpPr/>
+            <p:nvPr/>
+          </p:nvSpPr>
+          <p:spPr>
+            <a:xfrm>
+              <a:off x="1552402" y="2144615"/>
+              <a:ext cx="576152" cy="507455"/>
+            </a:xfrm>
+            <a:prstGeom prst="ellipse">
+              <a:avLst/>
+            </a:prstGeom>
+            <a:solidFill>
+              <a:srgbClr val="FFFC00">
+                <a:alpha val="41961"/>
+              </a:srgbClr>
+            </a:solidFill>
+            <a:ln w="12700" cap="flat" cmpd="sng" algn="ctr">
+              <a:noFill/>
+              <a:prstDash val="solid"/>
+              <a:miter lim="800000"/>
+            </a:ln>
+            <a:effectLst/>
+          </p:spPr>
+          <p:txBody>
+            <a:bodyPr rtlCol="0" anchor="ctr"/>
+            <a:lstStyle/>
+            <a:p>
+              <a:pPr marL="0" marR="0" lvl="0" indent="0" algn="ctr" defTabSz="457200" eaLnBrk="1" fontAlgn="auto" latinLnBrk="0" hangingPunct="1">
+                <a:lnSpc>
+                  <a:spcPct val="100000"/>
+                </a:lnSpc>
+                <a:spcBef>
+                  <a:spcPts val="0"/>
+                </a:spcBef>
+                <a:spcAft>
+                  <a:spcPts val="0"/>
+                </a:spcAft>
+                <a:buClrTx/>
+                <a:buSzTx/>
+                <a:buFontTx/>
+                <a:buNone/>
+                <a:tabLst/>
+                <a:defRPr/>
+              </a:pPr>
+              <a:endParaRPr kumimoji="0" lang="en-US" sz="1800" b="0" i="0" u="none" strike="noStrike" kern="0" cap="none" spc="0" normalizeH="0" baseline="0" noProof="0">
+                <a:ln>
+                  <a:noFill/>
+                </a:ln>
+                <a:solidFill>
+                  <a:prstClr val="white"/>
+                </a:solidFill>
+                <a:effectLst/>
+                <a:uLnTx/>
+                <a:uFillTx/>
+                <a:latin typeface="Calibri" panose="020F0502020204030204"/>
+                <a:ea typeface="+mn-ea"/>
+                <a:cs typeface="+mn-cs"/>
+              </a:endParaRPr>
+            </a:p>
+          </p:txBody>
+        </p:sp>
+        <p:sp>
+          <p:nvSpPr>
+            <p:cNvPr id="17" name="Oval 16">
+              <a:extLst>
+                <a:ext uri="{FF2B5EF4-FFF2-40B4-BE49-F238E27FC236}">
+                  <a16:creationId xmlns:a16="http://schemas.microsoft.com/office/drawing/2014/main" id="{F125C9DE-FB4D-AE04-842C-B370272C892E}"/>
+                </a:ext>
+              </a:extLst>
+            </p:cNvPr>
+            <p:cNvSpPr/>
+            <p:nvPr/>
+          </p:nvSpPr>
+          <p:spPr>
+            <a:xfrm>
+              <a:off x="1444526" y="2127308"/>
+              <a:ext cx="576152" cy="507455"/>
+            </a:xfrm>
+            <a:prstGeom prst="ellipse">
+              <a:avLst/>
+            </a:prstGeom>
+            <a:solidFill>
+              <a:srgbClr val="FFFC00">
+                <a:alpha val="41961"/>
+              </a:srgbClr>
+            </a:solidFill>
+            <a:ln w="12700" cap="flat" cmpd="sng" algn="ctr">
+              <a:noFill/>
+              <a:prstDash val="solid"/>
+              <a:miter lim="800000"/>
+            </a:ln>
+            <a:effectLst/>
+          </p:spPr>
+          <p:txBody>
+            <a:bodyPr rtlCol="0" anchor="ctr"/>
+            <a:lstStyle/>
+            <a:p>
+              <a:pPr marL="0" marR="0" lvl="0" indent="0" algn="ctr" defTabSz="457200" eaLnBrk="1" fontAlgn="auto" latinLnBrk="0" hangingPunct="1">
+                <a:lnSpc>
+                  <a:spcPct val="100000"/>
+                </a:lnSpc>
+                <a:spcBef>
+                  <a:spcPts val="0"/>
+                </a:spcBef>
+                <a:spcAft>
+                  <a:spcPts val="0"/>
+                </a:spcAft>
+                <a:buClrTx/>
+                <a:buSzTx/>
+                <a:buFontTx/>
+                <a:buNone/>
+                <a:tabLst/>
+                <a:defRPr/>
+              </a:pPr>
+              <a:endParaRPr kumimoji="0" lang="en-US" sz="1800" b="0" i="0" u="none" strike="noStrike" kern="0" cap="none" spc="0" normalizeH="0" baseline="0" noProof="0">
+                <a:ln>
+                  <a:noFill/>
+                </a:ln>
+                <a:solidFill>
+                  <a:prstClr val="white"/>
+                </a:solidFill>
+                <a:effectLst/>
+                <a:uLnTx/>
+                <a:uFillTx/>
+                <a:latin typeface="Calibri" panose="020F0502020204030204"/>
+                <a:ea typeface="+mn-ea"/>
+                <a:cs typeface="+mn-cs"/>
+              </a:endParaRPr>
+            </a:p>
+          </p:txBody>
+        </p:sp>
+        <p:sp>
+          <p:nvSpPr>
+            <p:cNvPr id="18" name="Donut 17">
+              <a:extLst>
+                <a:ext uri="{FF2B5EF4-FFF2-40B4-BE49-F238E27FC236}">
+                  <a16:creationId xmlns:a16="http://schemas.microsoft.com/office/drawing/2014/main" id="{9D880B49-67B1-A822-69F9-0820BBBA7EB2}"/>
+                </a:ext>
+              </a:extLst>
+            </p:cNvPr>
+            <p:cNvSpPr/>
+            <p:nvPr/>
+          </p:nvSpPr>
+          <p:spPr>
+            <a:xfrm>
+              <a:off x="39496" y="71919"/>
+              <a:ext cx="4081718" cy="4019720"/>
+            </a:xfrm>
+            <a:prstGeom prst="donut">
+              <a:avLst>
+                <a:gd name="adj" fmla="val 3278"/>
+              </a:avLst>
+            </a:prstGeom>
+            <a:solidFill>
+              <a:srgbClr val="7C60C6">
+                <a:lumMod val="60000"/>
+                <a:lumOff val="40000"/>
+              </a:srgbClr>
+            </a:solidFill>
+            <a:ln w="12700" cap="flat" cmpd="sng" algn="ctr">
+              <a:solidFill>
+                <a:srgbClr val="7C60C6">
+                  <a:lumMod val="60000"/>
+                  <a:lumOff val="40000"/>
+                </a:srgbClr>
+              </a:solidFill>
+              <a:prstDash val="solid"/>
+              <a:miter lim="800000"/>
+            </a:ln>
+            <a:effectLst/>
+          </p:spPr>
+          <p:txBody>
+            <a:bodyPr rtlCol="0" anchor="ctr"/>
+            <a:lstStyle/>
+            <a:p>
+              <a:pPr marL="0" marR="0" lvl="0" indent="0" algn="ctr" defTabSz="914400" eaLnBrk="1" fontAlgn="auto" latinLnBrk="0" hangingPunct="1">
+                <a:lnSpc>
+                  <a:spcPct val="100000"/>
+                </a:lnSpc>
+                <a:spcBef>
+                  <a:spcPts val="0"/>
+                </a:spcBef>
+                <a:spcAft>
+                  <a:spcPts val="0"/>
+                </a:spcAft>
+                <a:buClrTx/>
+                <a:buSzTx/>
+                <a:buFontTx/>
+                <a:buNone/>
+                <a:tabLst/>
+                <a:defRPr/>
+              </a:pPr>
+              <a:endParaRPr kumimoji="0" lang="en-US" sz="1800" b="0" i="0" u="none" strike="noStrike" kern="0" cap="none" spc="0" normalizeH="0" baseline="0" noProof="0" dirty="0">
+                <a:ln>
+                  <a:noFill/>
+                </a:ln>
+                <a:solidFill>
+                  <a:prstClr val="white"/>
+                </a:solidFill>
+                <a:effectLst/>
+                <a:uLnTx/>
+                <a:uFillTx/>
+                <a:latin typeface="Calibri" panose="020F0502020204030204"/>
+                <a:ea typeface="+mn-ea"/>
+                <a:cs typeface="+mn-cs"/>
+              </a:endParaRPr>
+            </a:p>
+          </p:txBody>
+        </p:sp>
+      </p:grpSp>
       <p:sp>
         <p:nvSpPr>
           <p:cNvPr id="63" name="TextBox 62">
@@ -6060,7 +9207,7 @@
         </p:nvSpPr>
         <p:spPr>
           <a:xfrm>
-            <a:off x="-60283" y="1644657"/>
+            <a:off x="273284" y="1678300"/>
             <a:ext cx="449162" cy="369332"/>
           </a:xfrm>
           <a:prstGeom prst="rect">
@@ -6094,7 +9241,7 @@
           <p:nvPr/>
         </p:nvSpPr>
         <p:spPr>
-          <a:xfrm rot="18604604">
+          <a:xfrm rot="18591269">
             <a:off x="1230508" y="3112072"/>
             <a:ext cx="1596912" cy="261610"/>
           </a:xfrm>
@@ -6130,7 +9277,7 @@
         </p:nvSpPr>
         <p:spPr>
           <a:xfrm>
-            <a:off x="2770330" y="4098372"/>
+            <a:off x="2867374" y="3939657"/>
             <a:ext cx="360157" cy="261610"/>
           </a:xfrm>
           <a:prstGeom prst="rect">
@@ -6165,7 +9312,7 @@
         </p:nvSpPr>
         <p:spPr>
           <a:xfrm>
-            <a:off x="2974081" y="4198262"/>
+            <a:off x="3094986" y="4016601"/>
             <a:ext cx="291390" cy="369332"/>
           </a:xfrm>
           <a:prstGeom prst="rect">
@@ -6189,7 +9336,2662 @@
     </p:spTree>
     <p:extLst>
       <p:ext uri="{BB962C8B-B14F-4D97-AF65-F5344CB8AC3E}">
-        <p14:creationId xmlns:p14="http://schemas.microsoft.com/office/powerpoint/2010/main" val="1263188958"/>
+        <p14:creationId xmlns:p14="http://schemas.microsoft.com/office/powerpoint/2010/main" val="4209672219"/>
+      </p:ext>
+    </p:extLst>
+  </p:cSld>
+  <p:clrMapOvr>
+    <a:masterClrMapping/>
+  </p:clrMapOvr>
+</p:sld>
+</file>
+
+<file path=ppt/slides/slide3.xml><?xml version="1.0" encoding="utf-8"?>
+<p:sld xmlns:a="http://schemas.openxmlformats.org/drawingml/2006/main" xmlns:r="http://schemas.openxmlformats.org/officeDocument/2006/relationships" xmlns:p="http://schemas.openxmlformats.org/presentationml/2006/main">
+  <p:cSld>
+    <p:spTree>
+      <p:nvGrpSpPr>
+        <p:cNvPr id="1" name=""/>
+        <p:cNvGrpSpPr/>
+        <p:nvPr/>
+      </p:nvGrpSpPr>
+      <p:grpSpPr>
+        <a:xfrm>
+          <a:off x="0" y="0"/>
+          <a:ext cx="0" cy="0"/>
+          <a:chOff x="0" y="0"/>
+          <a:chExt cx="0" cy="0"/>
+        </a:xfrm>
+      </p:grpSpPr>
+      <p:grpSp>
+        <p:nvGrpSpPr>
+          <p:cNvPr id="3" name="Group 2">
+            <a:extLst>
+              <a:ext uri="{FF2B5EF4-FFF2-40B4-BE49-F238E27FC236}">
+                <a16:creationId xmlns:a16="http://schemas.microsoft.com/office/drawing/2014/main" id="{68578A78-4F33-AAF6-8678-37DEA4F1AB0B}"/>
+              </a:ext>
+            </a:extLst>
+          </p:cNvPr>
+          <p:cNvGrpSpPr/>
+          <p:nvPr/>
+        </p:nvGrpSpPr>
+        <p:grpSpPr>
+          <a:xfrm>
+            <a:off x="1531050" y="647502"/>
+            <a:ext cx="1509900" cy="1523552"/>
+            <a:chOff x="1531050" y="1142024"/>
+            <a:chExt cx="1509900" cy="1523552"/>
+          </a:xfrm>
+        </p:grpSpPr>
+        <p:grpSp>
+          <p:nvGrpSpPr>
+            <p:cNvPr id="34" name="Group 33">
+              <a:extLst>
+                <a:ext uri="{FF2B5EF4-FFF2-40B4-BE49-F238E27FC236}">
+                  <a16:creationId xmlns:a16="http://schemas.microsoft.com/office/drawing/2014/main" id="{A40C9A74-DCBE-C402-B95D-45C5E9AAAF4C}"/>
+                </a:ext>
+              </a:extLst>
+            </p:cNvPr>
+            <p:cNvGrpSpPr/>
+            <p:nvPr/>
+          </p:nvGrpSpPr>
+          <p:grpSpPr>
+            <a:xfrm>
+              <a:off x="1531050" y="1142024"/>
+              <a:ext cx="1509900" cy="1508292"/>
+              <a:chOff x="2973617" y="101639"/>
+              <a:chExt cx="6361414" cy="6354638"/>
+            </a:xfrm>
+          </p:grpSpPr>
+          <p:sp>
+            <p:nvSpPr>
+              <p:cNvPr id="35" name="Oval 34">
+                <a:extLst>
+                  <a:ext uri="{FF2B5EF4-FFF2-40B4-BE49-F238E27FC236}">
+                    <a16:creationId xmlns:a16="http://schemas.microsoft.com/office/drawing/2014/main" id="{C991AA70-4C59-6164-EF51-0BFD1D4DD52D}"/>
+                  </a:ext>
+                </a:extLst>
+              </p:cNvPr>
+              <p:cNvSpPr/>
+              <p:nvPr/>
+            </p:nvSpPr>
+            <p:spPr>
+              <a:xfrm>
+                <a:off x="3173878" y="273360"/>
+                <a:ext cx="5962059" cy="6011197"/>
+              </a:xfrm>
+              <a:prstGeom prst="ellipse">
+                <a:avLst/>
+              </a:prstGeom>
+              <a:solidFill>
+                <a:srgbClr val="99B9F1"/>
+              </a:solidFill>
+              <a:ln w="12700" cap="flat" cmpd="sng" algn="ctr">
+                <a:noFill/>
+                <a:prstDash val="solid"/>
+                <a:miter lim="800000"/>
+              </a:ln>
+              <a:effectLst/>
+            </p:spPr>
+            <p:txBody>
+              <a:bodyPr rtlCol="0" anchor="ctr"/>
+              <a:lstStyle/>
+              <a:p>
+                <a:pPr marL="0" marR="0" lvl="0" indent="0" algn="ctr" defTabSz="914400" eaLnBrk="1" fontAlgn="auto" latinLnBrk="0" hangingPunct="1">
+                  <a:lnSpc>
+                    <a:spcPct val="100000"/>
+                  </a:lnSpc>
+                  <a:spcBef>
+                    <a:spcPts val="0"/>
+                  </a:spcBef>
+                  <a:spcAft>
+                    <a:spcPts val="0"/>
+                  </a:spcAft>
+                  <a:buClrTx/>
+                  <a:buSzTx/>
+                  <a:buFontTx/>
+                  <a:buNone/>
+                  <a:tabLst/>
+                  <a:defRPr/>
+                </a:pPr>
+                <a:endParaRPr kumimoji="0" lang="en-US" sz="1800" b="0" i="0" u="none" strike="noStrike" kern="0" cap="none" spc="0" normalizeH="0" baseline="0" noProof="0">
+                  <a:ln>
+                    <a:noFill/>
+                  </a:ln>
+                  <a:solidFill>
+                    <a:prstClr val="white"/>
+                  </a:solidFill>
+                  <a:effectLst/>
+                  <a:uLnTx/>
+                  <a:uFillTx/>
+                  <a:latin typeface="Calibri" panose="020F0502020204030204"/>
+                  <a:ea typeface="+mn-ea"/>
+                  <a:cs typeface="+mn-cs"/>
+                </a:endParaRPr>
+              </a:p>
+            </p:txBody>
+          </p:sp>
+          <p:pic>
+            <p:nvPicPr>
+              <p:cNvPr id="36" name="Graphic 35">
+                <a:extLst>
+                  <a:ext uri="{FF2B5EF4-FFF2-40B4-BE49-F238E27FC236}">
+                    <a16:creationId xmlns:a16="http://schemas.microsoft.com/office/drawing/2014/main" id="{2E560A86-A20E-A46C-DE51-F568D2D1D412}"/>
+                  </a:ext>
+                </a:extLst>
+              </p:cNvPr>
+              <p:cNvPicPr>
+                <a:picLocks noChangeAspect="1"/>
+              </p:cNvPicPr>
+              <p:nvPr/>
+            </p:nvPicPr>
+            <p:blipFill rotWithShape="1">
+              <a:blip r:embed="rId3">
+                <a:extLst>
+                  <a:ext uri="{96DAC541-7B7A-43D3-8B79-37D633B846F1}">
+                    <asvg:svgBlip xmlns:asvg="http://schemas.microsoft.com/office/drawing/2016/SVG/main" r:embed="rId4"/>
+                  </a:ext>
+                </a:extLst>
+              </a:blip>
+              <a:srcRect l="7159" r="1059" b="16158"/>
+              <a:stretch/>
+            </p:blipFill>
+            <p:spPr>
+              <a:xfrm rot="20736077">
+                <a:off x="5091635" y="4627874"/>
+                <a:ext cx="3454482" cy="1586213"/>
+              </a:xfrm>
+              <a:prstGeom prst="ellipse">
+                <a:avLst/>
+              </a:prstGeom>
+            </p:spPr>
+          </p:pic>
+          <p:pic>
+            <p:nvPicPr>
+              <p:cNvPr id="37" name="Graphic 36">
+                <a:extLst>
+                  <a:ext uri="{FF2B5EF4-FFF2-40B4-BE49-F238E27FC236}">
+                    <a16:creationId xmlns:a16="http://schemas.microsoft.com/office/drawing/2014/main" id="{FB2938F6-CEE7-00F1-A2E3-019C905B4B44}"/>
+                  </a:ext>
+                </a:extLst>
+              </p:cNvPr>
+              <p:cNvPicPr>
+                <a:picLocks noChangeAspect="1"/>
+              </p:cNvPicPr>
+              <p:nvPr/>
+            </p:nvPicPr>
+            <p:blipFill rotWithShape="1">
+              <a:blip r:embed="rId3">
+                <a:extLst>
+                  <a:ext uri="{96DAC541-7B7A-43D3-8B79-37D633B846F1}">
+                    <asvg:svgBlip xmlns:asvg="http://schemas.microsoft.com/office/drawing/2016/SVG/main" r:embed="rId4"/>
+                  </a:ext>
+                </a:extLst>
+              </a:blip>
+              <a:srcRect b="23277"/>
+              <a:stretch/>
+            </p:blipFill>
+            <p:spPr>
+              <a:xfrm rot="1259360">
+                <a:off x="3624614" y="4825125"/>
+                <a:ext cx="3362021" cy="1296569"/>
+              </a:xfrm>
+              <a:prstGeom prst="ellipse">
+                <a:avLst/>
+              </a:prstGeom>
+            </p:spPr>
+          </p:pic>
+          <p:sp>
+            <p:nvSpPr>
+              <p:cNvPr id="38" name="Oval 37">
+                <a:extLst>
+                  <a:ext uri="{FF2B5EF4-FFF2-40B4-BE49-F238E27FC236}">
+                    <a16:creationId xmlns:a16="http://schemas.microsoft.com/office/drawing/2014/main" id="{BEA8A06B-464F-1A7B-A19D-4395E7341F7C}"/>
+                  </a:ext>
+                </a:extLst>
+              </p:cNvPr>
+              <p:cNvSpPr/>
+              <p:nvPr/>
+            </p:nvSpPr>
+            <p:spPr>
+              <a:xfrm>
+                <a:off x="6378530" y="2754942"/>
+                <a:ext cx="1856201" cy="1286526"/>
+              </a:xfrm>
+              <a:prstGeom prst="ellipse">
+                <a:avLst/>
+              </a:prstGeom>
+              <a:solidFill>
+                <a:srgbClr val="FFFC00">
+                  <a:alpha val="41961"/>
+                </a:srgbClr>
+              </a:solidFill>
+              <a:ln w="12700" cap="flat" cmpd="sng" algn="ctr">
+                <a:noFill/>
+                <a:prstDash val="solid"/>
+                <a:miter lim="800000"/>
+              </a:ln>
+              <a:effectLst/>
+            </p:spPr>
+            <p:txBody>
+              <a:bodyPr rtlCol="0" anchor="ctr"/>
+              <a:lstStyle/>
+              <a:p>
+                <a:pPr marL="0" marR="0" lvl="0" indent="0" algn="ctr" defTabSz="457200" eaLnBrk="1" fontAlgn="auto" latinLnBrk="0" hangingPunct="1">
+                  <a:lnSpc>
+                    <a:spcPct val="100000"/>
+                  </a:lnSpc>
+                  <a:spcBef>
+                    <a:spcPts val="0"/>
+                  </a:spcBef>
+                  <a:spcAft>
+                    <a:spcPts val="0"/>
+                  </a:spcAft>
+                  <a:buClrTx/>
+                  <a:buSzTx/>
+                  <a:buFontTx/>
+                  <a:buNone/>
+                  <a:tabLst/>
+                  <a:defRPr/>
+                </a:pPr>
+                <a:endParaRPr kumimoji="0" lang="en-US" sz="1800" b="0" i="0" u="none" strike="noStrike" kern="0" cap="none" spc="0" normalizeH="0" baseline="0" noProof="0">
+                  <a:ln>
+                    <a:noFill/>
+                  </a:ln>
+                  <a:solidFill>
+                    <a:prstClr val="white"/>
+                  </a:solidFill>
+                  <a:effectLst/>
+                  <a:uLnTx/>
+                  <a:uFillTx/>
+                  <a:latin typeface="Calibri" panose="020F0502020204030204"/>
+                  <a:ea typeface="+mn-ea"/>
+                  <a:cs typeface="+mn-cs"/>
+                </a:endParaRPr>
+              </a:p>
+            </p:txBody>
+          </p:sp>
+          <p:pic>
+            <p:nvPicPr>
+              <p:cNvPr id="39" name="Graphic 38">
+                <a:extLst>
+                  <a:ext uri="{FF2B5EF4-FFF2-40B4-BE49-F238E27FC236}">
+                    <a16:creationId xmlns:a16="http://schemas.microsoft.com/office/drawing/2014/main" id="{52A9B8A5-4BB0-0806-5DB1-BDF1D1457EA7}"/>
+                  </a:ext>
+                </a:extLst>
+              </p:cNvPr>
+              <p:cNvPicPr>
+                <a:picLocks noChangeAspect="1"/>
+              </p:cNvPicPr>
+              <p:nvPr/>
+            </p:nvPicPr>
+            <p:blipFill rotWithShape="1">
+              <a:blip r:embed="rId3">
+                <a:extLst>
+                  <a:ext uri="{96DAC541-7B7A-43D3-8B79-37D633B846F1}">
+                    <asvg:svgBlip xmlns:asvg="http://schemas.microsoft.com/office/drawing/2016/SVG/main" r:embed="rId4"/>
+                  </a:ext>
+                </a:extLst>
+              </a:blip>
+              <a:srcRect r="18914"/>
+              <a:stretch/>
+            </p:blipFill>
+            <p:spPr>
+              <a:xfrm rot="275343">
+                <a:off x="5803915" y="3487352"/>
+                <a:ext cx="3042420" cy="1886019"/>
+              </a:xfrm>
+              <a:prstGeom prst="ellipse">
+                <a:avLst/>
+              </a:prstGeom>
+            </p:spPr>
+          </p:pic>
+          <p:pic>
+            <p:nvPicPr>
+              <p:cNvPr id="40" name="Graphic 39">
+                <a:extLst>
+                  <a:ext uri="{FF2B5EF4-FFF2-40B4-BE49-F238E27FC236}">
+                    <a16:creationId xmlns:a16="http://schemas.microsoft.com/office/drawing/2014/main" id="{ADC24BE2-6899-7513-B114-39C701AFC5B8}"/>
+                  </a:ext>
+                </a:extLst>
+              </p:cNvPr>
+              <p:cNvPicPr>
+                <a:picLocks noChangeAspect="1"/>
+              </p:cNvPicPr>
+              <p:nvPr/>
+            </p:nvPicPr>
+            <p:blipFill rotWithShape="1">
+              <a:blip r:embed="rId3">
+                <a:extLst>
+                  <a:ext uri="{96DAC541-7B7A-43D3-8B79-37D633B846F1}">
+                    <asvg:svgBlip xmlns:asvg="http://schemas.microsoft.com/office/drawing/2016/SVG/main" r:embed="rId4"/>
+                  </a:ext>
+                </a:extLst>
+              </a:blip>
+              <a:srcRect l="11857"/>
+              <a:stretch/>
+            </p:blipFill>
+            <p:spPr>
+              <a:xfrm rot="21073709">
+                <a:off x="3644132" y="3748589"/>
+                <a:ext cx="3232764" cy="1843584"/>
+              </a:xfrm>
+              <a:prstGeom prst="ellipse">
+                <a:avLst/>
+              </a:prstGeom>
+            </p:spPr>
+          </p:pic>
+          <p:sp>
+            <p:nvSpPr>
+              <p:cNvPr id="41" name="Oval 40">
+                <a:extLst>
+                  <a:ext uri="{FF2B5EF4-FFF2-40B4-BE49-F238E27FC236}">
+                    <a16:creationId xmlns:a16="http://schemas.microsoft.com/office/drawing/2014/main" id="{9B488D0F-C5F9-E349-8108-372F71675142}"/>
+                  </a:ext>
+                </a:extLst>
+              </p:cNvPr>
+              <p:cNvSpPr/>
+              <p:nvPr/>
+            </p:nvSpPr>
+            <p:spPr>
+              <a:xfrm>
+                <a:off x="3253783" y="2723129"/>
+                <a:ext cx="1856201" cy="1286526"/>
+              </a:xfrm>
+              <a:prstGeom prst="ellipse">
+                <a:avLst/>
+              </a:prstGeom>
+              <a:solidFill>
+                <a:srgbClr val="FFFC00">
+                  <a:alpha val="41961"/>
+                </a:srgbClr>
+              </a:solidFill>
+              <a:ln w="12700" cap="flat" cmpd="sng" algn="ctr">
+                <a:noFill/>
+                <a:prstDash val="solid"/>
+                <a:miter lim="800000"/>
+              </a:ln>
+              <a:effectLst/>
+            </p:spPr>
+            <p:txBody>
+              <a:bodyPr rtlCol="0" anchor="ctr"/>
+              <a:lstStyle/>
+              <a:p>
+                <a:pPr marL="0" marR="0" lvl="0" indent="0" algn="ctr" defTabSz="457200" eaLnBrk="1" fontAlgn="auto" latinLnBrk="0" hangingPunct="1">
+                  <a:lnSpc>
+                    <a:spcPct val="100000"/>
+                  </a:lnSpc>
+                  <a:spcBef>
+                    <a:spcPts val="0"/>
+                  </a:spcBef>
+                  <a:spcAft>
+                    <a:spcPts val="0"/>
+                  </a:spcAft>
+                  <a:buClrTx/>
+                  <a:buSzTx/>
+                  <a:buFontTx/>
+                  <a:buNone/>
+                  <a:tabLst/>
+                  <a:defRPr/>
+                </a:pPr>
+                <a:endParaRPr kumimoji="0" lang="en-US" sz="1800" b="0" i="0" u="none" strike="noStrike" kern="0" cap="none" spc="0" normalizeH="0" baseline="0" noProof="0">
+                  <a:ln>
+                    <a:noFill/>
+                  </a:ln>
+                  <a:solidFill>
+                    <a:prstClr val="white"/>
+                  </a:solidFill>
+                  <a:effectLst/>
+                  <a:uLnTx/>
+                  <a:uFillTx/>
+                  <a:latin typeface="Calibri" panose="020F0502020204030204"/>
+                  <a:ea typeface="+mn-ea"/>
+                  <a:cs typeface="+mn-cs"/>
+                </a:endParaRPr>
+              </a:p>
+            </p:txBody>
+          </p:sp>
+          <p:sp>
+            <p:nvSpPr>
+              <p:cNvPr id="42" name="Oval 41">
+                <a:extLst>
+                  <a:ext uri="{FF2B5EF4-FFF2-40B4-BE49-F238E27FC236}">
+                    <a16:creationId xmlns:a16="http://schemas.microsoft.com/office/drawing/2014/main" id="{98E48657-C482-A348-72C1-EB734308A1BD}"/>
+                  </a:ext>
+                </a:extLst>
+              </p:cNvPr>
+              <p:cNvSpPr/>
+              <p:nvPr/>
+            </p:nvSpPr>
+            <p:spPr>
+              <a:xfrm>
+                <a:off x="5794800" y="2551668"/>
+                <a:ext cx="1856201" cy="1286526"/>
+              </a:xfrm>
+              <a:prstGeom prst="ellipse">
+                <a:avLst/>
+              </a:prstGeom>
+              <a:solidFill>
+                <a:srgbClr val="FFFC00">
+                  <a:alpha val="41961"/>
+                </a:srgbClr>
+              </a:solidFill>
+              <a:ln w="12700" cap="flat" cmpd="sng" algn="ctr">
+                <a:noFill/>
+                <a:prstDash val="solid"/>
+                <a:miter lim="800000"/>
+              </a:ln>
+              <a:effectLst/>
+            </p:spPr>
+            <p:txBody>
+              <a:bodyPr rtlCol="0" anchor="ctr"/>
+              <a:lstStyle/>
+              <a:p>
+                <a:pPr marL="0" marR="0" lvl="0" indent="0" algn="ctr" defTabSz="457200" eaLnBrk="1" fontAlgn="auto" latinLnBrk="0" hangingPunct="1">
+                  <a:lnSpc>
+                    <a:spcPct val="100000"/>
+                  </a:lnSpc>
+                  <a:spcBef>
+                    <a:spcPts val="0"/>
+                  </a:spcBef>
+                  <a:spcAft>
+                    <a:spcPts val="0"/>
+                  </a:spcAft>
+                  <a:buClrTx/>
+                  <a:buSzTx/>
+                  <a:buFontTx/>
+                  <a:buNone/>
+                  <a:tabLst/>
+                  <a:defRPr/>
+                </a:pPr>
+                <a:endParaRPr kumimoji="0" lang="en-US" sz="1800" b="0" i="0" u="none" strike="noStrike" kern="0" cap="none" spc="0" normalizeH="0" baseline="0" noProof="0">
+                  <a:ln>
+                    <a:noFill/>
+                  </a:ln>
+                  <a:solidFill>
+                    <a:prstClr val="white"/>
+                  </a:solidFill>
+                  <a:effectLst/>
+                  <a:uLnTx/>
+                  <a:uFillTx/>
+                  <a:latin typeface="Calibri" panose="020F0502020204030204"/>
+                  <a:ea typeface="+mn-ea"/>
+                  <a:cs typeface="+mn-cs"/>
+                </a:endParaRPr>
+              </a:p>
+            </p:txBody>
+          </p:sp>
+          <p:sp>
+            <p:nvSpPr>
+              <p:cNvPr id="43" name="Oval 42">
+                <a:extLst>
+                  <a:ext uri="{FF2B5EF4-FFF2-40B4-BE49-F238E27FC236}">
+                    <a16:creationId xmlns:a16="http://schemas.microsoft.com/office/drawing/2014/main" id="{0CA2AC01-BE32-9DA0-257E-89CE19F6DB88}"/>
+                  </a:ext>
+                </a:extLst>
+              </p:cNvPr>
+              <p:cNvSpPr/>
+              <p:nvPr/>
+            </p:nvSpPr>
+            <p:spPr>
+              <a:xfrm>
+                <a:off x="6750716" y="2277387"/>
+                <a:ext cx="1856201" cy="1286526"/>
+              </a:xfrm>
+              <a:prstGeom prst="ellipse">
+                <a:avLst/>
+              </a:prstGeom>
+              <a:solidFill>
+                <a:srgbClr val="FFFC00">
+                  <a:alpha val="41961"/>
+                </a:srgbClr>
+              </a:solidFill>
+              <a:ln w="12700" cap="flat" cmpd="sng" algn="ctr">
+                <a:noFill/>
+                <a:prstDash val="solid"/>
+                <a:miter lim="800000"/>
+              </a:ln>
+              <a:effectLst/>
+            </p:spPr>
+            <p:txBody>
+              <a:bodyPr rtlCol="0" anchor="ctr"/>
+              <a:lstStyle/>
+              <a:p>
+                <a:pPr marL="0" marR="0" lvl="0" indent="0" algn="ctr" defTabSz="457200" eaLnBrk="1" fontAlgn="auto" latinLnBrk="0" hangingPunct="1">
+                  <a:lnSpc>
+                    <a:spcPct val="100000"/>
+                  </a:lnSpc>
+                  <a:spcBef>
+                    <a:spcPts val="0"/>
+                  </a:spcBef>
+                  <a:spcAft>
+                    <a:spcPts val="0"/>
+                  </a:spcAft>
+                  <a:buClrTx/>
+                  <a:buSzTx/>
+                  <a:buFontTx/>
+                  <a:buNone/>
+                  <a:tabLst/>
+                  <a:defRPr/>
+                </a:pPr>
+                <a:endParaRPr kumimoji="0" lang="en-US" sz="1800" b="0" i="0" u="none" strike="noStrike" kern="0" cap="none" spc="0" normalizeH="0" baseline="0" noProof="0">
+                  <a:ln>
+                    <a:noFill/>
+                  </a:ln>
+                  <a:solidFill>
+                    <a:prstClr val="white"/>
+                  </a:solidFill>
+                  <a:effectLst/>
+                  <a:uLnTx/>
+                  <a:uFillTx/>
+                  <a:latin typeface="Calibri" panose="020F0502020204030204"/>
+                  <a:ea typeface="+mn-ea"/>
+                  <a:cs typeface="+mn-cs"/>
+                </a:endParaRPr>
+              </a:p>
+            </p:txBody>
+          </p:sp>
+          <p:sp>
+            <p:nvSpPr>
+              <p:cNvPr id="44" name="Oval 43">
+                <a:extLst>
+                  <a:ext uri="{FF2B5EF4-FFF2-40B4-BE49-F238E27FC236}">
+                    <a16:creationId xmlns:a16="http://schemas.microsoft.com/office/drawing/2014/main" id="{3AC6FE6E-3291-4FDF-2AE0-FF0E69ED8C60}"/>
+                  </a:ext>
+                </a:extLst>
+              </p:cNvPr>
+              <p:cNvSpPr/>
+              <p:nvPr/>
+            </p:nvSpPr>
+            <p:spPr>
+              <a:xfrm>
+                <a:off x="6207982" y="1938627"/>
+                <a:ext cx="1856201" cy="1286526"/>
+              </a:xfrm>
+              <a:prstGeom prst="ellipse">
+                <a:avLst/>
+              </a:prstGeom>
+              <a:solidFill>
+                <a:srgbClr val="FFFC00">
+                  <a:alpha val="41961"/>
+                </a:srgbClr>
+              </a:solidFill>
+              <a:ln w="12700" cap="flat" cmpd="sng" algn="ctr">
+                <a:noFill/>
+                <a:prstDash val="solid"/>
+                <a:miter lim="800000"/>
+              </a:ln>
+              <a:effectLst/>
+            </p:spPr>
+            <p:txBody>
+              <a:bodyPr rtlCol="0" anchor="ctr"/>
+              <a:lstStyle/>
+              <a:p>
+                <a:pPr marL="0" marR="0" lvl="0" indent="0" algn="ctr" defTabSz="457200" eaLnBrk="1" fontAlgn="auto" latinLnBrk="0" hangingPunct="1">
+                  <a:lnSpc>
+                    <a:spcPct val="100000"/>
+                  </a:lnSpc>
+                  <a:spcBef>
+                    <a:spcPts val="0"/>
+                  </a:spcBef>
+                  <a:spcAft>
+                    <a:spcPts val="0"/>
+                  </a:spcAft>
+                  <a:buClrTx/>
+                  <a:buSzTx/>
+                  <a:buFontTx/>
+                  <a:buNone/>
+                  <a:tabLst/>
+                  <a:defRPr/>
+                </a:pPr>
+                <a:endParaRPr kumimoji="0" lang="en-US" sz="1800" b="0" i="0" u="none" strike="noStrike" kern="0" cap="none" spc="0" normalizeH="0" baseline="0" noProof="0">
+                  <a:ln>
+                    <a:noFill/>
+                  </a:ln>
+                  <a:solidFill>
+                    <a:prstClr val="white"/>
+                  </a:solidFill>
+                  <a:effectLst/>
+                  <a:uLnTx/>
+                  <a:uFillTx/>
+                  <a:latin typeface="Calibri" panose="020F0502020204030204"/>
+                  <a:ea typeface="+mn-ea"/>
+                  <a:cs typeface="+mn-cs"/>
+                </a:endParaRPr>
+              </a:p>
+            </p:txBody>
+          </p:sp>
+          <p:pic>
+            <p:nvPicPr>
+              <p:cNvPr id="45" name="Picture 44" descr="A cartoon of a crab&#10;&#10;Description automatically generated">
+                <a:extLst>
+                  <a:ext uri="{FF2B5EF4-FFF2-40B4-BE49-F238E27FC236}">
+                    <a16:creationId xmlns:a16="http://schemas.microsoft.com/office/drawing/2014/main" id="{1FB55244-CCB6-6511-D643-C1039E460D45}"/>
+                  </a:ext>
+                </a:extLst>
+              </p:cNvPr>
+              <p:cNvPicPr>
+                <a:picLocks noChangeAspect="1"/>
+              </p:cNvPicPr>
+              <p:nvPr/>
+            </p:nvPicPr>
+            <p:blipFill>
+              <a:blip r:embed="rId5"/>
+              <a:stretch>
+                <a:fillRect/>
+              </a:stretch>
+            </p:blipFill>
+            <p:spPr>
+              <a:xfrm>
+                <a:off x="3485304" y="3930998"/>
+                <a:ext cx="2069926" cy="1307616"/>
+              </a:xfrm>
+              <a:prstGeom prst="rect">
+                <a:avLst/>
+              </a:prstGeom>
+            </p:spPr>
+          </p:pic>
+          <p:pic>
+            <p:nvPicPr>
+              <p:cNvPr id="46" name="Picture 45" descr="A red and orange creature with spikes&#10;&#10;Description automatically generated">
+                <a:extLst>
+                  <a:ext uri="{FF2B5EF4-FFF2-40B4-BE49-F238E27FC236}">
+                    <a16:creationId xmlns:a16="http://schemas.microsoft.com/office/drawing/2014/main" id="{E32ADDD1-10CF-827A-F931-C56BFE289C33}"/>
+                  </a:ext>
+                </a:extLst>
+              </p:cNvPr>
+              <p:cNvPicPr>
+                <a:picLocks noChangeAspect="1"/>
+              </p:cNvPicPr>
+              <p:nvPr/>
+            </p:nvPicPr>
+            <p:blipFill rotWithShape="1">
+              <a:blip r:embed="rId6"/>
+              <a:srcRect l="24381" t="4893" r="18630" b="23779"/>
+              <a:stretch/>
+            </p:blipFill>
+            <p:spPr>
+              <a:xfrm rot="19999024">
+                <a:off x="6348571" y="4407417"/>
+                <a:ext cx="2709926" cy="890747"/>
+              </a:xfrm>
+              <a:prstGeom prst="rect">
+                <a:avLst/>
+              </a:prstGeom>
+            </p:spPr>
+          </p:pic>
+          <p:sp>
+            <p:nvSpPr>
+              <p:cNvPr id="47" name="Donut 46">
+                <a:extLst>
+                  <a:ext uri="{FF2B5EF4-FFF2-40B4-BE49-F238E27FC236}">
+                    <a16:creationId xmlns:a16="http://schemas.microsoft.com/office/drawing/2014/main" id="{43A79791-A8FC-925A-6C0E-D58A5930B122}"/>
+                  </a:ext>
+                </a:extLst>
+              </p:cNvPr>
+              <p:cNvSpPr/>
+              <p:nvPr/>
+            </p:nvSpPr>
+            <p:spPr>
+              <a:xfrm>
+                <a:off x="2973617" y="101639"/>
+                <a:ext cx="6361414" cy="6354638"/>
+              </a:xfrm>
+              <a:prstGeom prst="donut">
+                <a:avLst>
+                  <a:gd name="adj" fmla="val 3278"/>
+                </a:avLst>
+              </a:prstGeom>
+              <a:solidFill>
+                <a:srgbClr val="7C60C6">
+                  <a:lumMod val="50000"/>
+                </a:srgbClr>
+              </a:solidFill>
+              <a:ln w="12700" cap="flat" cmpd="sng" algn="ctr">
+                <a:solidFill>
+                  <a:srgbClr val="7C60C6">
+                    <a:lumMod val="50000"/>
+                  </a:srgbClr>
+                </a:solidFill>
+                <a:prstDash val="solid"/>
+                <a:miter lim="800000"/>
+              </a:ln>
+              <a:effectLst/>
+            </p:spPr>
+            <p:txBody>
+              <a:bodyPr rtlCol="0" anchor="ctr"/>
+              <a:lstStyle/>
+              <a:p>
+                <a:pPr marL="0" marR="0" lvl="0" indent="0" algn="ctr" defTabSz="914400" eaLnBrk="1" fontAlgn="auto" latinLnBrk="0" hangingPunct="1">
+                  <a:lnSpc>
+                    <a:spcPct val="100000"/>
+                  </a:lnSpc>
+                  <a:spcBef>
+                    <a:spcPts val="0"/>
+                  </a:spcBef>
+                  <a:spcAft>
+                    <a:spcPts val="0"/>
+                  </a:spcAft>
+                  <a:buClrTx/>
+                  <a:buSzTx/>
+                  <a:buFontTx/>
+                  <a:buNone/>
+                  <a:tabLst/>
+                  <a:defRPr/>
+                </a:pPr>
+                <a:endParaRPr kumimoji="0" lang="en-US" sz="1800" b="0" i="0" u="none" strike="noStrike" kern="0" cap="none" spc="0" normalizeH="0" baseline="0" noProof="0">
+                  <a:ln>
+                    <a:noFill/>
+                  </a:ln>
+                  <a:solidFill>
+                    <a:prstClr val="white"/>
+                  </a:solidFill>
+                  <a:effectLst/>
+                  <a:uLnTx/>
+                  <a:uFillTx/>
+                  <a:latin typeface="Calibri" panose="020F0502020204030204"/>
+                  <a:ea typeface="+mn-ea"/>
+                  <a:cs typeface="+mn-cs"/>
+                </a:endParaRPr>
+              </a:p>
+            </p:txBody>
+          </p:sp>
+          <p:pic>
+            <p:nvPicPr>
+              <p:cNvPr id="48" name="Picture 47" descr="A cartoon of a crab&#10;&#10;Description automatically generated">
+                <a:extLst>
+                  <a:ext uri="{FF2B5EF4-FFF2-40B4-BE49-F238E27FC236}">
+                    <a16:creationId xmlns:a16="http://schemas.microsoft.com/office/drawing/2014/main" id="{DE14BBE5-B68D-6B76-829F-91394958FA04}"/>
+                  </a:ext>
+                </a:extLst>
+              </p:cNvPr>
+              <p:cNvPicPr>
+                <a:picLocks noChangeAspect="1"/>
+              </p:cNvPicPr>
+              <p:nvPr/>
+            </p:nvPicPr>
+            <p:blipFill>
+              <a:blip r:embed="rId5"/>
+              <a:stretch>
+                <a:fillRect/>
+              </a:stretch>
+            </p:blipFill>
+            <p:spPr>
+              <a:xfrm>
+                <a:off x="6169568" y="3158931"/>
+                <a:ext cx="2054046" cy="1623788"/>
+              </a:xfrm>
+              <a:prstGeom prst="rect">
+                <a:avLst/>
+              </a:prstGeom>
+            </p:spPr>
+          </p:pic>
+          <p:pic>
+            <p:nvPicPr>
+              <p:cNvPr id="49" name="Picture 48" descr="A cartoon of a crab&#10;&#10;Description automatically generated">
+                <a:extLst>
+                  <a:ext uri="{FF2B5EF4-FFF2-40B4-BE49-F238E27FC236}">
+                    <a16:creationId xmlns:a16="http://schemas.microsoft.com/office/drawing/2014/main" id="{7F9B7539-0E67-3377-9C93-A1D2CA5D9B34}"/>
+                  </a:ext>
+                </a:extLst>
+              </p:cNvPr>
+              <p:cNvPicPr>
+                <a:picLocks noChangeAspect="1"/>
+              </p:cNvPicPr>
+              <p:nvPr/>
+            </p:nvPicPr>
+            <p:blipFill>
+              <a:blip r:embed="rId5"/>
+              <a:stretch>
+                <a:fillRect/>
+              </a:stretch>
+            </p:blipFill>
+            <p:spPr>
+              <a:xfrm>
+                <a:off x="6074460" y="3935177"/>
+                <a:ext cx="1654097" cy="1307616"/>
+              </a:xfrm>
+              <a:prstGeom prst="rect">
+                <a:avLst/>
+              </a:prstGeom>
+            </p:spPr>
+          </p:pic>
+        </p:grpSp>
+        <p:sp>
+          <p:nvSpPr>
+            <p:cNvPr id="62" name="TextBox 61">
+              <a:extLst>
+                <a:ext uri="{FF2B5EF4-FFF2-40B4-BE49-F238E27FC236}">
+                  <a16:creationId xmlns:a16="http://schemas.microsoft.com/office/drawing/2014/main" id="{3CD0C518-DA80-A031-E247-AB3CF3D5F06A}"/>
+                </a:ext>
+              </a:extLst>
+            </p:cNvPr>
+            <p:cNvSpPr txBox="1"/>
+            <p:nvPr/>
+          </p:nvSpPr>
+          <p:spPr>
+            <a:xfrm>
+              <a:off x="2033794" y="2296244"/>
+              <a:ext cx="551754" cy="369332"/>
+            </a:xfrm>
+            <a:prstGeom prst="rect">
+              <a:avLst/>
+            </a:prstGeom>
+            <a:noFill/>
+          </p:spPr>
+          <p:txBody>
+            <a:bodyPr wrap="none" rtlCol="0">
+              <a:spAutoFit/>
+            </a:bodyPr>
+            <a:lstStyle/>
+            <a:p>
+              <a:r>
+                <a:rPr lang="en-US" dirty="0"/>
+                <a:t>2 m</a:t>
+              </a:r>
+            </a:p>
+          </p:txBody>
+        </p:sp>
+      </p:grpSp>
+    </p:spTree>
+    <p:extLst>
+      <p:ext uri="{BB962C8B-B14F-4D97-AF65-F5344CB8AC3E}">
+        <p14:creationId xmlns:p14="http://schemas.microsoft.com/office/powerpoint/2010/main" val="2309578548"/>
+      </p:ext>
+    </p:extLst>
+  </p:cSld>
+  <p:clrMapOvr>
+    <a:masterClrMapping/>
+  </p:clrMapOvr>
+</p:sld>
+</file>
+
+<file path=ppt/slides/slide4.xml><?xml version="1.0" encoding="utf-8"?>
+<p:sld xmlns:a="http://schemas.openxmlformats.org/drawingml/2006/main" xmlns:r="http://schemas.openxmlformats.org/officeDocument/2006/relationships" xmlns:p="http://schemas.openxmlformats.org/presentationml/2006/main">
+  <p:cSld>
+    <p:spTree>
+      <p:nvGrpSpPr>
+        <p:cNvPr id="1" name=""/>
+        <p:cNvGrpSpPr/>
+        <p:nvPr/>
+      </p:nvGrpSpPr>
+      <p:grpSpPr>
+        <a:xfrm>
+          <a:off x="0" y="0"/>
+          <a:ext cx="0" cy="0"/>
+          <a:chOff x="0" y="0"/>
+          <a:chExt cx="0" cy="0"/>
+        </a:xfrm>
+      </p:grpSpPr>
+      <p:grpSp>
+        <p:nvGrpSpPr>
+          <p:cNvPr id="2" name="Group 1">
+            <a:extLst>
+              <a:ext uri="{FF2B5EF4-FFF2-40B4-BE49-F238E27FC236}">
+                <a16:creationId xmlns:a16="http://schemas.microsoft.com/office/drawing/2014/main" id="{CEF4E205-4A7C-A830-4616-65323EFB436A}"/>
+              </a:ext>
+            </a:extLst>
+          </p:cNvPr>
+          <p:cNvGrpSpPr/>
+          <p:nvPr/>
+        </p:nvGrpSpPr>
+        <p:grpSpPr>
+          <a:xfrm>
+            <a:off x="1376457" y="1229764"/>
+            <a:ext cx="1487056" cy="1515023"/>
+            <a:chOff x="1535077" y="100458"/>
+            <a:chExt cx="1487056" cy="1515023"/>
+          </a:xfrm>
+        </p:grpSpPr>
+        <p:grpSp>
+          <p:nvGrpSpPr>
+            <p:cNvPr id="19" name="Group 18">
+              <a:extLst>
+                <a:ext uri="{FF2B5EF4-FFF2-40B4-BE49-F238E27FC236}">
+                  <a16:creationId xmlns:a16="http://schemas.microsoft.com/office/drawing/2014/main" id="{87DA3B82-AB83-F6C3-0802-2ECB08B555D1}"/>
+                </a:ext>
+              </a:extLst>
+            </p:cNvPr>
+            <p:cNvGrpSpPr/>
+            <p:nvPr/>
+          </p:nvGrpSpPr>
+          <p:grpSpPr>
+            <a:xfrm>
+              <a:off x="1535077" y="100458"/>
+              <a:ext cx="1487056" cy="1508291"/>
+              <a:chOff x="4050315" y="1313042"/>
+              <a:chExt cx="4046410" cy="4038717"/>
+            </a:xfrm>
+          </p:grpSpPr>
+          <p:sp>
+            <p:nvSpPr>
+              <p:cNvPr id="20" name="Oval 19">
+                <a:extLst>
+                  <a:ext uri="{FF2B5EF4-FFF2-40B4-BE49-F238E27FC236}">
+                    <a16:creationId xmlns:a16="http://schemas.microsoft.com/office/drawing/2014/main" id="{88395801-C70D-4C4B-DAF1-A5ABA916B457}"/>
+                  </a:ext>
+                </a:extLst>
+              </p:cNvPr>
+              <p:cNvSpPr/>
+              <p:nvPr/>
+            </p:nvSpPr>
+            <p:spPr>
+              <a:xfrm>
+                <a:off x="4194159" y="1431936"/>
+                <a:ext cx="3771812" cy="3802898"/>
+              </a:xfrm>
+              <a:prstGeom prst="ellipse">
+                <a:avLst/>
+              </a:prstGeom>
+              <a:solidFill>
+                <a:srgbClr val="99B9F1"/>
+              </a:solidFill>
+              <a:ln w="12700" cap="flat" cmpd="sng" algn="ctr">
+                <a:noFill/>
+                <a:prstDash val="solid"/>
+                <a:miter lim="800000"/>
+              </a:ln>
+              <a:effectLst/>
+            </p:spPr>
+            <p:txBody>
+              <a:bodyPr rtlCol="0" anchor="ctr"/>
+              <a:lstStyle/>
+              <a:p>
+                <a:pPr marL="0" marR="0" lvl="0" indent="0" algn="ctr" defTabSz="914400" eaLnBrk="1" fontAlgn="auto" latinLnBrk="0" hangingPunct="1">
+                  <a:lnSpc>
+                    <a:spcPct val="100000"/>
+                  </a:lnSpc>
+                  <a:spcBef>
+                    <a:spcPts val="0"/>
+                  </a:spcBef>
+                  <a:spcAft>
+                    <a:spcPts val="0"/>
+                  </a:spcAft>
+                  <a:buClrTx/>
+                  <a:buSzTx/>
+                  <a:buFontTx/>
+                  <a:buNone/>
+                  <a:tabLst/>
+                  <a:defRPr/>
+                </a:pPr>
+                <a:endParaRPr kumimoji="0" lang="en-US" sz="1800" b="0" i="0" u="none" strike="noStrike" kern="0" cap="none" spc="0" normalizeH="0" baseline="0" noProof="0">
+                  <a:ln>
+                    <a:noFill/>
+                  </a:ln>
+                  <a:solidFill>
+                    <a:prstClr val="white"/>
+                  </a:solidFill>
+                  <a:effectLst/>
+                  <a:uLnTx/>
+                  <a:uFillTx/>
+                  <a:latin typeface="Calibri" panose="020F0502020204030204"/>
+                  <a:ea typeface="+mn-ea"/>
+                  <a:cs typeface="+mn-cs"/>
+                </a:endParaRPr>
+              </a:p>
+            </p:txBody>
+          </p:sp>
+          <p:sp>
+            <p:nvSpPr>
+              <p:cNvPr id="21" name="Oval 20">
+                <a:extLst>
+                  <a:ext uri="{FF2B5EF4-FFF2-40B4-BE49-F238E27FC236}">
+                    <a16:creationId xmlns:a16="http://schemas.microsoft.com/office/drawing/2014/main" id="{2FC940C9-C533-D8B7-072B-163A1973A99D}"/>
+                  </a:ext>
+                </a:extLst>
+              </p:cNvPr>
+              <p:cNvSpPr/>
+              <p:nvPr/>
+            </p:nvSpPr>
+            <p:spPr>
+              <a:xfrm flipH="1">
+                <a:off x="4524009" y="2499921"/>
+                <a:ext cx="1538011" cy="1064813"/>
+              </a:xfrm>
+              <a:prstGeom prst="ellipse">
+                <a:avLst/>
+              </a:prstGeom>
+              <a:solidFill>
+                <a:srgbClr val="FFFC00">
+                  <a:alpha val="41961"/>
+                </a:srgbClr>
+              </a:solidFill>
+              <a:ln w="12700" cap="flat" cmpd="sng" algn="ctr">
+                <a:noFill/>
+                <a:prstDash val="solid"/>
+                <a:miter lim="800000"/>
+              </a:ln>
+              <a:effectLst/>
+            </p:spPr>
+            <p:txBody>
+              <a:bodyPr rtlCol="0" anchor="ctr"/>
+              <a:lstStyle/>
+              <a:p>
+                <a:pPr marL="0" marR="0" lvl="0" indent="0" algn="ctr" defTabSz="457200" eaLnBrk="1" fontAlgn="auto" latinLnBrk="0" hangingPunct="1">
+                  <a:lnSpc>
+                    <a:spcPct val="100000"/>
+                  </a:lnSpc>
+                  <a:spcBef>
+                    <a:spcPts val="0"/>
+                  </a:spcBef>
+                  <a:spcAft>
+                    <a:spcPts val="0"/>
+                  </a:spcAft>
+                  <a:buClrTx/>
+                  <a:buSzTx/>
+                  <a:buFontTx/>
+                  <a:buNone/>
+                  <a:tabLst/>
+                  <a:defRPr/>
+                </a:pPr>
+                <a:endParaRPr kumimoji="0" lang="en-US" sz="1800" b="0" i="0" u="none" strike="noStrike" kern="0" cap="none" spc="0" normalizeH="0" baseline="0" noProof="0">
+                  <a:ln>
+                    <a:noFill/>
+                  </a:ln>
+                  <a:solidFill>
+                    <a:prstClr val="white"/>
+                  </a:solidFill>
+                  <a:effectLst/>
+                  <a:uLnTx/>
+                  <a:uFillTx/>
+                  <a:latin typeface="Calibri" panose="020F0502020204030204"/>
+                  <a:ea typeface="+mn-ea"/>
+                  <a:cs typeface="+mn-cs"/>
+                </a:endParaRPr>
+              </a:p>
+            </p:txBody>
+          </p:sp>
+          <p:pic>
+            <p:nvPicPr>
+              <p:cNvPr id="22" name="Graphic 21">
+                <a:extLst>
+                  <a:ext uri="{FF2B5EF4-FFF2-40B4-BE49-F238E27FC236}">
+                    <a16:creationId xmlns:a16="http://schemas.microsoft.com/office/drawing/2014/main" id="{8B92F33B-C2D8-7178-30EB-15D22740B04B}"/>
+                  </a:ext>
+                </a:extLst>
+              </p:cNvPr>
+              <p:cNvPicPr>
+                <a:picLocks noChangeAspect="1"/>
+              </p:cNvPicPr>
+              <p:nvPr/>
+            </p:nvPicPr>
+            <p:blipFill rotWithShape="1">
+              <a:blip r:embed="rId3">
+                <a:extLst>
+                  <a:ext uri="{96DAC541-7B7A-43D3-8B79-37D633B846F1}">
+                    <asvg:svgBlip xmlns:asvg="http://schemas.microsoft.com/office/drawing/2016/SVG/main" r:embed="rId4"/>
+                  </a:ext>
+                </a:extLst>
+              </a:blip>
+              <a:srcRect b="30924"/>
+              <a:stretch/>
+            </p:blipFill>
+            <p:spPr>
+              <a:xfrm rot="2067891" flipH="1">
+                <a:off x="4326529" y="4366388"/>
+                <a:ext cx="1508600" cy="523810"/>
+              </a:xfrm>
+              <a:prstGeom prst="ellipse">
+                <a:avLst/>
+              </a:prstGeom>
+            </p:spPr>
+          </p:pic>
+          <p:sp>
+            <p:nvSpPr>
+              <p:cNvPr id="23" name="Oval 22">
+                <a:extLst>
+                  <a:ext uri="{FF2B5EF4-FFF2-40B4-BE49-F238E27FC236}">
+                    <a16:creationId xmlns:a16="http://schemas.microsoft.com/office/drawing/2014/main" id="{9C62B08E-9944-231D-1B70-D67D345F2F37}"/>
+                  </a:ext>
+                </a:extLst>
+              </p:cNvPr>
+              <p:cNvSpPr/>
+              <p:nvPr/>
+            </p:nvSpPr>
+            <p:spPr>
+              <a:xfrm flipH="1">
+                <a:off x="4762658" y="2191601"/>
+                <a:ext cx="1538010" cy="1064813"/>
+              </a:xfrm>
+              <a:prstGeom prst="ellipse">
+                <a:avLst/>
+              </a:prstGeom>
+              <a:solidFill>
+                <a:srgbClr val="FFFC00">
+                  <a:alpha val="41961"/>
+                </a:srgbClr>
+              </a:solidFill>
+              <a:ln w="12700" cap="flat" cmpd="sng" algn="ctr">
+                <a:noFill/>
+                <a:prstDash val="solid"/>
+                <a:miter lim="800000"/>
+              </a:ln>
+              <a:effectLst/>
+            </p:spPr>
+            <p:txBody>
+              <a:bodyPr rtlCol="0" anchor="ctr"/>
+              <a:lstStyle/>
+              <a:p>
+                <a:pPr marL="0" marR="0" lvl="0" indent="0" algn="ctr" defTabSz="457200" eaLnBrk="1" fontAlgn="auto" latinLnBrk="0" hangingPunct="1">
+                  <a:lnSpc>
+                    <a:spcPct val="100000"/>
+                  </a:lnSpc>
+                  <a:spcBef>
+                    <a:spcPts val="0"/>
+                  </a:spcBef>
+                  <a:spcAft>
+                    <a:spcPts val="0"/>
+                  </a:spcAft>
+                  <a:buClrTx/>
+                  <a:buSzTx/>
+                  <a:buFontTx/>
+                  <a:buNone/>
+                  <a:tabLst/>
+                  <a:defRPr/>
+                </a:pPr>
+                <a:endParaRPr kumimoji="0" lang="en-US" sz="1800" b="0" i="0" u="none" strike="noStrike" kern="0" cap="none" spc="0" normalizeH="0" baseline="0" noProof="0">
+                  <a:ln>
+                    <a:noFill/>
+                  </a:ln>
+                  <a:solidFill>
+                    <a:prstClr val="white"/>
+                  </a:solidFill>
+                  <a:effectLst/>
+                  <a:uLnTx/>
+                  <a:uFillTx/>
+                  <a:latin typeface="Calibri" panose="020F0502020204030204"/>
+                  <a:ea typeface="+mn-ea"/>
+                  <a:cs typeface="+mn-cs"/>
+                </a:endParaRPr>
+              </a:p>
+            </p:txBody>
+          </p:sp>
+          <p:sp>
+            <p:nvSpPr>
+              <p:cNvPr id="24" name="Oval 23">
+                <a:extLst>
+                  <a:ext uri="{FF2B5EF4-FFF2-40B4-BE49-F238E27FC236}">
+                    <a16:creationId xmlns:a16="http://schemas.microsoft.com/office/drawing/2014/main" id="{B55E409B-8F1F-18FD-BECE-8D57BC38B171}"/>
+                  </a:ext>
+                </a:extLst>
+              </p:cNvPr>
+              <p:cNvSpPr/>
+              <p:nvPr/>
+            </p:nvSpPr>
+            <p:spPr>
+              <a:xfrm flipH="1">
+                <a:off x="4451064" y="2258315"/>
+                <a:ext cx="1538011" cy="1064813"/>
+              </a:xfrm>
+              <a:prstGeom prst="ellipse">
+                <a:avLst/>
+              </a:prstGeom>
+              <a:solidFill>
+                <a:srgbClr val="FFFC00">
+                  <a:alpha val="41961"/>
+                </a:srgbClr>
+              </a:solidFill>
+              <a:ln w="12700" cap="flat" cmpd="sng" algn="ctr">
+                <a:noFill/>
+                <a:prstDash val="solid"/>
+                <a:miter lim="800000"/>
+              </a:ln>
+              <a:effectLst/>
+            </p:spPr>
+            <p:txBody>
+              <a:bodyPr rtlCol="0" anchor="ctr"/>
+              <a:lstStyle/>
+              <a:p>
+                <a:pPr marL="0" marR="0" lvl="0" indent="0" algn="ctr" defTabSz="457200" eaLnBrk="1" fontAlgn="auto" latinLnBrk="0" hangingPunct="1">
+                  <a:lnSpc>
+                    <a:spcPct val="100000"/>
+                  </a:lnSpc>
+                  <a:spcBef>
+                    <a:spcPts val="0"/>
+                  </a:spcBef>
+                  <a:spcAft>
+                    <a:spcPts val="0"/>
+                  </a:spcAft>
+                  <a:buClrTx/>
+                  <a:buSzTx/>
+                  <a:buFontTx/>
+                  <a:buNone/>
+                  <a:tabLst/>
+                  <a:defRPr/>
+                </a:pPr>
+                <a:endParaRPr kumimoji="0" lang="en-US" sz="1800" b="0" i="0" u="none" strike="noStrike" kern="0" cap="none" spc="0" normalizeH="0" baseline="0" noProof="0">
+                  <a:ln>
+                    <a:noFill/>
+                  </a:ln>
+                  <a:solidFill>
+                    <a:prstClr val="white"/>
+                  </a:solidFill>
+                  <a:effectLst/>
+                  <a:uLnTx/>
+                  <a:uFillTx/>
+                  <a:latin typeface="Calibri" panose="020F0502020204030204"/>
+                  <a:ea typeface="+mn-ea"/>
+                  <a:cs typeface="+mn-cs"/>
+                </a:endParaRPr>
+              </a:p>
+            </p:txBody>
+          </p:sp>
+          <p:sp>
+            <p:nvSpPr>
+              <p:cNvPr id="25" name="Oval 24">
+                <a:extLst>
+                  <a:ext uri="{FF2B5EF4-FFF2-40B4-BE49-F238E27FC236}">
+                    <a16:creationId xmlns:a16="http://schemas.microsoft.com/office/drawing/2014/main" id="{2C7825B5-9566-4CF8-475D-59912EBF7E1A}"/>
+                  </a:ext>
+                </a:extLst>
+              </p:cNvPr>
+              <p:cNvSpPr/>
+              <p:nvPr/>
+            </p:nvSpPr>
+            <p:spPr>
+              <a:xfrm rot="21002951">
+                <a:off x="6275351" y="2773193"/>
+                <a:ext cx="1497877" cy="1065453"/>
+              </a:xfrm>
+              <a:prstGeom prst="ellipse">
+                <a:avLst/>
+              </a:prstGeom>
+              <a:solidFill>
+                <a:srgbClr val="FFFC00">
+                  <a:alpha val="41961"/>
+                </a:srgbClr>
+              </a:solidFill>
+              <a:ln w="12700" cap="flat" cmpd="sng" algn="ctr">
+                <a:noFill/>
+                <a:prstDash val="solid"/>
+                <a:miter lim="800000"/>
+              </a:ln>
+              <a:effectLst/>
+            </p:spPr>
+            <p:txBody>
+              <a:bodyPr rtlCol="0" anchor="ctr"/>
+              <a:lstStyle/>
+              <a:p>
+                <a:pPr marL="0" marR="0" lvl="0" indent="0" algn="ctr" defTabSz="457200" eaLnBrk="1" fontAlgn="auto" latinLnBrk="0" hangingPunct="1">
+                  <a:lnSpc>
+                    <a:spcPct val="100000"/>
+                  </a:lnSpc>
+                  <a:spcBef>
+                    <a:spcPts val="0"/>
+                  </a:spcBef>
+                  <a:spcAft>
+                    <a:spcPts val="0"/>
+                  </a:spcAft>
+                  <a:buClrTx/>
+                  <a:buSzTx/>
+                  <a:buFontTx/>
+                  <a:buNone/>
+                  <a:tabLst/>
+                  <a:defRPr/>
+                </a:pPr>
+                <a:endParaRPr kumimoji="0" lang="en-US" sz="1800" b="0" i="0" u="none" strike="noStrike" kern="0" cap="none" spc="0" normalizeH="0" baseline="0" noProof="0">
+                  <a:ln>
+                    <a:noFill/>
+                  </a:ln>
+                  <a:solidFill>
+                    <a:prstClr val="white"/>
+                  </a:solidFill>
+                  <a:effectLst/>
+                  <a:uLnTx/>
+                  <a:uFillTx/>
+                  <a:latin typeface="Calibri" panose="020F0502020204030204"/>
+                  <a:ea typeface="+mn-ea"/>
+                  <a:cs typeface="+mn-cs"/>
+                </a:endParaRPr>
+              </a:p>
+            </p:txBody>
+          </p:sp>
+          <p:pic>
+            <p:nvPicPr>
+              <p:cNvPr id="26" name="Graphic 25">
+                <a:extLst>
+                  <a:ext uri="{FF2B5EF4-FFF2-40B4-BE49-F238E27FC236}">
+                    <a16:creationId xmlns:a16="http://schemas.microsoft.com/office/drawing/2014/main" id="{3EE774D2-8366-8E4E-4F72-5D4FC1EDB988}"/>
+                  </a:ext>
+                </a:extLst>
+              </p:cNvPr>
+              <p:cNvPicPr>
+                <a:picLocks noChangeAspect="1"/>
+              </p:cNvPicPr>
+              <p:nvPr/>
+            </p:nvPicPr>
+            <p:blipFill rotWithShape="1">
+              <a:blip r:embed="rId3">
+                <a:extLst>
+                  <a:ext uri="{96DAC541-7B7A-43D3-8B79-37D633B846F1}">
+                    <asvg:svgBlip xmlns:asvg="http://schemas.microsoft.com/office/drawing/2016/SVG/main" r:embed="rId4"/>
+                  </a:ext>
+                </a:extLst>
+              </a:blip>
+              <a:srcRect b="30924"/>
+              <a:stretch/>
+            </p:blipFill>
+            <p:spPr>
+              <a:xfrm rot="21398750" flipH="1">
+                <a:off x="5340868" y="4498477"/>
+                <a:ext cx="1387128" cy="481633"/>
+              </a:xfrm>
+              <a:prstGeom prst="ellipse">
+                <a:avLst/>
+              </a:prstGeom>
+            </p:spPr>
+          </p:pic>
+          <p:pic>
+            <p:nvPicPr>
+              <p:cNvPr id="27" name="Graphic 26">
+                <a:extLst>
+                  <a:ext uri="{FF2B5EF4-FFF2-40B4-BE49-F238E27FC236}">
+                    <a16:creationId xmlns:a16="http://schemas.microsoft.com/office/drawing/2014/main" id="{920F6392-E319-2711-C736-4A7293B9FD42}"/>
+                  </a:ext>
+                </a:extLst>
+              </p:cNvPr>
+              <p:cNvPicPr>
+                <a:picLocks noChangeAspect="1"/>
+              </p:cNvPicPr>
+              <p:nvPr/>
+            </p:nvPicPr>
+            <p:blipFill rotWithShape="1">
+              <a:blip r:embed="rId3">
+                <a:extLst>
+                  <a:ext uri="{96DAC541-7B7A-43D3-8B79-37D633B846F1}">
+                    <asvg:svgBlip xmlns:asvg="http://schemas.microsoft.com/office/drawing/2016/SVG/main" r:embed="rId4"/>
+                  </a:ext>
+                </a:extLst>
+              </a:blip>
+              <a:srcRect b="30924"/>
+              <a:stretch/>
+            </p:blipFill>
+            <p:spPr>
+              <a:xfrm rot="20503315" flipH="1">
+                <a:off x="5879394" y="4690594"/>
+                <a:ext cx="1387128" cy="481633"/>
+              </a:xfrm>
+              <a:prstGeom prst="ellipse">
+                <a:avLst/>
+              </a:prstGeom>
+            </p:spPr>
+          </p:pic>
+          <p:pic>
+            <p:nvPicPr>
+              <p:cNvPr id="28" name="Graphic 27">
+                <a:extLst>
+                  <a:ext uri="{FF2B5EF4-FFF2-40B4-BE49-F238E27FC236}">
+                    <a16:creationId xmlns:a16="http://schemas.microsoft.com/office/drawing/2014/main" id="{D2C58362-0227-E74E-F0AE-00088AFAF12D}"/>
+                  </a:ext>
+                </a:extLst>
+              </p:cNvPr>
+              <p:cNvPicPr>
+                <a:picLocks noChangeAspect="1"/>
+              </p:cNvPicPr>
+              <p:nvPr/>
+            </p:nvPicPr>
+            <p:blipFill rotWithShape="1">
+              <a:blip r:embed="rId3">
+                <a:extLst>
+                  <a:ext uri="{96DAC541-7B7A-43D3-8B79-37D633B846F1}">
+                    <asvg:svgBlip xmlns:asvg="http://schemas.microsoft.com/office/drawing/2016/SVG/main" r:embed="rId4"/>
+                  </a:ext>
+                </a:extLst>
+              </a:blip>
+              <a:srcRect b="30924"/>
+              <a:stretch/>
+            </p:blipFill>
+            <p:spPr>
+              <a:xfrm rot="788449" flipH="1">
+                <a:off x="5023667" y="4718753"/>
+                <a:ext cx="1387128" cy="481633"/>
+              </a:xfrm>
+              <a:prstGeom prst="ellipse">
+                <a:avLst/>
+              </a:prstGeom>
+            </p:spPr>
+          </p:pic>
+          <p:pic>
+            <p:nvPicPr>
+              <p:cNvPr id="29" name="Graphic 28">
+                <a:extLst>
+                  <a:ext uri="{FF2B5EF4-FFF2-40B4-BE49-F238E27FC236}">
+                    <a16:creationId xmlns:a16="http://schemas.microsoft.com/office/drawing/2014/main" id="{20021D4B-36B4-2D68-1AEA-33C5321908FB}"/>
+                  </a:ext>
+                </a:extLst>
+              </p:cNvPr>
+              <p:cNvPicPr>
+                <a:picLocks noChangeAspect="1"/>
+              </p:cNvPicPr>
+              <p:nvPr/>
+            </p:nvPicPr>
+            <p:blipFill>
+              <a:blip r:embed="rId5">
+                <a:extLst>
+                  <a:ext uri="{96DAC541-7B7A-43D3-8B79-37D633B846F1}">
+                    <asvg:svgBlip xmlns:asvg="http://schemas.microsoft.com/office/drawing/2016/SVG/main" r:embed="rId6"/>
+                  </a:ext>
+                </a:extLst>
+              </a:blip>
+              <a:stretch>
+                <a:fillRect/>
+              </a:stretch>
+            </p:blipFill>
+            <p:spPr>
+              <a:xfrm rot="636955">
+                <a:off x="4841405" y="1783706"/>
+                <a:ext cx="1702961" cy="2845840"/>
+              </a:xfrm>
+              <a:prstGeom prst="rect">
+                <a:avLst/>
+              </a:prstGeom>
+            </p:spPr>
+          </p:pic>
+          <p:pic>
+            <p:nvPicPr>
+              <p:cNvPr id="30" name="Graphic 29">
+                <a:extLst>
+                  <a:ext uri="{FF2B5EF4-FFF2-40B4-BE49-F238E27FC236}">
+                    <a16:creationId xmlns:a16="http://schemas.microsoft.com/office/drawing/2014/main" id="{7DD7F7F6-D7BA-8577-F74D-F60212BBC56C}"/>
+                  </a:ext>
+                </a:extLst>
+              </p:cNvPr>
+              <p:cNvPicPr>
+                <a:picLocks noChangeAspect="1"/>
+              </p:cNvPicPr>
+              <p:nvPr/>
+            </p:nvPicPr>
+            <p:blipFill>
+              <a:blip r:embed="rId7">
+                <a:extLst>
+                  <a:ext uri="{96DAC541-7B7A-43D3-8B79-37D633B846F1}">
+                    <asvg:svgBlip xmlns:asvg="http://schemas.microsoft.com/office/drawing/2016/SVG/main" r:embed="rId8"/>
+                  </a:ext>
+                </a:extLst>
+              </a:blip>
+              <a:stretch>
+                <a:fillRect/>
+              </a:stretch>
+            </p:blipFill>
+            <p:spPr>
+              <a:xfrm rot="575686" flipH="1">
+                <a:off x="4480646" y="1703696"/>
+                <a:ext cx="625009" cy="2757393"/>
+              </a:xfrm>
+              <a:prstGeom prst="rect">
+                <a:avLst/>
+              </a:prstGeom>
+            </p:spPr>
+          </p:pic>
+          <p:pic>
+            <p:nvPicPr>
+              <p:cNvPr id="31" name="Graphic 30">
+                <a:extLst>
+                  <a:ext uri="{FF2B5EF4-FFF2-40B4-BE49-F238E27FC236}">
+                    <a16:creationId xmlns:a16="http://schemas.microsoft.com/office/drawing/2014/main" id="{52813662-D7C0-E491-149D-E0A10B09E249}"/>
+                  </a:ext>
+                </a:extLst>
+              </p:cNvPr>
+              <p:cNvPicPr>
+                <a:picLocks noChangeAspect="1"/>
+              </p:cNvPicPr>
+              <p:nvPr/>
+            </p:nvPicPr>
+            <p:blipFill>
+              <a:blip r:embed="rId5">
+                <a:extLst>
+                  <a:ext uri="{96DAC541-7B7A-43D3-8B79-37D633B846F1}">
+                    <asvg:svgBlip xmlns:asvg="http://schemas.microsoft.com/office/drawing/2016/SVG/main" r:embed="rId6"/>
+                  </a:ext>
+                </a:extLst>
+              </a:blip>
+              <a:stretch>
+                <a:fillRect/>
+              </a:stretch>
+            </p:blipFill>
+            <p:spPr>
+              <a:xfrm rot="737105">
+                <a:off x="4646855" y="2041552"/>
+                <a:ext cx="1494749" cy="2497894"/>
+              </a:xfrm>
+              <a:prstGeom prst="rect">
+                <a:avLst/>
+              </a:prstGeom>
+            </p:spPr>
+          </p:pic>
+          <p:pic>
+            <p:nvPicPr>
+              <p:cNvPr id="32" name="Graphic 31">
+                <a:extLst>
+                  <a:ext uri="{FF2B5EF4-FFF2-40B4-BE49-F238E27FC236}">
+                    <a16:creationId xmlns:a16="http://schemas.microsoft.com/office/drawing/2014/main" id="{0432C1B8-7C0C-E0C2-E21A-F33476501119}"/>
+                  </a:ext>
+                </a:extLst>
+              </p:cNvPr>
+              <p:cNvPicPr>
+                <a:picLocks noChangeAspect="1"/>
+              </p:cNvPicPr>
+              <p:nvPr/>
+            </p:nvPicPr>
+            <p:blipFill>
+              <a:blip r:embed="rId9">
+                <a:extLst>
+                  <a:ext uri="{96DAC541-7B7A-43D3-8B79-37D633B846F1}">
+                    <asvg:svgBlip xmlns:asvg="http://schemas.microsoft.com/office/drawing/2016/SVG/main" r:embed="rId10"/>
+                  </a:ext>
+                </a:extLst>
+              </a:blip>
+              <a:stretch>
+                <a:fillRect/>
+              </a:stretch>
+            </p:blipFill>
+            <p:spPr>
+              <a:xfrm flipH="1">
+                <a:off x="4563022" y="2032257"/>
+                <a:ext cx="1314097" cy="2832106"/>
+              </a:xfrm>
+              <a:prstGeom prst="rect">
+                <a:avLst/>
+              </a:prstGeom>
+            </p:spPr>
+          </p:pic>
+          <p:sp>
+            <p:nvSpPr>
+              <p:cNvPr id="33" name="Donut 32">
+                <a:extLst>
+                  <a:ext uri="{FF2B5EF4-FFF2-40B4-BE49-F238E27FC236}">
+                    <a16:creationId xmlns:a16="http://schemas.microsoft.com/office/drawing/2014/main" id="{FDE7D0E9-0B26-C7BE-D3F4-B22057DF09E9}"/>
+                  </a:ext>
+                </a:extLst>
+              </p:cNvPr>
+              <p:cNvSpPr/>
+              <p:nvPr/>
+            </p:nvSpPr>
+            <p:spPr>
+              <a:xfrm>
+                <a:off x="4050315" y="1313042"/>
+                <a:ext cx="4046410" cy="4038717"/>
+              </a:xfrm>
+              <a:prstGeom prst="donut">
+                <a:avLst>
+                  <a:gd name="adj" fmla="val 3278"/>
+                </a:avLst>
+              </a:prstGeom>
+              <a:solidFill>
+                <a:srgbClr val="7030A0"/>
+              </a:solidFill>
+              <a:ln w="12700" cap="flat" cmpd="sng" algn="ctr">
+                <a:solidFill>
+                  <a:srgbClr val="7030A0"/>
+                </a:solidFill>
+                <a:prstDash val="solid"/>
+                <a:miter lim="800000"/>
+              </a:ln>
+              <a:effectLst/>
+            </p:spPr>
+            <p:txBody>
+              <a:bodyPr rtlCol="0" anchor="ctr"/>
+              <a:lstStyle/>
+              <a:p>
+                <a:pPr marL="0" marR="0" lvl="0" indent="0" algn="ctr" defTabSz="914400" eaLnBrk="1" fontAlgn="auto" latinLnBrk="0" hangingPunct="1">
+                  <a:lnSpc>
+                    <a:spcPct val="100000"/>
+                  </a:lnSpc>
+                  <a:spcBef>
+                    <a:spcPts val="0"/>
+                  </a:spcBef>
+                  <a:spcAft>
+                    <a:spcPts val="0"/>
+                  </a:spcAft>
+                  <a:buClrTx/>
+                  <a:buSzTx/>
+                  <a:buFontTx/>
+                  <a:buNone/>
+                  <a:tabLst/>
+                  <a:defRPr/>
+                </a:pPr>
+                <a:endParaRPr kumimoji="0" lang="en-US" sz="1800" b="0" i="0" u="none" strike="noStrike" kern="0" cap="none" spc="0" normalizeH="0" baseline="0" noProof="0">
+                  <a:ln>
+                    <a:noFill/>
+                  </a:ln>
+                  <a:solidFill>
+                    <a:prstClr val="white"/>
+                  </a:solidFill>
+                  <a:effectLst/>
+                  <a:uLnTx/>
+                  <a:uFillTx/>
+                  <a:latin typeface="Calibri" panose="020F0502020204030204"/>
+                  <a:ea typeface="+mn-ea"/>
+                  <a:cs typeface="+mn-cs"/>
+                </a:endParaRPr>
+              </a:p>
+            </p:txBody>
+          </p:sp>
+        </p:grpSp>
+        <p:sp>
+          <p:nvSpPr>
+            <p:cNvPr id="61" name="TextBox 60">
+              <a:extLst>
+                <a:ext uri="{FF2B5EF4-FFF2-40B4-BE49-F238E27FC236}">
+                  <a16:creationId xmlns:a16="http://schemas.microsoft.com/office/drawing/2014/main" id="{3F2A1811-C1BE-22AA-2EEF-96FD21DA5EB6}"/>
+                </a:ext>
+              </a:extLst>
+            </p:cNvPr>
+            <p:cNvSpPr txBox="1"/>
+            <p:nvPr/>
+          </p:nvSpPr>
+          <p:spPr>
+            <a:xfrm>
+              <a:off x="1984451" y="1246149"/>
+              <a:ext cx="551754" cy="369332"/>
+            </a:xfrm>
+            <a:prstGeom prst="rect">
+              <a:avLst/>
+            </a:prstGeom>
+            <a:noFill/>
+          </p:spPr>
+          <p:txBody>
+            <a:bodyPr wrap="none" rtlCol="0">
+              <a:spAutoFit/>
+            </a:bodyPr>
+            <a:lstStyle/>
+            <a:p>
+              <a:r>
+                <a:rPr lang="en-US" dirty="0"/>
+                <a:t>5 m</a:t>
+              </a:r>
+            </a:p>
+          </p:txBody>
+        </p:sp>
+      </p:grpSp>
+    </p:spTree>
+    <p:extLst>
+      <p:ext uri="{BB962C8B-B14F-4D97-AF65-F5344CB8AC3E}">
+        <p14:creationId xmlns:p14="http://schemas.microsoft.com/office/powerpoint/2010/main" val="2893649556"/>
+      </p:ext>
+    </p:extLst>
+  </p:cSld>
+  <p:clrMapOvr>
+    <a:masterClrMapping/>
+  </p:clrMapOvr>
+</p:sld>
+</file>
+
+<file path=ppt/slides/slide5.xml><?xml version="1.0" encoding="utf-8"?>
+<p:sld xmlns:a="http://schemas.openxmlformats.org/drawingml/2006/main" xmlns:r="http://schemas.openxmlformats.org/officeDocument/2006/relationships" xmlns:p="http://schemas.openxmlformats.org/presentationml/2006/main">
+  <p:cSld>
+    <p:spTree>
+      <p:nvGrpSpPr>
+        <p:cNvPr id="1" name=""/>
+        <p:cNvGrpSpPr/>
+        <p:nvPr/>
+      </p:nvGrpSpPr>
+      <p:grpSpPr>
+        <a:xfrm>
+          <a:off x="0" y="0"/>
+          <a:ext cx="0" cy="0"/>
+          <a:chOff x="0" y="0"/>
+          <a:chExt cx="0" cy="0"/>
+        </a:xfrm>
+      </p:grpSpPr>
+      <p:grpSp>
+        <p:nvGrpSpPr>
+          <p:cNvPr id="50" name="Group 49">
+            <a:extLst>
+              <a:ext uri="{FF2B5EF4-FFF2-40B4-BE49-F238E27FC236}">
+                <a16:creationId xmlns:a16="http://schemas.microsoft.com/office/drawing/2014/main" id="{C4EE4C09-A84C-9BFB-899B-A9790C65501A}"/>
+              </a:ext>
+            </a:extLst>
+          </p:cNvPr>
+          <p:cNvGrpSpPr/>
+          <p:nvPr/>
+        </p:nvGrpSpPr>
+        <p:grpSpPr>
+          <a:xfrm>
+            <a:off x="1830790" y="1713674"/>
+            <a:ext cx="1507692" cy="1516003"/>
+            <a:chOff x="1084341" y="304751"/>
+            <a:chExt cx="1507692" cy="1516003"/>
+          </a:xfrm>
+        </p:grpSpPr>
+        <p:grpSp>
+          <p:nvGrpSpPr>
+            <p:cNvPr id="5" name="Group 4">
+              <a:extLst>
+                <a:ext uri="{FF2B5EF4-FFF2-40B4-BE49-F238E27FC236}">
+                  <a16:creationId xmlns:a16="http://schemas.microsoft.com/office/drawing/2014/main" id="{A0E274C9-427E-FF25-2394-280D3A58D3E1}"/>
+                </a:ext>
+              </a:extLst>
+            </p:cNvPr>
+            <p:cNvGrpSpPr/>
+            <p:nvPr/>
+          </p:nvGrpSpPr>
+          <p:grpSpPr>
+            <a:xfrm>
+              <a:off x="1084341" y="304751"/>
+              <a:ext cx="1507692" cy="1516003"/>
+              <a:chOff x="39496" y="71919"/>
+              <a:chExt cx="4081718" cy="4019720"/>
+            </a:xfrm>
+          </p:grpSpPr>
+          <p:pic>
+            <p:nvPicPr>
+              <p:cNvPr id="6" name="Picture 5">
+                <a:extLst>
+                  <a:ext uri="{FF2B5EF4-FFF2-40B4-BE49-F238E27FC236}">
+                    <a16:creationId xmlns:a16="http://schemas.microsoft.com/office/drawing/2014/main" id="{B6BF85F6-061F-54AC-5298-176BE2BC86EA}"/>
+                  </a:ext>
+                </a:extLst>
+              </p:cNvPr>
+              <p:cNvPicPr>
+                <a:picLocks noChangeAspect="1"/>
+              </p:cNvPicPr>
+              <p:nvPr/>
+            </p:nvPicPr>
+            <p:blipFill rotWithShape="1">
+              <a:blip r:embed="rId3"/>
+              <a:srcRect l="44456" t="36578" r="37377" b="31254"/>
+              <a:stretch/>
+            </p:blipFill>
+            <p:spPr>
+              <a:xfrm rot="1420365">
+                <a:off x="166304" y="171314"/>
+                <a:ext cx="3854941" cy="3839419"/>
+              </a:xfrm>
+              <a:prstGeom prst="ellipse">
+                <a:avLst/>
+              </a:prstGeom>
+            </p:spPr>
+          </p:pic>
+          <p:sp>
+            <p:nvSpPr>
+              <p:cNvPr id="7" name="Oval 6">
+                <a:extLst>
+                  <a:ext uri="{FF2B5EF4-FFF2-40B4-BE49-F238E27FC236}">
+                    <a16:creationId xmlns:a16="http://schemas.microsoft.com/office/drawing/2014/main" id="{85E9D1D3-124D-017B-E58B-3938DA948FB5}"/>
+                  </a:ext>
+                </a:extLst>
+              </p:cNvPr>
+              <p:cNvSpPr/>
+              <p:nvPr/>
+            </p:nvSpPr>
+            <p:spPr>
+              <a:xfrm>
+                <a:off x="471460" y="2529696"/>
+                <a:ext cx="576152" cy="507455"/>
+              </a:xfrm>
+              <a:prstGeom prst="ellipse">
+                <a:avLst/>
+              </a:prstGeom>
+              <a:solidFill>
+                <a:srgbClr val="FFFC00">
+                  <a:alpha val="41961"/>
+                </a:srgbClr>
+              </a:solidFill>
+              <a:ln w="12700" cap="flat" cmpd="sng" algn="ctr">
+                <a:noFill/>
+                <a:prstDash val="solid"/>
+                <a:miter lim="800000"/>
+              </a:ln>
+              <a:effectLst/>
+            </p:spPr>
+            <p:txBody>
+              <a:bodyPr rtlCol="0" anchor="ctr"/>
+              <a:lstStyle/>
+              <a:p>
+                <a:pPr marL="0" marR="0" lvl="0" indent="0" algn="ctr" defTabSz="457200" eaLnBrk="1" fontAlgn="auto" latinLnBrk="0" hangingPunct="1">
+                  <a:lnSpc>
+                    <a:spcPct val="100000"/>
+                  </a:lnSpc>
+                  <a:spcBef>
+                    <a:spcPts val="0"/>
+                  </a:spcBef>
+                  <a:spcAft>
+                    <a:spcPts val="0"/>
+                  </a:spcAft>
+                  <a:buClrTx/>
+                  <a:buSzTx/>
+                  <a:buFontTx/>
+                  <a:buNone/>
+                  <a:tabLst/>
+                  <a:defRPr/>
+                </a:pPr>
+                <a:endParaRPr kumimoji="0" lang="en-US" sz="1800" b="0" i="0" u="none" strike="noStrike" kern="0" cap="none" spc="0" normalizeH="0" baseline="0" noProof="0">
+                  <a:ln>
+                    <a:noFill/>
+                  </a:ln>
+                  <a:solidFill>
+                    <a:prstClr val="white"/>
+                  </a:solidFill>
+                  <a:effectLst/>
+                  <a:uLnTx/>
+                  <a:uFillTx/>
+                  <a:latin typeface="Calibri" panose="020F0502020204030204"/>
+                  <a:ea typeface="+mn-ea"/>
+                  <a:cs typeface="+mn-cs"/>
+                </a:endParaRPr>
+              </a:p>
+            </p:txBody>
+          </p:sp>
+          <p:sp>
+            <p:nvSpPr>
+              <p:cNvPr id="8" name="Oval 7">
+                <a:extLst>
+                  <a:ext uri="{FF2B5EF4-FFF2-40B4-BE49-F238E27FC236}">
+                    <a16:creationId xmlns:a16="http://schemas.microsoft.com/office/drawing/2014/main" id="{C223A0FF-D6B4-4641-7BA6-A543354C2918}"/>
+                  </a:ext>
+                </a:extLst>
+              </p:cNvPr>
+              <p:cNvSpPr/>
+              <p:nvPr/>
+            </p:nvSpPr>
+            <p:spPr>
+              <a:xfrm>
+                <a:off x="2524362" y="412019"/>
+                <a:ext cx="705327" cy="649283"/>
+              </a:xfrm>
+              <a:prstGeom prst="ellipse">
+                <a:avLst/>
+              </a:prstGeom>
+              <a:solidFill>
+                <a:srgbClr val="FFFC00">
+                  <a:alpha val="41961"/>
+                </a:srgbClr>
+              </a:solidFill>
+              <a:ln w="12700" cap="flat" cmpd="sng" algn="ctr">
+                <a:noFill/>
+                <a:prstDash val="solid"/>
+                <a:miter lim="800000"/>
+              </a:ln>
+              <a:effectLst/>
+            </p:spPr>
+            <p:txBody>
+              <a:bodyPr rtlCol="0" anchor="ctr"/>
+              <a:lstStyle/>
+              <a:p>
+                <a:pPr marL="0" marR="0" lvl="0" indent="0" algn="ctr" defTabSz="457200" eaLnBrk="1" fontAlgn="auto" latinLnBrk="0" hangingPunct="1">
+                  <a:lnSpc>
+                    <a:spcPct val="100000"/>
+                  </a:lnSpc>
+                  <a:spcBef>
+                    <a:spcPts val="0"/>
+                  </a:spcBef>
+                  <a:spcAft>
+                    <a:spcPts val="0"/>
+                  </a:spcAft>
+                  <a:buClrTx/>
+                  <a:buSzTx/>
+                  <a:buFontTx/>
+                  <a:buNone/>
+                  <a:tabLst/>
+                  <a:defRPr/>
+                </a:pPr>
+                <a:endParaRPr kumimoji="0" lang="en-US" sz="1800" b="0" i="0" u="none" strike="noStrike" kern="0" cap="none" spc="0" normalizeH="0" baseline="0" noProof="0">
+                  <a:ln>
+                    <a:noFill/>
+                  </a:ln>
+                  <a:solidFill>
+                    <a:prstClr val="white"/>
+                  </a:solidFill>
+                  <a:effectLst/>
+                  <a:uLnTx/>
+                  <a:uFillTx/>
+                  <a:latin typeface="Calibri" panose="020F0502020204030204"/>
+                  <a:ea typeface="+mn-ea"/>
+                  <a:cs typeface="+mn-cs"/>
+                </a:endParaRPr>
+              </a:p>
+            </p:txBody>
+          </p:sp>
+          <p:sp>
+            <p:nvSpPr>
+              <p:cNvPr id="9" name="Oval 8">
+                <a:extLst>
+                  <a:ext uri="{FF2B5EF4-FFF2-40B4-BE49-F238E27FC236}">
+                    <a16:creationId xmlns:a16="http://schemas.microsoft.com/office/drawing/2014/main" id="{6B7D779B-1B5B-95BE-9213-50308A0D4CD2}"/>
+                  </a:ext>
+                </a:extLst>
+              </p:cNvPr>
+              <p:cNvSpPr/>
+              <p:nvPr/>
+            </p:nvSpPr>
+            <p:spPr>
+              <a:xfrm>
+                <a:off x="2338165" y="485671"/>
+                <a:ext cx="705327" cy="649283"/>
+              </a:xfrm>
+              <a:prstGeom prst="ellipse">
+                <a:avLst/>
+              </a:prstGeom>
+              <a:solidFill>
+                <a:srgbClr val="FFFC00">
+                  <a:alpha val="41961"/>
+                </a:srgbClr>
+              </a:solidFill>
+              <a:ln w="12700" cap="flat" cmpd="sng" algn="ctr">
+                <a:noFill/>
+                <a:prstDash val="solid"/>
+                <a:miter lim="800000"/>
+              </a:ln>
+              <a:effectLst/>
+            </p:spPr>
+            <p:txBody>
+              <a:bodyPr rtlCol="0" anchor="ctr"/>
+              <a:lstStyle/>
+              <a:p>
+                <a:pPr marL="0" marR="0" lvl="0" indent="0" algn="ctr" defTabSz="457200" eaLnBrk="1" fontAlgn="auto" latinLnBrk="0" hangingPunct="1">
+                  <a:lnSpc>
+                    <a:spcPct val="100000"/>
+                  </a:lnSpc>
+                  <a:spcBef>
+                    <a:spcPts val="0"/>
+                  </a:spcBef>
+                  <a:spcAft>
+                    <a:spcPts val="0"/>
+                  </a:spcAft>
+                  <a:buClrTx/>
+                  <a:buSzTx/>
+                  <a:buFontTx/>
+                  <a:buNone/>
+                  <a:tabLst/>
+                  <a:defRPr/>
+                </a:pPr>
+                <a:endParaRPr kumimoji="0" lang="en-US" sz="1800" b="0" i="0" u="none" strike="noStrike" kern="0" cap="none" spc="0" normalizeH="0" baseline="0" noProof="0">
+                  <a:ln>
+                    <a:noFill/>
+                  </a:ln>
+                  <a:solidFill>
+                    <a:prstClr val="white"/>
+                  </a:solidFill>
+                  <a:effectLst/>
+                  <a:uLnTx/>
+                  <a:uFillTx/>
+                  <a:latin typeface="Calibri" panose="020F0502020204030204"/>
+                  <a:ea typeface="+mn-ea"/>
+                  <a:cs typeface="+mn-cs"/>
+                </a:endParaRPr>
+              </a:p>
+            </p:txBody>
+          </p:sp>
+          <p:sp>
+            <p:nvSpPr>
+              <p:cNvPr id="10" name="Oval 9">
+                <a:extLst>
+                  <a:ext uri="{FF2B5EF4-FFF2-40B4-BE49-F238E27FC236}">
+                    <a16:creationId xmlns:a16="http://schemas.microsoft.com/office/drawing/2014/main" id="{77B8F68E-8059-3964-8317-DBDB49AF408C}"/>
+                  </a:ext>
+                </a:extLst>
+              </p:cNvPr>
+              <p:cNvSpPr/>
+              <p:nvPr/>
+            </p:nvSpPr>
+            <p:spPr>
+              <a:xfrm>
+                <a:off x="2360833" y="347692"/>
+                <a:ext cx="705327" cy="649283"/>
+              </a:xfrm>
+              <a:prstGeom prst="ellipse">
+                <a:avLst/>
+              </a:prstGeom>
+              <a:solidFill>
+                <a:srgbClr val="FFFC00">
+                  <a:alpha val="41961"/>
+                </a:srgbClr>
+              </a:solidFill>
+              <a:ln w="12700" cap="flat" cmpd="sng" algn="ctr">
+                <a:noFill/>
+                <a:prstDash val="solid"/>
+                <a:miter lim="800000"/>
+              </a:ln>
+              <a:effectLst/>
+            </p:spPr>
+            <p:txBody>
+              <a:bodyPr rtlCol="0" anchor="ctr"/>
+              <a:lstStyle/>
+              <a:p>
+                <a:pPr marL="0" marR="0" lvl="0" indent="0" algn="ctr" defTabSz="457200" eaLnBrk="1" fontAlgn="auto" latinLnBrk="0" hangingPunct="1">
+                  <a:lnSpc>
+                    <a:spcPct val="100000"/>
+                  </a:lnSpc>
+                  <a:spcBef>
+                    <a:spcPts val="0"/>
+                  </a:spcBef>
+                  <a:spcAft>
+                    <a:spcPts val="0"/>
+                  </a:spcAft>
+                  <a:buClrTx/>
+                  <a:buSzTx/>
+                  <a:buFontTx/>
+                  <a:buNone/>
+                  <a:tabLst/>
+                  <a:defRPr/>
+                </a:pPr>
+                <a:endParaRPr kumimoji="0" lang="en-US" sz="1800" b="0" i="0" u="none" strike="noStrike" kern="0" cap="none" spc="0" normalizeH="0" baseline="0" noProof="0">
+                  <a:ln>
+                    <a:noFill/>
+                  </a:ln>
+                  <a:solidFill>
+                    <a:prstClr val="white"/>
+                  </a:solidFill>
+                  <a:effectLst/>
+                  <a:uLnTx/>
+                  <a:uFillTx/>
+                  <a:latin typeface="Calibri" panose="020F0502020204030204"/>
+                  <a:ea typeface="+mn-ea"/>
+                  <a:cs typeface="+mn-cs"/>
+                </a:endParaRPr>
+              </a:p>
+            </p:txBody>
+          </p:sp>
+          <p:sp>
+            <p:nvSpPr>
+              <p:cNvPr id="11" name="Oval 10">
+                <a:extLst>
+                  <a:ext uri="{FF2B5EF4-FFF2-40B4-BE49-F238E27FC236}">
+                    <a16:creationId xmlns:a16="http://schemas.microsoft.com/office/drawing/2014/main" id="{879CE016-2A74-CE1A-92DD-314E6E6F7E8D}"/>
+                  </a:ext>
+                </a:extLst>
+              </p:cNvPr>
+              <p:cNvSpPr/>
+              <p:nvPr/>
+            </p:nvSpPr>
+            <p:spPr>
+              <a:xfrm>
+                <a:off x="1467865" y="339114"/>
+                <a:ext cx="533987" cy="451839"/>
+              </a:xfrm>
+              <a:prstGeom prst="ellipse">
+                <a:avLst/>
+              </a:prstGeom>
+              <a:solidFill>
+                <a:srgbClr val="FFFC00">
+                  <a:alpha val="41961"/>
+                </a:srgbClr>
+              </a:solidFill>
+              <a:ln w="12700" cap="flat" cmpd="sng" algn="ctr">
+                <a:noFill/>
+                <a:prstDash val="solid"/>
+                <a:miter lim="800000"/>
+              </a:ln>
+              <a:effectLst/>
+            </p:spPr>
+            <p:txBody>
+              <a:bodyPr rtlCol="0" anchor="ctr"/>
+              <a:lstStyle/>
+              <a:p>
+                <a:pPr marL="0" marR="0" lvl="0" indent="0" algn="ctr" defTabSz="457200" eaLnBrk="1" fontAlgn="auto" latinLnBrk="0" hangingPunct="1">
+                  <a:lnSpc>
+                    <a:spcPct val="100000"/>
+                  </a:lnSpc>
+                  <a:spcBef>
+                    <a:spcPts val="0"/>
+                  </a:spcBef>
+                  <a:spcAft>
+                    <a:spcPts val="0"/>
+                  </a:spcAft>
+                  <a:buClrTx/>
+                  <a:buSzTx/>
+                  <a:buFontTx/>
+                  <a:buNone/>
+                  <a:tabLst/>
+                  <a:defRPr/>
+                </a:pPr>
+                <a:endParaRPr kumimoji="0" lang="en-US" sz="1800" b="0" i="0" u="none" strike="noStrike" kern="0" cap="none" spc="0" normalizeH="0" baseline="0" noProof="0">
+                  <a:ln>
+                    <a:noFill/>
+                  </a:ln>
+                  <a:solidFill>
+                    <a:prstClr val="white"/>
+                  </a:solidFill>
+                  <a:effectLst/>
+                  <a:uLnTx/>
+                  <a:uFillTx/>
+                  <a:latin typeface="Calibri" panose="020F0502020204030204"/>
+                  <a:ea typeface="+mn-ea"/>
+                  <a:cs typeface="+mn-cs"/>
+                </a:endParaRPr>
+              </a:p>
+            </p:txBody>
+          </p:sp>
+          <p:sp>
+            <p:nvSpPr>
+              <p:cNvPr id="12" name="Oval 11">
+                <a:extLst>
+                  <a:ext uri="{FF2B5EF4-FFF2-40B4-BE49-F238E27FC236}">
+                    <a16:creationId xmlns:a16="http://schemas.microsoft.com/office/drawing/2014/main" id="{78C33B40-86A7-4F66-782A-92BC77EE3708}"/>
+                  </a:ext>
+                </a:extLst>
+              </p:cNvPr>
+              <p:cNvSpPr/>
+              <p:nvPr/>
+            </p:nvSpPr>
+            <p:spPr>
+              <a:xfrm>
+                <a:off x="906827" y="1472723"/>
+                <a:ext cx="566056" cy="518471"/>
+              </a:xfrm>
+              <a:prstGeom prst="ellipse">
+                <a:avLst/>
+              </a:prstGeom>
+              <a:solidFill>
+                <a:srgbClr val="FFFC00">
+                  <a:alpha val="41961"/>
+                </a:srgbClr>
+              </a:solidFill>
+              <a:ln w="12700" cap="flat" cmpd="sng" algn="ctr">
+                <a:noFill/>
+                <a:prstDash val="solid"/>
+                <a:miter lim="800000"/>
+              </a:ln>
+              <a:effectLst/>
+            </p:spPr>
+            <p:txBody>
+              <a:bodyPr rtlCol="0" anchor="ctr"/>
+              <a:lstStyle/>
+              <a:p>
+                <a:pPr marL="0" marR="0" lvl="0" indent="0" algn="ctr" defTabSz="457200" eaLnBrk="1" fontAlgn="auto" latinLnBrk="0" hangingPunct="1">
+                  <a:lnSpc>
+                    <a:spcPct val="100000"/>
+                  </a:lnSpc>
+                  <a:spcBef>
+                    <a:spcPts val="0"/>
+                  </a:spcBef>
+                  <a:spcAft>
+                    <a:spcPts val="0"/>
+                  </a:spcAft>
+                  <a:buClrTx/>
+                  <a:buSzTx/>
+                  <a:buFontTx/>
+                  <a:buNone/>
+                  <a:tabLst/>
+                  <a:defRPr/>
+                </a:pPr>
+                <a:endParaRPr kumimoji="0" lang="en-US" sz="1800" b="0" i="0" u="none" strike="noStrike" kern="0" cap="none" spc="0" normalizeH="0" baseline="0" noProof="0">
+                  <a:ln>
+                    <a:noFill/>
+                  </a:ln>
+                  <a:solidFill>
+                    <a:prstClr val="white"/>
+                  </a:solidFill>
+                  <a:effectLst/>
+                  <a:uLnTx/>
+                  <a:uFillTx/>
+                  <a:latin typeface="Calibri" panose="020F0502020204030204"/>
+                  <a:ea typeface="+mn-ea"/>
+                  <a:cs typeface="+mn-cs"/>
+                </a:endParaRPr>
+              </a:p>
+            </p:txBody>
+          </p:sp>
+          <p:sp>
+            <p:nvSpPr>
+              <p:cNvPr id="13" name="Oval 12">
+                <a:extLst>
+                  <a:ext uri="{FF2B5EF4-FFF2-40B4-BE49-F238E27FC236}">
+                    <a16:creationId xmlns:a16="http://schemas.microsoft.com/office/drawing/2014/main" id="{D1BB811E-897D-68E9-6D54-3FA03F163062}"/>
+                  </a:ext>
+                </a:extLst>
+              </p:cNvPr>
+              <p:cNvSpPr/>
+              <p:nvPr/>
+            </p:nvSpPr>
+            <p:spPr>
+              <a:xfrm>
+                <a:off x="1005174" y="1382225"/>
+                <a:ext cx="534367" cy="528903"/>
+              </a:xfrm>
+              <a:prstGeom prst="ellipse">
+                <a:avLst/>
+              </a:prstGeom>
+              <a:solidFill>
+                <a:srgbClr val="FFFC00">
+                  <a:alpha val="41961"/>
+                </a:srgbClr>
+              </a:solidFill>
+              <a:ln w="12700" cap="flat" cmpd="sng" algn="ctr">
+                <a:noFill/>
+                <a:prstDash val="solid"/>
+                <a:miter lim="800000"/>
+              </a:ln>
+              <a:effectLst/>
+            </p:spPr>
+            <p:txBody>
+              <a:bodyPr rtlCol="0" anchor="ctr"/>
+              <a:lstStyle/>
+              <a:p>
+                <a:pPr marL="0" marR="0" lvl="0" indent="0" algn="ctr" defTabSz="457200" eaLnBrk="1" fontAlgn="auto" latinLnBrk="0" hangingPunct="1">
+                  <a:lnSpc>
+                    <a:spcPct val="100000"/>
+                  </a:lnSpc>
+                  <a:spcBef>
+                    <a:spcPts val="0"/>
+                  </a:spcBef>
+                  <a:spcAft>
+                    <a:spcPts val="0"/>
+                  </a:spcAft>
+                  <a:buClrTx/>
+                  <a:buSzTx/>
+                  <a:buFontTx/>
+                  <a:buNone/>
+                  <a:tabLst/>
+                  <a:defRPr/>
+                </a:pPr>
+                <a:endParaRPr kumimoji="0" lang="en-US" sz="1800" b="0" i="0" u="none" strike="noStrike" kern="0" cap="none" spc="0" normalizeH="0" baseline="0" noProof="0">
+                  <a:ln>
+                    <a:noFill/>
+                  </a:ln>
+                  <a:solidFill>
+                    <a:prstClr val="white"/>
+                  </a:solidFill>
+                  <a:effectLst/>
+                  <a:uLnTx/>
+                  <a:uFillTx/>
+                  <a:latin typeface="Calibri" panose="020F0502020204030204"/>
+                  <a:ea typeface="+mn-ea"/>
+                  <a:cs typeface="+mn-cs"/>
+                </a:endParaRPr>
+              </a:p>
+            </p:txBody>
+          </p:sp>
+          <p:sp>
+            <p:nvSpPr>
+              <p:cNvPr id="14" name="Oval 13">
+                <a:extLst>
+                  <a:ext uri="{FF2B5EF4-FFF2-40B4-BE49-F238E27FC236}">
+                    <a16:creationId xmlns:a16="http://schemas.microsoft.com/office/drawing/2014/main" id="{7BB05194-AE8E-1DFE-7C5E-446C42725C71}"/>
+                  </a:ext>
+                </a:extLst>
+              </p:cNvPr>
+              <p:cNvSpPr/>
+              <p:nvPr/>
+            </p:nvSpPr>
+            <p:spPr>
+              <a:xfrm rot="21002951">
+                <a:off x="3135178" y="1655476"/>
+                <a:ext cx="575863" cy="409616"/>
+              </a:xfrm>
+              <a:prstGeom prst="ellipse">
+                <a:avLst/>
+              </a:prstGeom>
+              <a:solidFill>
+                <a:srgbClr val="FFFC00">
+                  <a:alpha val="41961"/>
+                </a:srgbClr>
+              </a:solidFill>
+              <a:ln w="12700" cap="flat" cmpd="sng" algn="ctr">
+                <a:noFill/>
+                <a:prstDash val="solid"/>
+                <a:miter lim="800000"/>
+              </a:ln>
+              <a:effectLst/>
+            </p:spPr>
+            <p:txBody>
+              <a:bodyPr rtlCol="0" anchor="ctr"/>
+              <a:lstStyle/>
+              <a:p>
+                <a:pPr marL="0" marR="0" lvl="0" indent="0" algn="ctr" defTabSz="457200" eaLnBrk="1" fontAlgn="auto" latinLnBrk="0" hangingPunct="1">
+                  <a:lnSpc>
+                    <a:spcPct val="100000"/>
+                  </a:lnSpc>
+                  <a:spcBef>
+                    <a:spcPts val="0"/>
+                  </a:spcBef>
+                  <a:spcAft>
+                    <a:spcPts val="0"/>
+                  </a:spcAft>
+                  <a:buClrTx/>
+                  <a:buSzTx/>
+                  <a:buFontTx/>
+                  <a:buNone/>
+                  <a:tabLst/>
+                  <a:defRPr/>
+                </a:pPr>
+                <a:endParaRPr kumimoji="0" lang="en-US" sz="1800" b="0" i="0" u="none" strike="noStrike" kern="0" cap="none" spc="0" normalizeH="0" baseline="0" noProof="0">
+                  <a:ln>
+                    <a:noFill/>
+                  </a:ln>
+                  <a:solidFill>
+                    <a:prstClr val="white"/>
+                  </a:solidFill>
+                  <a:effectLst/>
+                  <a:uLnTx/>
+                  <a:uFillTx/>
+                  <a:latin typeface="Calibri" panose="020F0502020204030204"/>
+                  <a:ea typeface="+mn-ea"/>
+                  <a:cs typeface="+mn-cs"/>
+                </a:endParaRPr>
+              </a:p>
+            </p:txBody>
+          </p:sp>
+          <p:sp>
+            <p:nvSpPr>
+              <p:cNvPr id="15" name="Oval 14">
+                <a:extLst>
+                  <a:ext uri="{FF2B5EF4-FFF2-40B4-BE49-F238E27FC236}">
+                    <a16:creationId xmlns:a16="http://schemas.microsoft.com/office/drawing/2014/main" id="{2584E3AD-C6B5-D053-59EC-A9151886AAA4}"/>
+                  </a:ext>
+                </a:extLst>
+              </p:cNvPr>
+              <p:cNvSpPr/>
+              <p:nvPr/>
+            </p:nvSpPr>
+            <p:spPr>
+              <a:xfrm>
+                <a:off x="1388548" y="2229865"/>
+                <a:ext cx="576152" cy="507455"/>
+              </a:xfrm>
+              <a:prstGeom prst="ellipse">
+                <a:avLst/>
+              </a:prstGeom>
+              <a:solidFill>
+                <a:srgbClr val="FFFC00">
+                  <a:alpha val="41961"/>
+                </a:srgbClr>
+              </a:solidFill>
+              <a:ln w="12700" cap="flat" cmpd="sng" algn="ctr">
+                <a:noFill/>
+                <a:prstDash val="solid"/>
+                <a:miter lim="800000"/>
+              </a:ln>
+              <a:effectLst/>
+            </p:spPr>
+            <p:txBody>
+              <a:bodyPr rtlCol="0" anchor="ctr"/>
+              <a:lstStyle/>
+              <a:p>
+                <a:pPr marL="0" marR="0" lvl="0" indent="0" algn="ctr" defTabSz="457200" eaLnBrk="1" fontAlgn="auto" latinLnBrk="0" hangingPunct="1">
+                  <a:lnSpc>
+                    <a:spcPct val="100000"/>
+                  </a:lnSpc>
+                  <a:spcBef>
+                    <a:spcPts val="0"/>
+                  </a:spcBef>
+                  <a:spcAft>
+                    <a:spcPts val="0"/>
+                  </a:spcAft>
+                  <a:buClrTx/>
+                  <a:buSzTx/>
+                  <a:buFontTx/>
+                  <a:buNone/>
+                  <a:tabLst/>
+                  <a:defRPr/>
+                </a:pPr>
+                <a:endParaRPr kumimoji="0" lang="en-US" sz="1800" b="0" i="0" u="none" strike="noStrike" kern="0" cap="none" spc="0" normalizeH="0" baseline="0" noProof="0">
+                  <a:ln>
+                    <a:noFill/>
+                  </a:ln>
+                  <a:solidFill>
+                    <a:prstClr val="white"/>
+                  </a:solidFill>
+                  <a:effectLst/>
+                  <a:uLnTx/>
+                  <a:uFillTx/>
+                  <a:latin typeface="Calibri" panose="020F0502020204030204"/>
+                  <a:ea typeface="+mn-ea"/>
+                  <a:cs typeface="+mn-cs"/>
+                </a:endParaRPr>
+              </a:p>
+            </p:txBody>
+          </p:sp>
+          <p:sp>
+            <p:nvSpPr>
+              <p:cNvPr id="16" name="Oval 15">
+                <a:extLst>
+                  <a:ext uri="{FF2B5EF4-FFF2-40B4-BE49-F238E27FC236}">
+                    <a16:creationId xmlns:a16="http://schemas.microsoft.com/office/drawing/2014/main" id="{F439A554-1D69-E159-85DB-896DC0129341}"/>
+                  </a:ext>
+                </a:extLst>
+              </p:cNvPr>
+              <p:cNvSpPr/>
+              <p:nvPr/>
+            </p:nvSpPr>
+            <p:spPr>
+              <a:xfrm>
+                <a:off x="1552402" y="2144615"/>
+                <a:ext cx="576152" cy="507455"/>
+              </a:xfrm>
+              <a:prstGeom prst="ellipse">
+                <a:avLst/>
+              </a:prstGeom>
+              <a:solidFill>
+                <a:srgbClr val="FFFC00">
+                  <a:alpha val="41961"/>
+                </a:srgbClr>
+              </a:solidFill>
+              <a:ln w="12700" cap="flat" cmpd="sng" algn="ctr">
+                <a:noFill/>
+                <a:prstDash val="solid"/>
+                <a:miter lim="800000"/>
+              </a:ln>
+              <a:effectLst/>
+            </p:spPr>
+            <p:txBody>
+              <a:bodyPr rtlCol="0" anchor="ctr"/>
+              <a:lstStyle/>
+              <a:p>
+                <a:pPr marL="0" marR="0" lvl="0" indent="0" algn="ctr" defTabSz="457200" eaLnBrk="1" fontAlgn="auto" latinLnBrk="0" hangingPunct="1">
+                  <a:lnSpc>
+                    <a:spcPct val="100000"/>
+                  </a:lnSpc>
+                  <a:spcBef>
+                    <a:spcPts val="0"/>
+                  </a:spcBef>
+                  <a:spcAft>
+                    <a:spcPts val="0"/>
+                  </a:spcAft>
+                  <a:buClrTx/>
+                  <a:buSzTx/>
+                  <a:buFontTx/>
+                  <a:buNone/>
+                  <a:tabLst/>
+                  <a:defRPr/>
+                </a:pPr>
+                <a:endParaRPr kumimoji="0" lang="en-US" sz="1800" b="0" i="0" u="none" strike="noStrike" kern="0" cap="none" spc="0" normalizeH="0" baseline="0" noProof="0">
+                  <a:ln>
+                    <a:noFill/>
+                  </a:ln>
+                  <a:solidFill>
+                    <a:prstClr val="white"/>
+                  </a:solidFill>
+                  <a:effectLst/>
+                  <a:uLnTx/>
+                  <a:uFillTx/>
+                  <a:latin typeface="Calibri" panose="020F0502020204030204"/>
+                  <a:ea typeface="+mn-ea"/>
+                  <a:cs typeface="+mn-cs"/>
+                </a:endParaRPr>
+              </a:p>
+            </p:txBody>
+          </p:sp>
+          <p:sp>
+            <p:nvSpPr>
+              <p:cNvPr id="17" name="Oval 16">
+                <a:extLst>
+                  <a:ext uri="{FF2B5EF4-FFF2-40B4-BE49-F238E27FC236}">
+                    <a16:creationId xmlns:a16="http://schemas.microsoft.com/office/drawing/2014/main" id="{F125C9DE-FB4D-AE04-842C-B370272C892E}"/>
+                  </a:ext>
+                </a:extLst>
+              </p:cNvPr>
+              <p:cNvSpPr/>
+              <p:nvPr/>
+            </p:nvSpPr>
+            <p:spPr>
+              <a:xfrm>
+                <a:off x="1444526" y="2127308"/>
+                <a:ext cx="576152" cy="507455"/>
+              </a:xfrm>
+              <a:prstGeom prst="ellipse">
+                <a:avLst/>
+              </a:prstGeom>
+              <a:solidFill>
+                <a:srgbClr val="FFFC00">
+                  <a:alpha val="41961"/>
+                </a:srgbClr>
+              </a:solidFill>
+              <a:ln w="12700" cap="flat" cmpd="sng" algn="ctr">
+                <a:noFill/>
+                <a:prstDash val="solid"/>
+                <a:miter lim="800000"/>
+              </a:ln>
+              <a:effectLst/>
+            </p:spPr>
+            <p:txBody>
+              <a:bodyPr rtlCol="0" anchor="ctr"/>
+              <a:lstStyle/>
+              <a:p>
+                <a:pPr marL="0" marR="0" lvl="0" indent="0" algn="ctr" defTabSz="457200" eaLnBrk="1" fontAlgn="auto" latinLnBrk="0" hangingPunct="1">
+                  <a:lnSpc>
+                    <a:spcPct val="100000"/>
+                  </a:lnSpc>
+                  <a:spcBef>
+                    <a:spcPts val="0"/>
+                  </a:spcBef>
+                  <a:spcAft>
+                    <a:spcPts val="0"/>
+                  </a:spcAft>
+                  <a:buClrTx/>
+                  <a:buSzTx/>
+                  <a:buFontTx/>
+                  <a:buNone/>
+                  <a:tabLst/>
+                  <a:defRPr/>
+                </a:pPr>
+                <a:endParaRPr kumimoji="0" lang="en-US" sz="1800" b="0" i="0" u="none" strike="noStrike" kern="0" cap="none" spc="0" normalizeH="0" baseline="0" noProof="0">
+                  <a:ln>
+                    <a:noFill/>
+                  </a:ln>
+                  <a:solidFill>
+                    <a:prstClr val="white"/>
+                  </a:solidFill>
+                  <a:effectLst/>
+                  <a:uLnTx/>
+                  <a:uFillTx/>
+                  <a:latin typeface="Calibri" panose="020F0502020204030204"/>
+                  <a:ea typeface="+mn-ea"/>
+                  <a:cs typeface="+mn-cs"/>
+                </a:endParaRPr>
+              </a:p>
+            </p:txBody>
+          </p:sp>
+          <p:sp>
+            <p:nvSpPr>
+              <p:cNvPr id="18" name="Donut 17">
+                <a:extLst>
+                  <a:ext uri="{FF2B5EF4-FFF2-40B4-BE49-F238E27FC236}">
+                    <a16:creationId xmlns:a16="http://schemas.microsoft.com/office/drawing/2014/main" id="{9D880B49-67B1-A822-69F9-0820BBBA7EB2}"/>
+                  </a:ext>
+                </a:extLst>
+              </p:cNvPr>
+              <p:cNvSpPr/>
+              <p:nvPr/>
+            </p:nvSpPr>
+            <p:spPr>
+              <a:xfrm>
+                <a:off x="39496" y="71919"/>
+                <a:ext cx="4081718" cy="4019720"/>
+              </a:xfrm>
+              <a:prstGeom prst="donut">
+                <a:avLst>
+                  <a:gd name="adj" fmla="val 3278"/>
+                </a:avLst>
+              </a:prstGeom>
+              <a:solidFill>
+                <a:srgbClr val="7C60C6">
+                  <a:lumMod val="60000"/>
+                  <a:lumOff val="40000"/>
+                </a:srgbClr>
+              </a:solidFill>
+              <a:ln w="12700" cap="flat" cmpd="sng" algn="ctr">
+                <a:solidFill>
+                  <a:srgbClr val="7C60C6">
+                    <a:lumMod val="60000"/>
+                    <a:lumOff val="40000"/>
+                  </a:srgbClr>
+                </a:solidFill>
+                <a:prstDash val="solid"/>
+                <a:miter lim="800000"/>
+              </a:ln>
+              <a:effectLst/>
+            </p:spPr>
+            <p:txBody>
+              <a:bodyPr rtlCol="0" anchor="ctr"/>
+              <a:lstStyle/>
+              <a:p>
+                <a:pPr marL="0" marR="0" lvl="0" indent="0" algn="ctr" defTabSz="914400" eaLnBrk="1" fontAlgn="auto" latinLnBrk="0" hangingPunct="1">
+                  <a:lnSpc>
+                    <a:spcPct val="100000"/>
+                  </a:lnSpc>
+                  <a:spcBef>
+                    <a:spcPts val="0"/>
+                  </a:spcBef>
+                  <a:spcAft>
+                    <a:spcPts val="0"/>
+                  </a:spcAft>
+                  <a:buClrTx/>
+                  <a:buSzTx/>
+                  <a:buFontTx/>
+                  <a:buNone/>
+                  <a:tabLst/>
+                  <a:defRPr/>
+                </a:pPr>
+                <a:endParaRPr kumimoji="0" lang="en-US" sz="1800" b="0" i="0" u="none" strike="noStrike" kern="0" cap="none" spc="0" normalizeH="0" baseline="0" noProof="0" dirty="0">
+                  <a:ln>
+                    <a:noFill/>
+                  </a:ln>
+                  <a:solidFill>
+                    <a:prstClr val="white"/>
+                  </a:solidFill>
+                  <a:effectLst/>
+                  <a:uLnTx/>
+                  <a:uFillTx/>
+                  <a:latin typeface="Calibri" panose="020F0502020204030204"/>
+                  <a:ea typeface="+mn-ea"/>
+                  <a:cs typeface="+mn-cs"/>
+                </a:endParaRPr>
+              </a:p>
+            </p:txBody>
+          </p:sp>
+        </p:grpSp>
+        <p:sp>
+          <p:nvSpPr>
+            <p:cNvPr id="63" name="TextBox 62">
+              <a:extLst>
+                <a:ext uri="{FF2B5EF4-FFF2-40B4-BE49-F238E27FC236}">
+                  <a16:creationId xmlns:a16="http://schemas.microsoft.com/office/drawing/2014/main" id="{04491741-A4D5-BCC6-C07A-660770C8C063}"/>
+                </a:ext>
+              </a:extLst>
+            </p:cNvPr>
+            <p:cNvSpPr txBox="1"/>
+            <p:nvPr/>
+          </p:nvSpPr>
+          <p:spPr>
+            <a:xfrm>
+              <a:off x="1353919" y="1416100"/>
+              <a:ext cx="968535" cy="369332"/>
+            </a:xfrm>
+            <a:prstGeom prst="rect">
+              <a:avLst/>
+            </a:prstGeom>
+            <a:noFill/>
+          </p:spPr>
+          <p:txBody>
+            <a:bodyPr wrap="none" rtlCol="0">
+              <a:spAutoFit/>
+            </a:bodyPr>
+            <a:lstStyle/>
+            <a:p>
+              <a:r>
+                <a:rPr lang="en-US" dirty="0"/>
+                <a:t>&gt; 100 m</a:t>
+              </a:r>
+            </a:p>
+          </p:txBody>
+        </p:sp>
+      </p:grpSp>
+    </p:spTree>
+    <p:extLst>
+      <p:ext uri="{BB962C8B-B14F-4D97-AF65-F5344CB8AC3E}">
+        <p14:creationId xmlns:p14="http://schemas.microsoft.com/office/powerpoint/2010/main" val="491449108"/>
       </p:ext>
     </p:extLst>
   </p:cSld>
